--- a/計概/Images/簡報1.pptx
+++ b/計概/Images/簡報1.pptx
@@ -7,6 +7,43 @@
   <p:sldIdLst>
     <p:sldId id="256" r:id="rId2"/>
     <p:sldId id="257" r:id="rId3"/>
+    <p:sldId id="258" r:id="rId4"/>
+    <p:sldId id="259" r:id="rId5"/>
+    <p:sldId id="260" r:id="rId6"/>
+    <p:sldId id="261" r:id="rId7"/>
+    <p:sldId id="263" r:id="rId8"/>
+    <p:sldId id="262" r:id="rId9"/>
+    <p:sldId id="264" r:id="rId10"/>
+    <p:sldId id="265" r:id="rId11"/>
+    <p:sldId id="266" r:id="rId12"/>
+    <p:sldId id="277" r:id="rId13"/>
+    <p:sldId id="278" r:id="rId14"/>
+    <p:sldId id="267" r:id="rId15"/>
+    <p:sldId id="268" r:id="rId16"/>
+    <p:sldId id="269" r:id="rId17"/>
+    <p:sldId id="270" r:id="rId18"/>
+    <p:sldId id="271" r:id="rId19"/>
+    <p:sldId id="272" r:id="rId20"/>
+    <p:sldId id="273" r:id="rId21"/>
+    <p:sldId id="279" r:id="rId22"/>
+    <p:sldId id="280" r:id="rId23"/>
+    <p:sldId id="281" r:id="rId24"/>
+    <p:sldId id="274" r:id="rId25"/>
+    <p:sldId id="275" r:id="rId26"/>
+    <p:sldId id="282" r:id="rId27"/>
+    <p:sldId id="283" r:id="rId28"/>
+    <p:sldId id="284" r:id="rId29"/>
+    <p:sldId id="285" r:id="rId30"/>
+    <p:sldId id="286" r:id="rId31"/>
+    <p:sldId id="287" r:id="rId32"/>
+    <p:sldId id="288" r:id="rId33"/>
+    <p:sldId id="289" r:id="rId34"/>
+    <p:sldId id="290" r:id="rId35"/>
+    <p:sldId id="291" r:id="rId36"/>
+    <p:sldId id="292" r:id="rId37"/>
+    <p:sldId id="293" r:id="rId38"/>
+    <p:sldId id="294" r:id="rId39"/>
+    <p:sldId id="295" r:id="rId40"/>
   </p:sldIdLst>
   <p:sldSz cx="12192000" cy="6858000"/>
   <p:notesSz cx="6858000" cy="9144000"/>
@@ -271,7 +308,7 @@
           <a:p>
             <a:fld id="{4150230E-E380-4FAC-BB70-D9CEFE11D5B1}" type="datetimeFigureOut">
               <a:rPr lang="zh-TW" altLang="en-US" smtClean="0"/>
-              <a:t>2024/4/9</a:t>
+              <a:t>2024/4/15</a:t>
             </a:fld>
             <a:endParaRPr lang="zh-TW" altLang="en-US"/>
           </a:p>
@@ -469,7 +506,7 @@
           <a:p>
             <a:fld id="{4150230E-E380-4FAC-BB70-D9CEFE11D5B1}" type="datetimeFigureOut">
               <a:rPr lang="zh-TW" altLang="en-US" smtClean="0"/>
-              <a:t>2024/4/9</a:t>
+              <a:t>2024/4/15</a:t>
             </a:fld>
             <a:endParaRPr lang="zh-TW" altLang="en-US"/>
           </a:p>
@@ -677,7 +714,7 @@
           <a:p>
             <a:fld id="{4150230E-E380-4FAC-BB70-D9CEFE11D5B1}" type="datetimeFigureOut">
               <a:rPr lang="zh-TW" altLang="en-US" smtClean="0"/>
-              <a:t>2024/4/9</a:t>
+              <a:t>2024/4/15</a:t>
             </a:fld>
             <a:endParaRPr lang="zh-TW" altLang="en-US"/>
           </a:p>
@@ -875,7 +912,7 @@
           <a:p>
             <a:fld id="{4150230E-E380-4FAC-BB70-D9CEFE11D5B1}" type="datetimeFigureOut">
               <a:rPr lang="zh-TW" altLang="en-US" smtClean="0"/>
-              <a:t>2024/4/9</a:t>
+              <a:t>2024/4/15</a:t>
             </a:fld>
             <a:endParaRPr lang="zh-TW" altLang="en-US"/>
           </a:p>
@@ -1150,7 +1187,7 @@
           <a:p>
             <a:fld id="{4150230E-E380-4FAC-BB70-D9CEFE11D5B1}" type="datetimeFigureOut">
               <a:rPr lang="zh-TW" altLang="en-US" smtClean="0"/>
-              <a:t>2024/4/9</a:t>
+              <a:t>2024/4/15</a:t>
             </a:fld>
             <a:endParaRPr lang="zh-TW" altLang="en-US"/>
           </a:p>
@@ -1415,7 +1452,7 @@
           <a:p>
             <a:fld id="{4150230E-E380-4FAC-BB70-D9CEFE11D5B1}" type="datetimeFigureOut">
               <a:rPr lang="zh-TW" altLang="en-US" smtClean="0"/>
-              <a:t>2024/4/9</a:t>
+              <a:t>2024/4/15</a:t>
             </a:fld>
             <a:endParaRPr lang="zh-TW" altLang="en-US"/>
           </a:p>
@@ -1827,7 +1864,7 @@
           <a:p>
             <a:fld id="{4150230E-E380-4FAC-BB70-D9CEFE11D5B1}" type="datetimeFigureOut">
               <a:rPr lang="zh-TW" altLang="en-US" smtClean="0"/>
-              <a:t>2024/4/9</a:t>
+              <a:t>2024/4/15</a:t>
             </a:fld>
             <a:endParaRPr lang="zh-TW" altLang="en-US"/>
           </a:p>
@@ -1968,7 +2005,7 @@
           <a:p>
             <a:fld id="{4150230E-E380-4FAC-BB70-D9CEFE11D5B1}" type="datetimeFigureOut">
               <a:rPr lang="zh-TW" altLang="en-US" smtClean="0"/>
-              <a:t>2024/4/9</a:t>
+              <a:t>2024/4/15</a:t>
             </a:fld>
             <a:endParaRPr lang="zh-TW" altLang="en-US"/>
           </a:p>
@@ -2081,7 +2118,7 @@
           <a:p>
             <a:fld id="{4150230E-E380-4FAC-BB70-D9CEFE11D5B1}" type="datetimeFigureOut">
               <a:rPr lang="zh-TW" altLang="en-US" smtClean="0"/>
-              <a:t>2024/4/9</a:t>
+              <a:t>2024/4/15</a:t>
             </a:fld>
             <a:endParaRPr lang="zh-TW" altLang="en-US"/>
           </a:p>
@@ -2392,7 +2429,7 @@
           <a:p>
             <a:fld id="{4150230E-E380-4FAC-BB70-D9CEFE11D5B1}" type="datetimeFigureOut">
               <a:rPr lang="zh-TW" altLang="en-US" smtClean="0"/>
-              <a:t>2024/4/9</a:t>
+              <a:t>2024/4/15</a:t>
             </a:fld>
             <a:endParaRPr lang="zh-TW" altLang="en-US"/>
           </a:p>
@@ -2680,7 +2717,7 @@
           <a:p>
             <a:fld id="{4150230E-E380-4FAC-BB70-D9CEFE11D5B1}" type="datetimeFigureOut">
               <a:rPr lang="zh-TW" altLang="en-US" smtClean="0"/>
-              <a:t>2024/4/9</a:t>
+              <a:t>2024/4/15</a:t>
             </a:fld>
             <a:endParaRPr lang="zh-TW" altLang="en-US"/>
           </a:p>
@@ -2921,7 +2958,7 @@
           <a:p>
             <a:fld id="{4150230E-E380-4FAC-BB70-D9CEFE11D5B1}" type="datetimeFigureOut">
               <a:rPr lang="zh-TW" altLang="en-US" smtClean="0"/>
-              <a:t>2024/4/9</a:t>
+              <a:t>2024/4/15</a:t>
             </a:fld>
             <a:endParaRPr lang="zh-TW" altLang="en-US"/>
           </a:p>
@@ -4497,6 +4534,2548 @@
 </p:sld>
 </file>
 
+<file path=ppt/slides/slide10.xml><?xml version="1.0" encoding="utf-8"?>
+<p:sld xmlns:a="http://schemas.openxmlformats.org/drawingml/2006/main" xmlns:r="http://schemas.openxmlformats.org/officeDocument/2006/relationships" xmlns:p="http://schemas.openxmlformats.org/presentationml/2006/main">
+  <p:cSld>
+    <p:spTree>
+      <p:nvGrpSpPr>
+        <p:cNvPr id="1" name=""/>
+        <p:cNvGrpSpPr/>
+        <p:nvPr/>
+      </p:nvGrpSpPr>
+      <p:grpSpPr>
+        <a:xfrm>
+          <a:off x="0" y="0"/>
+          <a:ext cx="0" cy="0"/>
+          <a:chOff x="0" y="0"/>
+          <a:chExt cx="0" cy="0"/>
+        </a:xfrm>
+      </p:grpSpPr>
+      <p:sp>
+        <p:nvSpPr>
+          <p:cNvPr id="2" name="矩形 1">
+            <a:extLst>
+              <a:ext uri="{FF2B5EF4-FFF2-40B4-BE49-F238E27FC236}">
+                <a16:creationId xmlns:a16="http://schemas.microsoft.com/office/drawing/2014/main" id="{88895B90-59DE-5D12-9A21-D6FA8289014A}"/>
+              </a:ext>
+            </a:extLst>
+          </p:cNvPr>
+          <p:cNvSpPr/>
+          <p:nvPr/>
+        </p:nvSpPr>
+        <p:spPr>
+          <a:xfrm>
+            <a:off x="2745362" y="799138"/>
+            <a:ext cx="6701275" cy="5259724"/>
+          </a:xfrm>
+          <a:prstGeom prst="rect">
+            <a:avLst/>
+          </a:prstGeom>
+          <a:solidFill>
+            <a:schemeClr val="bg1"/>
+          </a:solidFill>
+          <a:ln>
+            <a:noFill/>
+          </a:ln>
+        </p:spPr>
+        <p:style>
+          <a:lnRef idx="2">
+            <a:schemeClr val="accent1">
+              <a:shade val="15000"/>
+            </a:schemeClr>
+          </a:lnRef>
+          <a:fillRef idx="1">
+            <a:schemeClr val="accent1"/>
+          </a:fillRef>
+          <a:effectRef idx="0">
+            <a:schemeClr val="accent1"/>
+          </a:effectRef>
+          <a:fontRef idx="minor">
+            <a:schemeClr val="lt1"/>
+          </a:fontRef>
+        </p:style>
+        <p:txBody>
+          <a:bodyPr rtlCol="0" anchor="ctr"/>
+          <a:lstStyle/>
+          <a:p>
+            <a:pPr algn="ctr"/>
+            <a:endParaRPr lang="zh-TW" altLang="en-US"/>
+          </a:p>
+        </p:txBody>
+      </p:sp>
+      <p:pic>
+        <p:nvPicPr>
+          <p:cNvPr id="4" name="圖片 3" descr="一張含有 黑色, 黑暗 的圖片&#10;&#10;自動產生的描述">
+            <a:extLst>
+              <a:ext uri="{FF2B5EF4-FFF2-40B4-BE49-F238E27FC236}">
+                <a16:creationId xmlns:a16="http://schemas.microsoft.com/office/drawing/2014/main" id="{85A3602B-8DF1-C55A-BD26-C8765D441D32}"/>
+              </a:ext>
+            </a:extLst>
+          </p:cNvPr>
+          <p:cNvPicPr>
+            <a:picLocks noChangeAspect="1"/>
+          </p:cNvPicPr>
+          <p:nvPr/>
+        </p:nvPicPr>
+        <p:blipFill>
+          <a:blip r:embed="rId2">
+            <a:duotone>
+              <a:schemeClr val="accent6">
+                <a:shade val="45000"/>
+                <a:satMod val="135000"/>
+              </a:schemeClr>
+              <a:prstClr val="white"/>
+            </a:duotone>
+            <a:extLst>
+              <a:ext uri="{28A0092B-C50C-407E-A947-70E740481C1C}">
+                <a14:useLocalDpi xmlns:a14="http://schemas.microsoft.com/office/drawing/2010/main" val="0"/>
+              </a:ext>
+            </a:extLst>
+          </a:blip>
+          <a:stretch>
+            <a:fillRect/>
+          </a:stretch>
+        </p:blipFill>
+        <p:spPr>
+          <a:xfrm>
+            <a:off x="3657600" y="990600"/>
+            <a:ext cx="4876800" cy="4876800"/>
+          </a:xfrm>
+          <a:prstGeom prst="rect">
+            <a:avLst/>
+          </a:prstGeom>
+        </p:spPr>
+      </p:pic>
+    </p:spTree>
+    <p:extLst>
+      <p:ext uri="{BB962C8B-B14F-4D97-AF65-F5344CB8AC3E}">
+        <p14:creationId xmlns:p14="http://schemas.microsoft.com/office/powerpoint/2010/main" val="3737677165"/>
+      </p:ext>
+    </p:extLst>
+  </p:cSld>
+  <p:clrMapOvr>
+    <a:masterClrMapping/>
+  </p:clrMapOvr>
+</p:sld>
+</file>
+
+<file path=ppt/slides/slide11.xml><?xml version="1.0" encoding="utf-8"?>
+<p:sld xmlns:a="http://schemas.openxmlformats.org/drawingml/2006/main" xmlns:r="http://schemas.openxmlformats.org/officeDocument/2006/relationships" xmlns:p="http://schemas.openxmlformats.org/presentationml/2006/main">
+  <p:cSld>
+    <p:spTree>
+      <p:nvGrpSpPr>
+        <p:cNvPr id="1" name=""/>
+        <p:cNvGrpSpPr/>
+        <p:nvPr/>
+      </p:nvGrpSpPr>
+      <p:grpSpPr>
+        <a:xfrm>
+          <a:off x="0" y="0"/>
+          <a:ext cx="0" cy="0"/>
+          <a:chOff x="0" y="0"/>
+          <a:chExt cx="0" cy="0"/>
+        </a:xfrm>
+      </p:grpSpPr>
+      <p:sp>
+        <p:nvSpPr>
+          <p:cNvPr id="2" name="矩形 1">
+            <a:extLst>
+              <a:ext uri="{FF2B5EF4-FFF2-40B4-BE49-F238E27FC236}">
+                <a16:creationId xmlns:a16="http://schemas.microsoft.com/office/drawing/2014/main" id="{88895B90-59DE-5D12-9A21-D6FA8289014A}"/>
+              </a:ext>
+            </a:extLst>
+          </p:cNvPr>
+          <p:cNvSpPr/>
+          <p:nvPr/>
+        </p:nvSpPr>
+        <p:spPr>
+          <a:xfrm>
+            <a:off x="1727202" y="0"/>
+            <a:ext cx="8737596" cy="6858000"/>
+          </a:xfrm>
+          <a:prstGeom prst="rect">
+            <a:avLst/>
+          </a:prstGeom>
+          <a:solidFill>
+            <a:schemeClr val="tx1"/>
+          </a:solidFill>
+          <a:ln>
+            <a:noFill/>
+          </a:ln>
+        </p:spPr>
+        <p:style>
+          <a:lnRef idx="2">
+            <a:schemeClr val="accent1">
+              <a:shade val="15000"/>
+            </a:schemeClr>
+          </a:lnRef>
+          <a:fillRef idx="1">
+            <a:schemeClr val="accent1"/>
+          </a:fillRef>
+          <a:effectRef idx="0">
+            <a:schemeClr val="accent1"/>
+          </a:effectRef>
+          <a:fontRef idx="minor">
+            <a:schemeClr val="lt1"/>
+          </a:fontRef>
+        </p:style>
+        <p:txBody>
+          <a:bodyPr rtlCol="0" anchor="ctr"/>
+          <a:lstStyle/>
+          <a:p>
+            <a:pPr algn="ctr"/>
+            <a:endParaRPr lang="zh-TW" altLang="en-US"/>
+          </a:p>
+        </p:txBody>
+      </p:sp>
+      <p:pic>
+        <p:nvPicPr>
+          <p:cNvPr id="9" name="圖片 8" descr="一張含有 圖形, 符號, 標誌, 平面設計 的圖片&#10;&#10;自動產生的描述">
+            <a:extLst>
+              <a:ext uri="{FF2B5EF4-FFF2-40B4-BE49-F238E27FC236}">
+                <a16:creationId xmlns:a16="http://schemas.microsoft.com/office/drawing/2014/main" id="{EB7EF14F-9DFC-49E0-355F-094B53F0C3FD}"/>
+              </a:ext>
+            </a:extLst>
+          </p:cNvPr>
+          <p:cNvPicPr>
+            <a:picLocks noChangeAspect="1"/>
+          </p:cNvPicPr>
+          <p:nvPr/>
+        </p:nvPicPr>
+        <p:blipFill>
+          <a:blip r:embed="rId2">
+            <a:duotone>
+              <a:prstClr val="black"/>
+              <a:schemeClr val="accent6">
+                <a:tint val="45000"/>
+                <a:satMod val="400000"/>
+              </a:schemeClr>
+            </a:duotone>
+            <a:extLst>
+              <a:ext uri="{28A0092B-C50C-407E-A947-70E740481C1C}">
+                <a14:useLocalDpi xmlns:a14="http://schemas.microsoft.com/office/drawing/2010/main" val="0"/>
+              </a:ext>
+            </a:extLst>
+          </a:blip>
+          <a:stretch>
+            <a:fillRect/>
+          </a:stretch>
+        </p:blipFill>
+        <p:spPr>
+          <a:xfrm>
+            <a:off x="1727202" y="566527"/>
+            <a:ext cx="8737596" cy="5724946"/>
+          </a:xfrm>
+          <a:prstGeom prst="rect">
+            <a:avLst/>
+          </a:prstGeom>
+        </p:spPr>
+      </p:pic>
+    </p:spTree>
+    <p:extLst>
+      <p:ext uri="{BB962C8B-B14F-4D97-AF65-F5344CB8AC3E}">
+        <p14:creationId xmlns:p14="http://schemas.microsoft.com/office/powerpoint/2010/main" val="3987698149"/>
+      </p:ext>
+    </p:extLst>
+  </p:cSld>
+  <p:clrMapOvr>
+    <a:masterClrMapping/>
+  </p:clrMapOvr>
+</p:sld>
+</file>
+
+<file path=ppt/slides/slide12.xml><?xml version="1.0" encoding="utf-8"?>
+<p:sld xmlns:a="http://schemas.openxmlformats.org/drawingml/2006/main" xmlns:r="http://schemas.openxmlformats.org/officeDocument/2006/relationships" xmlns:p="http://schemas.openxmlformats.org/presentationml/2006/main">
+  <p:cSld>
+    <p:spTree>
+      <p:nvGrpSpPr>
+        <p:cNvPr id="1" name=""/>
+        <p:cNvGrpSpPr/>
+        <p:nvPr/>
+      </p:nvGrpSpPr>
+      <p:grpSpPr>
+        <a:xfrm>
+          <a:off x="0" y="0"/>
+          <a:ext cx="0" cy="0"/>
+          <a:chOff x="0" y="0"/>
+          <a:chExt cx="0" cy="0"/>
+        </a:xfrm>
+      </p:grpSpPr>
+      <p:sp>
+        <p:nvSpPr>
+          <p:cNvPr id="4" name="矩形 3">
+            <a:extLst>
+              <a:ext uri="{FF2B5EF4-FFF2-40B4-BE49-F238E27FC236}">
+                <a16:creationId xmlns:a16="http://schemas.microsoft.com/office/drawing/2014/main" id="{627BC1DE-F879-7BB5-4066-8944B994856A}"/>
+              </a:ext>
+            </a:extLst>
+          </p:cNvPr>
+          <p:cNvSpPr/>
+          <p:nvPr/>
+        </p:nvSpPr>
+        <p:spPr>
+          <a:xfrm>
+            <a:off x="3601452" y="934452"/>
+            <a:ext cx="4989096" cy="4989096"/>
+          </a:xfrm>
+          <a:prstGeom prst="rect">
+            <a:avLst/>
+          </a:prstGeom>
+          <a:solidFill>
+            <a:srgbClr val="313131"/>
+          </a:solidFill>
+          <a:ln>
+            <a:noFill/>
+          </a:ln>
+        </p:spPr>
+        <p:style>
+          <a:lnRef idx="2">
+            <a:schemeClr val="accent1">
+              <a:shade val="15000"/>
+            </a:schemeClr>
+          </a:lnRef>
+          <a:fillRef idx="1">
+            <a:schemeClr val="accent1"/>
+          </a:fillRef>
+          <a:effectRef idx="0">
+            <a:schemeClr val="accent1"/>
+          </a:effectRef>
+          <a:fontRef idx="minor">
+            <a:schemeClr val="lt1"/>
+          </a:fontRef>
+        </p:style>
+        <p:txBody>
+          <a:bodyPr rtlCol="0" anchor="ctr"/>
+          <a:lstStyle/>
+          <a:p>
+            <a:pPr algn="ctr"/>
+            <a:endParaRPr lang="zh-TW" altLang="en-US" dirty="0"/>
+          </a:p>
+        </p:txBody>
+      </p:sp>
+      <p:sp>
+        <p:nvSpPr>
+          <p:cNvPr id="10" name="文字方塊 9">
+            <a:extLst>
+              <a:ext uri="{FF2B5EF4-FFF2-40B4-BE49-F238E27FC236}">
+                <a16:creationId xmlns:a16="http://schemas.microsoft.com/office/drawing/2014/main" id="{A521EC66-E5A8-D052-6B87-5E7AA992FEFB}"/>
+              </a:ext>
+            </a:extLst>
+          </p:cNvPr>
+          <p:cNvSpPr txBox="1"/>
+          <p:nvPr/>
+        </p:nvSpPr>
+        <p:spPr>
+          <a:xfrm>
+            <a:off x="4792383" y="2517731"/>
+            <a:ext cx="2585206" cy="1734956"/>
+          </a:xfrm>
+          <a:custGeom>
+            <a:avLst/>
+            <a:gdLst/>
+            <a:ahLst/>
+            <a:cxnLst/>
+            <a:rect l="l" t="t" r="r" b="b"/>
+            <a:pathLst>
+              <a:path w="1522214" h="1021571">
+                <a:moveTo>
+                  <a:pt x="307777" y="336367"/>
+                </a:moveTo>
+                <a:cubicBezTo>
+                  <a:pt x="322064" y="336367"/>
+                  <a:pt x="334665" y="341824"/>
+                  <a:pt x="345579" y="352738"/>
+                </a:cubicBezTo>
+                <a:cubicBezTo>
+                  <a:pt x="356493" y="363652"/>
+                  <a:pt x="361950" y="376451"/>
+                  <a:pt x="361950" y="391135"/>
+                </a:cubicBezTo>
+                <a:cubicBezTo>
+                  <a:pt x="361950" y="404629"/>
+                  <a:pt x="355997" y="417329"/>
+                  <a:pt x="344091" y="429235"/>
+                </a:cubicBezTo>
+                <a:cubicBezTo>
+                  <a:pt x="305991" y="469717"/>
+                  <a:pt x="246658" y="527462"/>
+                  <a:pt x="166092" y="602471"/>
+                </a:cubicBezTo>
+                <a:cubicBezTo>
+                  <a:pt x="188317" y="618743"/>
+                  <a:pt x="215702" y="643945"/>
+                  <a:pt x="248245" y="678076"/>
+                </a:cubicBezTo>
+                <a:cubicBezTo>
+                  <a:pt x="286742" y="718160"/>
+                  <a:pt x="313135" y="744354"/>
+                  <a:pt x="327422" y="756657"/>
+                </a:cubicBezTo>
+                <a:cubicBezTo>
+                  <a:pt x="341710" y="768960"/>
+                  <a:pt x="348853" y="782454"/>
+                  <a:pt x="348853" y="797138"/>
+                </a:cubicBezTo>
+                <a:cubicBezTo>
+                  <a:pt x="348853" y="811823"/>
+                  <a:pt x="343495" y="824721"/>
+                  <a:pt x="332780" y="835834"/>
+                </a:cubicBezTo>
+                <a:cubicBezTo>
+                  <a:pt x="322064" y="846946"/>
+                  <a:pt x="309563" y="852503"/>
+                  <a:pt x="295275" y="852503"/>
+                </a:cubicBezTo>
+                <a:cubicBezTo>
+                  <a:pt x="284163" y="852503"/>
+                  <a:pt x="273050" y="848335"/>
+                  <a:pt x="261938" y="840001"/>
+                </a:cubicBezTo>
+                <a:cubicBezTo>
+                  <a:pt x="246063" y="828492"/>
+                  <a:pt x="212130" y="795551"/>
+                  <a:pt x="160139" y="741179"/>
+                </a:cubicBezTo>
+                <a:cubicBezTo>
+                  <a:pt x="120452" y="699507"/>
+                  <a:pt x="82153" y="671528"/>
+                  <a:pt x="45244" y="657240"/>
+                </a:cubicBezTo>
+                <a:cubicBezTo>
+                  <a:pt x="15081" y="646128"/>
+                  <a:pt x="0" y="629657"/>
+                  <a:pt x="0" y="607829"/>
+                </a:cubicBezTo>
+                <a:cubicBezTo>
+                  <a:pt x="0" y="587985"/>
+                  <a:pt x="13692" y="571515"/>
+                  <a:pt x="41077" y="558418"/>
+                </a:cubicBezTo>
+                <a:cubicBezTo>
+                  <a:pt x="77986" y="540559"/>
+                  <a:pt x="118467" y="508412"/>
+                  <a:pt x="162520" y="461978"/>
+                </a:cubicBezTo>
+                <a:cubicBezTo>
+                  <a:pt x="224036" y="397684"/>
+                  <a:pt x="260648" y="360675"/>
+                  <a:pt x="272356" y="350952"/>
+                </a:cubicBezTo>
+                <a:cubicBezTo>
+                  <a:pt x="284063" y="341228"/>
+                  <a:pt x="295870" y="336367"/>
+                  <a:pt x="307777" y="336367"/>
+                </a:cubicBezTo>
+                <a:close/>
+                <a:moveTo>
+                  <a:pt x="1201341" y="298267"/>
+                </a:moveTo>
+                <a:cubicBezTo>
+                  <a:pt x="1216025" y="298267"/>
+                  <a:pt x="1229320" y="305013"/>
+                  <a:pt x="1241227" y="318507"/>
+                </a:cubicBezTo>
+                <a:cubicBezTo>
+                  <a:pt x="1331714" y="419710"/>
+                  <a:pt x="1413669" y="489362"/>
+                  <a:pt x="1487091" y="527462"/>
+                </a:cubicBezTo>
+                <a:cubicBezTo>
+                  <a:pt x="1510506" y="539368"/>
+                  <a:pt x="1522214" y="554648"/>
+                  <a:pt x="1522214" y="573301"/>
+                </a:cubicBezTo>
+                <a:cubicBezTo>
+                  <a:pt x="1522214" y="587588"/>
+                  <a:pt x="1514872" y="601678"/>
+                  <a:pt x="1500188" y="615568"/>
+                </a:cubicBezTo>
+                <a:cubicBezTo>
+                  <a:pt x="1405731" y="703278"/>
+                  <a:pt x="1306711" y="780271"/>
+                  <a:pt x="1203127" y="846549"/>
+                </a:cubicBezTo>
+                <a:cubicBezTo>
+                  <a:pt x="1192014" y="853693"/>
+                  <a:pt x="1181497" y="857265"/>
+                  <a:pt x="1171575" y="857265"/>
+                </a:cubicBezTo>
+                <a:cubicBezTo>
+                  <a:pt x="1157288" y="857265"/>
+                  <a:pt x="1144885" y="851610"/>
+                  <a:pt x="1134368" y="840299"/>
+                </a:cubicBezTo>
+                <a:cubicBezTo>
+                  <a:pt x="1123851" y="828988"/>
+                  <a:pt x="1118592" y="816188"/>
+                  <a:pt x="1118592" y="801901"/>
+                </a:cubicBezTo>
+                <a:cubicBezTo>
+                  <a:pt x="1118592" y="786026"/>
+                  <a:pt x="1126331" y="772135"/>
+                  <a:pt x="1141809" y="760229"/>
+                </a:cubicBezTo>
+                <a:lnTo>
+                  <a:pt x="1372791" y="584017"/>
+                </a:lnTo>
+                <a:cubicBezTo>
+                  <a:pt x="1337469" y="560601"/>
+                  <a:pt x="1293812" y="524684"/>
+                  <a:pt x="1241822" y="476265"/>
+                </a:cubicBezTo>
+                <a:cubicBezTo>
+                  <a:pt x="1178322" y="416337"/>
+                  <a:pt x="1146572" y="374863"/>
+                  <a:pt x="1146572" y="351845"/>
+                </a:cubicBezTo>
+                <a:cubicBezTo>
+                  <a:pt x="1146572" y="337557"/>
+                  <a:pt x="1152128" y="325056"/>
+                  <a:pt x="1163241" y="314340"/>
+                </a:cubicBezTo>
+                <a:cubicBezTo>
+                  <a:pt x="1174353" y="303624"/>
+                  <a:pt x="1187053" y="298267"/>
+                  <a:pt x="1201341" y="298267"/>
+                </a:cubicBezTo>
+                <a:close/>
+                <a:moveTo>
+                  <a:pt x="978099" y="15"/>
+                </a:moveTo>
+                <a:cubicBezTo>
+                  <a:pt x="992783" y="412"/>
+                  <a:pt x="1005681" y="5670"/>
+                  <a:pt x="1016794" y="15791"/>
+                </a:cubicBezTo>
+                <a:cubicBezTo>
+                  <a:pt x="1027906" y="25911"/>
+                  <a:pt x="1033463" y="38115"/>
+                  <a:pt x="1033463" y="52403"/>
+                </a:cubicBezTo>
+                <a:cubicBezTo>
+                  <a:pt x="1033463" y="61531"/>
+                  <a:pt x="1031280" y="72445"/>
+                  <a:pt x="1026914" y="85145"/>
+                </a:cubicBezTo>
+                <a:lnTo>
+                  <a:pt x="960239" y="247070"/>
+                </a:lnTo>
+                <a:cubicBezTo>
+                  <a:pt x="933649" y="320492"/>
+                  <a:pt x="895747" y="405224"/>
+                  <a:pt x="846534" y="501268"/>
+                </a:cubicBezTo>
+                <a:lnTo>
+                  <a:pt x="716756" y="747728"/>
+                </a:lnTo>
+                <a:lnTo>
+                  <a:pt x="609005" y="986448"/>
+                </a:lnTo>
+                <a:cubicBezTo>
+                  <a:pt x="598289" y="1009863"/>
+                  <a:pt x="582216" y="1021571"/>
+                  <a:pt x="560785" y="1021571"/>
+                </a:cubicBezTo>
+                <a:cubicBezTo>
+                  <a:pt x="546100" y="1021571"/>
+                  <a:pt x="533202" y="1016610"/>
+                  <a:pt x="522089" y="1006689"/>
+                </a:cubicBezTo>
+                <a:cubicBezTo>
+                  <a:pt x="510977" y="996767"/>
+                  <a:pt x="505420" y="984464"/>
+                  <a:pt x="505420" y="969779"/>
+                </a:cubicBezTo>
+                <a:cubicBezTo>
+                  <a:pt x="505420" y="963429"/>
+                  <a:pt x="506810" y="956682"/>
+                  <a:pt x="509588" y="949539"/>
+                </a:cubicBezTo>
+                <a:cubicBezTo>
+                  <a:pt x="540544" y="864210"/>
+                  <a:pt x="598885" y="741278"/>
+                  <a:pt x="684610" y="580742"/>
+                </a:cubicBezTo>
+                <a:cubicBezTo>
+                  <a:pt x="770335" y="420206"/>
+                  <a:pt x="828874" y="297076"/>
+                  <a:pt x="860227" y="211351"/>
+                </a:cubicBezTo>
+                <a:cubicBezTo>
+                  <a:pt x="912217" y="69270"/>
+                  <a:pt x="951508" y="-1176"/>
+                  <a:pt x="978099" y="15"/>
+                </a:cubicBezTo>
+                <a:close/>
+              </a:path>
+            </a:pathLst>
+          </a:custGeom>
+          <a:solidFill>
+            <a:srgbClr val="EFEFEF"/>
+          </a:solidFill>
+          <a:ln>
+            <a:noFill/>
+          </a:ln>
+          <a:effectLst/>
+        </p:spPr>
+        <p:txBody>
+          <a:bodyPr rot="0" spcFirstLastPara="0" vertOverflow="overflow" horzOverflow="overflow" vert="horz" wrap="square" lIns="91440" tIns="45720" rIns="91440" bIns="45720" numCol="1" spcCol="0" rtlCol="0" fromWordArt="0" anchor="t" anchorCtr="0" forceAA="0" compatLnSpc="1">
+            <a:prstTxWarp prst="textNoShape">
+              <a:avLst/>
+            </a:prstTxWarp>
+            <a:noAutofit/>
+          </a:bodyPr>
+          <a:lstStyle/>
+          <a:p>
+            <a:pPr algn="ctr"/>
+            <a:endParaRPr lang="zh-TW" altLang="en-US" sz="9600" dirty="0">
+              <a:solidFill>
+                <a:srgbClr val="EFEFEF"/>
+              </a:solidFill>
+              <a:latin typeface="Comic Sans MS" panose="030F0702030302020204" pitchFamily="66" charset="0"/>
+              <a:cs typeface="Calibri Light" panose="020F0302020204030204" pitchFamily="34" charset="0"/>
+            </a:endParaRPr>
+          </a:p>
+        </p:txBody>
+      </p:sp>
+    </p:spTree>
+    <p:extLst>
+      <p:ext uri="{BB962C8B-B14F-4D97-AF65-F5344CB8AC3E}">
+        <p14:creationId xmlns:p14="http://schemas.microsoft.com/office/powerpoint/2010/main" val="4274865598"/>
+      </p:ext>
+    </p:extLst>
+  </p:cSld>
+  <p:clrMapOvr>
+    <a:masterClrMapping/>
+  </p:clrMapOvr>
+</p:sld>
+</file>
+
+<file path=ppt/slides/slide13.xml><?xml version="1.0" encoding="utf-8"?>
+<p:sld xmlns:a="http://schemas.openxmlformats.org/drawingml/2006/main" xmlns:r="http://schemas.openxmlformats.org/officeDocument/2006/relationships" xmlns:p="http://schemas.openxmlformats.org/presentationml/2006/main">
+  <p:cSld>
+    <p:spTree>
+      <p:nvGrpSpPr>
+        <p:cNvPr id="1" name=""/>
+        <p:cNvGrpSpPr/>
+        <p:nvPr/>
+      </p:nvGrpSpPr>
+      <p:grpSpPr>
+        <a:xfrm>
+          <a:off x="0" y="0"/>
+          <a:ext cx="0" cy="0"/>
+          <a:chOff x="0" y="0"/>
+          <a:chExt cx="0" cy="0"/>
+        </a:xfrm>
+      </p:grpSpPr>
+      <p:sp>
+        <p:nvSpPr>
+          <p:cNvPr id="4" name="矩形 3">
+            <a:extLst>
+              <a:ext uri="{FF2B5EF4-FFF2-40B4-BE49-F238E27FC236}">
+                <a16:creationId xmlns:a16="http://schemas.microsoft.com/office/drawing/2014/main" id="{627BC1DE-F879-7BB5-4066-8944B994856A}"/>
+              </a:ext>
+            </a:extLst>
+          </p:cNvPr>
+          <p:cNvSpPr/>
+          <p:nvPr/>
+        </p:nvSpPr>
+        <p:spPr>
+          <a:xfrm>
+            <a:off x="3601452" y="934452"/>
+            <a:ext cx="4989096" cy="4989096"/>
+          </a:xfrm>
+          <a:prstGeom prst="rect">
+            <a:avLst/>
+          </a:prstGeom>
+          <a:solidFill>
+            <a:srgbClr val="313131"/>
+          </a:solidFill>
+          <a:ln>
+            <a:noFill/>
+          </a:ln>
+        </p:spPr>
+        <p:style>
+          <a:lnRef idx="2">
+            <a:schemeClr val="accent1">
+              <a:shade val="15000"/>
+            </a:schemeClr>
+          </a:lnRef>
+          <a:fillRef idx="1">
+            <a:schemeClr val="accent1"/>
+          </a:fillRef>
+          <a:effectRef idx="0">
+            <a:schemeClr val="accent1"/>
+          </a:effectRef>
+          <a:fontRef idx="minor">
+            <a:schemeClr val="lt1"/>
+          </a:fontRef>
+        </p:style>
+        <p:txBody>
+          <a:bodyPr rtlCol="0" anchor="ctr"/>
+          <a:lstStyle/>
+          <a:p>
+            <a:pPr algn="ctr"/>
+            <a:endParaRPr lang="zh-TW" altLang="en-US" dirty="0"/>
+          </a:p>
+        </p:txBody>
+      </p:sp>
+      <p:sp>
+        <p:nvSpPr>
+          <p:cNvPr id="11" name="手繪多邊形: 圖案 10">
+            <a:extLst>
+              <a:ext uri="{FF2B5EF4-FFF2-40B4-BE49-F238E27FC236}">
+                <a16:creationId xmlns:a16="http://schemas.microsoft.com/office/drawing/2014/main" id="{CEF3BB65-6414-CA21-A4A3-18EAE350DEEF}"/>
+              </a:ext>
+            </a:extLst>
+          </p:cNvPr>
+          <p:cNvSpPr/>
+          <p:nvPr/>
+        </p:nvSpPr>
+        <p:spPr>
+          <a:xfrm>
+            <a:off x="5310182" y="2549422"/>
+            <a:ext cx="1571318" cy="1759157"/>
+          </a:xfrm>
+          <a:custGeom>
+            <a:avLst/>
+            <a:gdLst>
+              <a:gd name="connsiteX0" fmla="*/ 999110 w 1571318"/>
+              <a:gd name="connsiteY0" fmla="*/ 528083 h 1759157"/>
+              <a:gd name="connsiteX1" fmla="*/ 603584 w 1571318"/>
+              <a:gd name="connsiteY1" fmla="*/ 755844 h 1759157"/>
+              <a:gd name="connsiteX2" fmla="*/ 587245 w 1571318"/>
+              <a:gd name="connsiteY2" fmla="*/ 784407 h 1759157"/>
+              <a:gd name="connsiteX3" fmla="*/ 587245 w 1571318"/>
+              <a:gd name="connsiteY3" fmla="*/ 975497 h 1759157"/>
+              <a:gd name="connsiteX4" fmla="*/ 603584 w 1571318"/>
+              <a:gd name="connsiteY4" fmla="*/ 1003063 h 1759157"/>
+              <a:gd name="connsiteX5" fmla="*/ 769229 w 1571318"/>
+              <a:gd name="connsiteY5" fmla="*/ 1098607 h 1759157"/>
+              <a:gd name="connsiteX6" fmla="*/ 800786 w 1571318"/>
+              <a:gd name="connsiteY6" fmla="*/ 1098607 h 1759157"/>
+              <a:gd name="connsiteX7" fmla="*/ 1484318 w 1571318"/>
+              <a:gd name="connsiteY7" fmla="*/ 704953 h 1759157"/>
+              <a:gd name="connsiteX8" fmla="*/ 1484318 w 1571318"/>
+              <a:gd name="connsiteY8" fmla="*/ 377406 h 1759157"/>
+              <a:gd name="connsiteX9" fmla="*/ 870012 w 1571318"/>
+              <a:gd name="connsiteY9" fmla="*/ 23666 h 1759157"/>
+              <a:gd name="connsiteX10" fmla="*/ 700127 w 1571318"/>
+              <a:gd name="connsiteY10" fmla="*/ 23666 h 1759157"/>
+              <a:gd name="connsiteX11" fmla="*/ 85946 w 1571318"/>
+              <a:gd name="connsiteY11" fmla="*/ 377531 h 1759157"/>
+              <a:gd name="connsiteX12" fmla="*/ 6 w 1571318"/>
+              <a:gd name="connsiteY12" fmla="*/ 525089 h 1759157"/>
+              <a:gd name="connsiteX13" fmla="*/ 6 w 1571318"/>
+              <a:gd name="connsiteY13" fmla="*/ 1233817 h 1759157"/>
+              <a:gd name="connsiteX14" fmla="*/ 85447 w 1571318"/>
+              <a:gd name="connsiteY14" fmla="*/ 1381375 h 1759157"/>
+              <a:gd name="connsiteX15" fmla="*/ 699628 w 1571318"/>
+              <a:gd name="connsiteY15" fmla="*/ 1736238 h 1759157"/>
+              <a:gd name="connsiteX16" fmla="*/ 869513 w 1571318"/>
+              <a:gd name="connsiteY16" fmla="*/ 1736238 h 1759157"/>
+              <a:gd name="connsiteX17" fmla="*/ 1484318 w 1571318"/>
+              <a:gd name="connsiteY17" fmla="*/ 1381375 h 1759157"/>
+              <a:gd name="connsiteX18" fmla="*/ 1568762 w 1571318"/>
+              <a:gd name="connsiteY18" fmla="*/ 1233817 h 1759157"/>
+              <a:gd name="connsiteX19" fmla="*/ 1568762 w 1571318"/>
+              <a:gd name="connsiteY19" fmla="*/ 925729 h 1759157"/>
+              <a:gd name="connsiteX20" fmla="*/ 837582 w 1571318"/>
+              <a:gd name="connsiteY20" fmla="*/ 1348820 h 1759157"/>
+              <a:gd name="connsiteX21" fmla="*/ 731809 w 1571318"/>
+              <a:gd name="connsiteY21" fmla="*/ 1348820 h 1759157"/>
+              <a:gd name="connsiteX22" fmla="*/ 405260 w 1571318"/>
+              <a:gd name="connsiteY22" fmla="*/ 1159601 h 1759157"/>
+              <a:gd name="connsiteX23" fmla="*/ 352374 w 1571318"/>
+              <a:gd name="connsiteY23" fmla="*/ 1068048 h 1759157"/>
+              <a:gd name="connsiteX24" fmla="*/ 352374 w 1571318"/>
+              <a:gd name="connsiteY24" fmla="*/ 690858 h 1759157"/>
+              <a:gd name="connsiteX25" fmla="*/ 404138 w 1571318"/>
+              <a:gd name="connsiteY25" fmla="*/ 600303 h 1759157"/>
+              <a:gd name="connsiteX26" fmla="*/ 731684 w 1571318"/>
+              <a:gd name="connsiteY26" fmla="*/ 411084 h 1759157"/>
+              <a:gd name="connsiteX27" fmla="*/ 837457 w 1571318"/>
+              <a:gd name="connsiteY27" fmla="*/ 411084 h 1759157"/>
+              <a:gd name="connsiteX28" fmla="*/ 999609 w 1571318"/>
+              <a:gd name="connsiteY28" fmla="*/ 503635 h 1759157"/>
+              <a:gd name="connsiteX29" fmla="*/ 1004174 w 1571318"/>
+              <a:gd name="connsiteY29" fmla="*/ 523219 h 1759157"/>
+              <a:gd name="connsiteX30" fmla="*/ 999110 w 1571318"/>
+              <a:gd name="connsiteY30" fmla="*/ 528083 h 1759157"/>
+            </a:gdLst>
+            <a:ahLst/>
+            <a:cxnLst>
+              <a:cxn ang="0">
+                <a:pos x="connsiteX0" y="connsiteY0"/>
+              </a:cxn>
+              <a:cxn ang="0">
+                <a:pos x="connsiteX1" y="connsiteY1"/>
+              </a:cxn>
+              <a:cxn ang="0">
+                <a:pos x="connsiteX2" y="connsiteY2"/>
+              </a:cxn>
+              <a:cxn ang="0">
+                <a:pos x="connsiteX3" y="connsiteY3"/>
+              </a:cxn>
+              <a:cxn ang="0">
+                <a:pos x="connsiteX4" y="connsiteY4"/>
+              </a:cxn>
+              <a:cxn ang="0">
+                <a:pos x="connsiteX5" y="connsiteY5"/>
+              </a:cxn>
+              <a:cxn ang="0">
+                <a:pos x="connsiteX6" y="connsiteY6"/>
+              </a:cxn>
+              <a:cxn ang="0">
+                <a:pos x="connsiteX7" y="connsiteY7"/>
+              </a:cxn>
+              <a:cxn ang="0">
+                <a:pos x="connsiteX8" y="connsiteY8"/>
+              </a:cxn>
+              <a:cxn ang="0">
+                <a:pos x="connsiteX9" y="connsiteY9"/>
+              </a:cxn>
+              <a:cxn ang="0">
+                <a:pos x="connsiteX10" y="connsiteY10"/>
+              </a:cxn>
+              <a:cxn ang="0">
+                <a:pos x="connsiteX11" y="connsiteY11"/>
+              </a:cxn>
+              <a:cxn ang="0">
+                <a:pos x="connsiteX12" y="connsiteY12"/>
+              </a:cxn>
+              <a:cxn ang="0">
+                <a:pos x="connsiteX13" y="connsiteY13"/>
+              </a:cxn>
+              <a:cxn ang="0">
+                <a:pos x="connsiteX14" y="connsiteY14"/>
+              </a:cxn>
+              <a:cxn ang="0">
+                <a:pos x="connsiteX15" y="connsiteY15"/>
+              </a:cxn>
+              <a:cxn ang="0">
+                <a:pos x="connsiteX16" y="connsiteY16"/>
+              </a:cxn>
+              <a:cxn ang="0">
+                <a:pos x="connsiteX17" y="connsiteY17"/>
+              </a:cxn>
+              <a:cxn ang="0">
+                <a:pos x="connsiteX18" y="connsiteY18"/>
+              </a:cxn>
+              <a:cxn ang="0">
+                <a:pos x="connsiteX19" y="connsiteY19"/>
+              </a:cxn>
+              <a:cxn ang="0">
+                <a:pos x="connsiteX20" y="connsiteY20"/>
+              </a:cxn>
+              <a:cxn ang="0">
+                <a:pos x="connsiteX21" y="connsiteY21"/>
+              </a:cxn>
+              <a:cxn ang="0">
+                <a:pos x="connsiteX22" y="connsiteY22"/>
+              </a:cxn>
+              <a:cxn ang="0">
+                <a:pos x="connsiteX23" y="connsiteY23"/>
+              </a:cxn>
+              <a:cxn ang="0">
+                <a:pos x="connsiteX24" y="connsiteY24"/>
+              </a:cxn>
+              <a:cxn ang="0">
+                <a:pos x="connsiteX25" y="connsiteY25"/>
+              </a:cxn>
+              <a:cxn ang="0">
+                <a:pos x="connsiteX26" y="connsiteY26"/>
+              </a:cxn>
+              <a:cxn ang="0">
+                <a:pos x="connsiteX27" y="connsiteY27"/>
+              </a:cxn>
+              <a:cxn ang="0">
+                <a:pos x="connsiteX28" y="connsiteY28"/>
+              </a:cxn>
+              <a:cxn ang="0">
+                <a:pos x="connsiteX29" y="connsiteY29"/>
+              </a:cxn>
+              <a:cxn ang="0">
+                <a:pos x="connsiteX30" y="connsiteY30"/>
+              </a:cxn>
+            </a:cxnLst>
+            <a:rect l="l" t="t" r="r" b="b"/>
+            <a:pathLst>
+              <a:path w="1571318" h="1759157">
+                <a:moveTo>
+                  <a:pt x="999110" y="528083"/>
+                </a:moveTo>
+                <a:lnTo>
+                  <a:pt x="603584" y="755844"/>
+                </a:lnTo>
+                <a:cubicBezTo>
+                  <a:pt x="593369" y="761706"/>
+                  <a:pt x="587120" y="772633"/>
+                  <a:pt x="587245" y="784407"/>
+                </a:cubicBezTo>
+                <a:lnTo>
+                  <a:pt x="587245" y="975497"/>
+                </a:lnTo>
+                <a:cubicBezTo>
+                  <a:pt x="587132" y="987010"/>
+                  <a:pt x="593431" y="997637"/>
+                  <a:pt x="603584" y="1003063"/>
+                </a:cubicBezTo>
+                <a:lnTo>
+                  <a:pt x="769229" y="1098607"/>
+                </a:lnTo>
+                <a:cubicBezTo>
+                  <a:pt x="778858" y="1104719"/>
+                  <a:pt x="791156" y="1104719"/>
+                  <a:pt x="800786" y="1098607"/>
+                </a:cubicBezTo>
+                <a:lnTo>
+                  <a:pt x="1484318" y="704953"/>
+                </a:lnTo>
+                <a:cubicBezTo>
+                  <a:pt x="1600319" y="637847"/>
+                  <a:pt x="1600319" y="444512"/>
+                  <a:pt x="1484318" y="377406"/>
+                </a:cubicBezTo>
+                <a:lnTo>
+                  <a:pt x="870012" y="23666"/>
+                </a:lnTo>
+                <a:cubicBezTo>
+                  <a:pt x="817774" y="-7889"/>
+                  <a:pt x="752365" y="-7889"/>
+                  <a:pt x="700127" y="23666"/>
+                </a:cubicBezTo>
+                <a:lnTo>
+                  <a:pt x="85946" y="377531"/>
+                </a:lnTo>
+                <a:cubicBezTo>
+                  <a:pt x="32537" y="407368"/>
+                  <a:pt x="-395" y="463913"/>
+                  <a:pt x="6" y="525089"/>
+                </a:cubicBezTo>
+                <a:cubicBezTo>
+                  <a:pt x="6" y="762080"/>
+                  <a:pt x="1004" y="997949"/>
+                  <a:pt x="6" y="1233817"/>
+                </a:cubicBezTo>
+                <a:cubicBezTo>
+                  <a:pt x="-496" y="1294886"/>
+                  <a:pt x="32232" y="1351402"/>
+                  <a:pt x="85447" y="1381375"/>
+                </a:cubicBezTo>
+                <a:lnTo>
+                  <a:pt x="699628" y="1736238"/>
+                </a:lnTo>
+                <a:cubicBezTo>
+                  <a:pt x="752140" y="1766797"/>
+                  <a:pt x="817001" y="1766797"/>
+                  <a:pt x="869513" y="1736238"/>
+                </a:cubicBezTo>
+                <a:lnTo>
+                  <a:pt x="1484318" y="1381375"/>
+                </a:lnTo>
+                <a:cubicBezTo>
+                  <a:pt x="1537429" y="1351427"/>
+                  <a:pt x="1569847" y="1294774"/>
+                  <a:pt x="1568762" y="1233817"/>
+                </a:cubicBezTo>
+                <a:lnTo>
+                  <a:pt x="1568762" y="925729"/>
+                </a:lnTo>
+                <a:lnTo>
+                  <a:pt x="837582" y="1348820"/>
+                </a:lnTo>
+                <a:cubicBezTo>
+                  <a:pt x="804977" y="1368166"/>
+                  <a:pt x="764414" y="1368166"/>
+                  <a:pt x="731809" y="1348820"/>
+                </a:cubicBezTo>
+                <a:lnTo>
+                  <a:pt x="405260" y="1159601"/>
+                </a:lnTo>
+                <a:cubicBezTo>
+                  <a:pt x="372203" y="1141066"/>
+                  <a:pt x="351915" y="1105942"/>
+                  <a:pt x="352374" y="1068048"/>
+                </a:cubicBezTo>
+                <a:lnTo>
+                  <a:pt x="352374" y="690858"/>
+                </a:lnTo>
+                <a:cubicBezTo>
+                  <a:pt x="352207" y="653588"/>
+                  <a:pt x="371941" y="619075"/>
+                  <a:pt x="404138" y="600303"/>
+                </a:cubicBezTo>
+                <a:cubicBezTo>
+                  <a:pt x="513029" y="537188"/>
+                  <a:pt x="622793" y="474198"/>
+                  <a:pt x="731684" y="411084"/>
+                </a:cubicBezTo>
+                <a:cubicBezTo>
+                  <a:pt x="764327" y="391875"/>
+                  <a:pt x="804815" y="391875"/>
+                  <a:pt x="837457" y="411084"/>
+                </a:cubicBezTo>
+                <a:lnTo>
+                  <a:pt x="999609" y="503635"/>
+                </a:lnTo>
+                <a:cubicBezTo>
+                  <a:pt x="1006282" y="507781"/>
+                  <a:pt x="1008328" y="516550"/>
+                  <a:pt x="1004174" y="523219"/>
+                </a:cubicBezTo>
+                <a:cubicBezTo>
+                  <a:pt x="1002927" y="525239"/>
+                  <a:pt x="1001181" y="526910"/>
+                  <a:pt x="999110" y="528083"/>
+                </a:cubicBezTo>
+                <a:close/>
+              </a:path>
+            </a:pathLst>
+          </a:custGeom>
+          <a:solidFill>
+            <a:srgbClr val="FFFFFF"/>
+          </a:solidFill>
+          <a:ln w="12464" cap="flat">
+            <a:noFill/>
+            <a:prstDash val="solid"/>
+            <a:miter/>
+          </a:ln>
+        </p:spPr>
+        <p:txBody>
+          <a:bodyPr rtlCol="0" anchor="ctr"/>
+          <a:lstStyle/>
+          <a:p>
+            <a:endParaRPr lang="zh-TW" altLang="en-US"/>
+          </a:p>
+        </p:txBody>
+      </p:sp>
+      <p:sp>
+        <p:nvSpPr>
+          <p:cNvPr id="12" name="手繪多邊形: 圖案 11">
+            <a:extLst>
+              <a:ext uri="{FF2B5EF4-FFF2-40B4-BE49-F238E27FC236}">
+                <a16:creationId xmlns:a16="http://schemas.microsoft.com/office/drawing/2014/main" id="{AD85299A-4DBA-C024-461D-2B3F71F5D09B}"/>
+              </a:ext>
+            </a:extLst>
+          </p:cNvPr>
+          <p:cNvSpPr/>
+          <p:nvPr/>
+        </p:nvSpPr>
+        <p:spPr>
+          <a:xfrm>
+            <a:off x="4964929" y="2297929"/>
+            <a:ext cx="2262141" cy="2262141"/>
+          </a:xfrm>
+          <a:custGeom>
+            <a:avLst/>
+            <a:gdLst>
+              <a:gd name="connsiteX0" fmla="*/ 1131071 w 2262141"/>
+              <a:gd name="connsiteY0" fmla="*/ 0 h 2262141"/>
+              <a:gd name="connsiteX1" fmla="*/ 0 w 2262141"/>
+              <a:gd name="connsiteY1" fmla="*/ 1131071 h 2262141"/>
+              <a:gd name="connsiteX2" fmla="*/ 1131071 w 2262141"/>
+              <a:gd name="connsiteY2" fmla="*/ 2262142 h 2262141"/>
+              <a:gd name="connsiteX3" fmla="*/ 2262142 w 2262141"/>
+              <a:gd name="connsiteY3" fmla="*/ 1131071 h 2262141"/>
+              <a:gd name="connsiteX4" fmla="*/ 1131071 w 2262141"/>
+              <a:gd name="connsiteY4" fmla="*/ 0 h 2262141"/>
+              <a:gd name="connsiteX5" fmla="*/ 1344363 w 2262141"/>
+              <a:gd name="connsiteY5" fmla="*/ 755128 h 2262141"/>
+              <a:gd name="connsiteX6" fmla="*/ 1182211 w 2262141"/>
+              <a:gd name="connsiteY6" fmla="*/ 662577 h 2262141"/>
+              <a:gd name="connsiteX7" fmla="*/ 1076438 w 2262141"/>
+              <a:gd name="connsiteY7" fmla="*/ 662577 h 2262141"/>
+              <a:gd name="connsiteX8" fmla="*/ 748892 w 2262141"/>
+              <a:gd name="connsiteY8" fmla="*/ 851796 h 2262141"/>
+              <a:gd name="connsiteX9" fmla="*/ 697128 w 2262141"/>
+              <a:gd name="connsiteY9" fmla="*/ 942351 h 2262141"/>
+              <a:gd name="connsiteX10" fmla="*/ 697128 w 2262141"/>
+              <a:gd name="connsiteY10" fmla="*/ 1319541 h 2262141"/>
+              <a:gd name="connsiteX11" fmla="*/ 750014 w 2262141"/>
+              <a:gd name="connsiteY11" fmla="*/ 1411094 h 2262141"/>
+              <a:gd name="connsiteX12" fmla="*/ 1076438 w 2262141"/>
+              <a:gd name="connsiteY12" fmla="*/ 1600313 h 2262141"/>
+              <a:gd name="connsiteX13" fmla="*/ 1182211 w 2262141"/>
+              <a:gd name="connsiteY13" fmla="*/ 1600313 h 2262141"/>
+              <a:gd name="connsiteX14" fmla="*/ 1913391 w 2262141"/>
+              <a:gd name="connsiteY14" fmla="*/ 1177222 h 2262141"/>
+              <a:gd name="connsiteX15" fmla="*/ 1913391 w 2262141"/>
+              <a:gd name="connsiteY15" fmla="*/ 1485310 h 2262141"/>
+              <a:gd name="connsiteX16" fmla="*/ 1829571 w 2262141"/>
+              <a:gd name="connsiteY16" fmla="*/ 1632868 h 2262141"/>
+              <a:gd name="connsiteX17" fmla="*/ 1215390 w 2262141"/>
+              <a:gd name="connsiteY17" fmla="*/ 1987731 h 2262141"/>
+              <a:gd name="connsiteX18" fmla="*/ 1045505 w 2262141"/>
+              <a:gd name="connsiteY18" fmla="*/ 1987731 h 2262141"/>
+              <a:gd name="connsiteX19" fmla="*/ 431199 w 2262141"/>
+              <a:gd name="connsiteY19" fmla="*/ 1632868 h 2262141"/>
+              <a:gd name="connsiteX20" fmla="*/ 345258 w 2262141"/>
+              <a:gd name="connsiteY20" fmla="*/ 1485310 h 2262141"/>
+              <a:gd name="connsiteX21" fmla="*/ 345258 w 2262141"/>
+              <a:gd name="connsiteY21" fmla="*/ 776582 h 2262141"/>
+              <a:gd name="connsiteX22" fmla="*/ 430700 w 2262141"/>
+              <a:gd name="connsiteY22" fmla="*/ 629024 h 2262141"/>
+              <a:gd name="connsiteX23" fmla="*/ 1044881 w 2262141"/>
+              <a:gd name="connsiteY23" fmla="*/ 275159 h 2262141"/>
+              <a:gd name="connsiteX24" fmla="*/ 1214766 w 2262141"/>
+              <a:gd name="connsiteY24" fmla="*/ 275159 h 2262141"/>
+              <a:gd name="connsiteX25" fmla="*/ 1829571 w 2262141"/>
+              <a:gd name="connsiteY25" fmla="*/ 629024 h 2262141"/>
+              <a:gd name="connsiteX26" fmla="*/ 1829571 w 2262141"/>
+              <a:gd name="connsiteY26" fmla="*/ 956571 h 2262141"/>
+              <a:gd name="connsiteX27" fmla="*/ 1146039 w 2262141"/>
+              <a:gd name="connsiteY27" fmla="*/ 1350100 h 2262141"/>
+              <a:gd name="connsiteX28" fmla="*/ 1114481 w 2262141"/>
+              <a:gd name="connsiteY28" fmla="*/ 1350100 h 2262141"/>
+              <a:gd name="connsiteX29" fmla="*/ 948837 w 2262141"/>
+              <a:gd name="connsiteY29" fmla="*/ 1254556 h 2262141"/>
+              <a:gd name="connsiteX30" fmla="*/ 932497 w 2262141"/>
+              <a:gd name="connsiteY30" fmla="*/ 1226990 h 2262141"/>
+              <a:gd name="connsiteX31" fmla="*/ 932497 w 2262141"/>
+              <a:gd name="connsiteY31" fmla="*/ 1035900 h 2262141"/>
+              <a:gd name="connsiteX32" fmla="*/ 948837 w 2262141"/>
+              <a:gd name="connsiteY32" fmla="*/ 1007337 h 2262141"/>
+              <a:gd name="connsiteX33" fmla="*/ 1344363 w 2262141"/>
+              <a:gd name="connsiteY33" fmla="*/ 779576 h 2262141"/>
+              <a:gd name="connsiteX34" fmla="*/ 1349327 w 2262141"/>
+              <a:gd name="connsiteY34" fmla="*/ 760088 h 2262141"/>
+              <a:gd name="connsiteX35" fmla="*/ 1344363 w 2262141"/>
+              <a:gd name="connsiteY35" fmla="*/ 755128 h 2262141"/>
+            </a:gdLst>
+            <a:ahLst/>
+            <a:cxnLst>
+              <a:cxn ang="0">
+                <a:pos x="connsiteX0" y="connsiteY0"/>
+              </a:cxn>
+              <a:cxn ang="0">
+                <a:pos x="connsiteX1" y="connsiteY1"/>
+              </a:cxn>
+              <a:cxn ang="0">
+                <a:pos x="connsiteX2" y="connsiteY2"/>
+              </a:cxn>
+              <a:cxn ang="0">
+                <a:pos x="connsiteX3" y="connsiteY3"/>
+              </a:cxn>
+              <a:cxn ang="0">
+                <a:pos x="connsiteX4" y="connsiteY4"/>
+              </a:cxn>
+              <a:cxn ang="0">
+                <a:pos x="connsiteX5" y="connsiteY5"/>
+              </a:cxn>
+              <a:cxn ang="0">
+                <a:pos x="connsiteX6" y="connsiteY6"/>
+              </a:cxn>
+              <a:cxn ang="0">
+                <a:pos x="connsiteX7" y="connsiteY7"/>
+              </a:cxn>
+              <a:cxn ang="0">
+                <a:pos x="connsiteX8" y="connsiteY8"/>
+              </a:cxn>
+              <a:cxn ang="0">
+                <a:pos x="connsiteX9" y="connsiteY9"/>
+              </a:cxn>
+              <a:cxn ang="0">
+                <a:pos x="connsiteX10" y="connsiteY10"/>
+              </a:cxn>
+              <a:cxn ang="0">
+                <a:pos x="connsiteX11" y="connsiteY11"/>
+              </a:cxn>
+              <a:cxn ang="0">
+                <a:pos x="connsiteX12" y="connsiteY12"/>
+              </a:cxn>
+              <a:cxn ang="0">
+                <a:pos x="connsiteX13" y="connsiteY13"/>
+              </a:cxn>
+              <a:cxn ang="0">
+                <a:pos x="connsiteX14" y="connsiteY14"/>
+              </a:cxn>
+              <a:cxn ang="0">
+                <a:pos x="connsiteX15" y="connsiteY15"/>
+              </a:cxn>
+              <a:cxn ang="0">
+                <a:pos x="connsiteX16" y="connsiteY16"/>
+              </a:cxn>
+              <a:cxn ang="0">
+                <a:pos x="connsiteX17" y="connsiteY17"/>
+              </a:cxn>
+              <a:cxn ang="0">
+                <a:pos x="connsiteX18" y="connsiteY18"/>
+              </a:cxn>
+              <a:cxn ang="0">
+                <a:pos x="connsiteX19" y="connsiteY19"/>
+              </a:cxn>
+              <a:cxn ang="0">
+                <a:pos x="connsiteX20" y="connsiteY20"/>
+              </a:cxn>
+              <a:cxn ang="0">
+                <a:pos x="connsiteX21" y="connsiteY21"/>
+              </a:cxn>
+              <a:cxn ang="0">
+                <a:pos x="connsiteX22" y="connsiteY22"/>
+              </a:cxn>
+              <a:cxn ang="0">
+                <a:pos x="connsiteX23" y="connsiteY23"/>
+              </a:cxn>
+              <a:cxn ang="0">
+                <a:pos x="connsiteX24" y="connsiteY24"/>
+              </a:cxn>
+              <a:cxn ang="0">
+                <a:pos x="connsiteX25" y="connsiteY25"/>
+              </a:cxn>
+              <a:cxn ang="0">
+                <a:pos x="connsiteX26" y="connsiteY26"/>
+              </a:cxn>
+              <a:cxn ang="0">
+                <a:pos x="connsiteX27" y="connsiteY27"/>
+              </a:cxn>
+              <a:cxn ang="0">
+                <a:pos x="connsiteX28" y="connsiteY28"/>
+              </a:cxn>
+              <a:cxn ang="0">
+                <a:pos x="connsiteX29" y="connsiteY29"/>
+              </a:cxn>
+              <a:cxn ang="0">
+                <a:pos x="connsiteX30" y="connsiteY30"/>
+              </a:cxn>
+              <a:cxn ang="0">
+                <a:pos x="connsiteX31" y="connsiteY31"/>
+              </a:cxn>
+              <a:cxn ang="0">
+                <a:pos x="connsiteX32" y="connsiteY32"/>
+              </a:cxn>
+              <a:cxn ang="0">
+                <a:pos x="connsiteX33" y="connsiteY33"/>
+              </a:cxn>
+              <a:cxn ang="0">
+                <a:pos x="connsiteX34" y="connsiteY34"/>
+              </a:cxn>
+              <a:cxn ang="0">
+                <a:pos x="connsiteX35" y="connsiteY35"/>
+              </a:cxn>
+            </a:cxnLst>
+            <a:rect l="l" t="t" r="r" b="b"/>
+            <a:pathLst>
+              <a:path w="2262141" h="2262141">
+                <a:moveTo>
+                  <a:pt x="1131071" y="0"/>
+                </a:moveTo>
+                <a:cubicBezTo>
+                  <a:pt x="506397" y="0"/>
+                  <a:pt x="0" y="506397"/>
+                  <a:pt x="0" y="1131071"/>
+                </a:cubicBezTo>
+                <a:cubicBezTo>
+                  <a:pt x="0" y="1755742"/>
+                  <a:pt x="506397" y="2262142"/>
+                  <a:pt x="1131071" y="2262142"/>
+                </a:cubicBezTo>
+                <a:cubicBezTo>
+                  <a:pt x="1755742" y="2262142"/>
+                  <a:pt x="2262142" y="1755742"/>
+                  <a:pt x="2262142" y="1131071"/>
+                </a:cubicBezTo>
+                <a:cubicBezTo>
+                  <a:pt x="2262142" y="506397"/>
+                  <a:pt x="1755742" y="0"/>
+                  <a:pt x="1131071" y="0"/>
+                </a:cubicBezTo>
+                <a:close/>
+                <a:moveTo>
+                  <a:pt x="1344363" y="755128"/>
+                </a:moveTo>
+                <a:lnTo>
+                  <a:pt x="1182211" y="662577"/>
+                </a:lnTo>
+                <a:cubicBezTo>
+                  <a:pt x="1149569" y="643368"/>
+                  <a:pt x="1109081" y="643368"/>
+                  <a:pt x="1076438" y="662577"/>
+                </a:cubicBezTo>
+                <a:cubicBezTo>
+                  <a:pt x="967547" y="725691"/>
+                  <a:pt x="857783" y="788681"/>
+                  <a:pt x="748892" y="851796"/>
+                </a:cubicBezTo>
+                <a:cubicBezTo>
+                  <a:pt x="716695" y="870568"/>
+                  <a:pt x="696961" y="905081"/>
+                  <a:pt x="697128" y="942351"/>
+                </a:cubicBezTo>
+                <a:lnTo>
+                  <a:pt x="697128" y="1319541"/>
+                </a:lnTo>
+                <a:cubicBezTo>
+                  <a:pt x="696669" y="1357435"/>
+                  <a:pt x="716956" y="1392559"/>
+                  <a:pt x="750014" y="1411094"/>
+                </a:cubicBezTo>
+                <a:lnTo>
+                  <a:pt x="1076438" y="1600313"/>
+                </a:lnTo>
+                <a:cubicBezTo>
+                  <a:pt x="1109043" y="1619659"/>
+                  <a:pt x="1149606" y="1619659"/>
+                  <a:pt x="1182211" y="1600313"/>
+                </a:cubicBezTo>
+                <a:lnTo>
+                  <a:pt x="1913391" y="1177222"/>
+                </a:lnTo>
+                <a:lnTo>
+                  <a:pt x="1913391" y="1485310"/>
+                </a:lnTo>
+                <a:cubicBezTo>
+                  <a:pt x="1914601" y="1546142"/>
+                  <a:pt x="1882432" y="1602758"/>
+                  <a:pt x="1829571" y="1632868"/>
+                </a:cubicBezTo>
+                <a:lnTo>
+                  <a:pt x="1215390" y="1987731"/>
+                </a:lnTo>
+                <a:cubicBezTo>
+                  <a:pt x="1162878" y="2018290"/>
+                  <a:pt x="1098017" y="2018290"/>
+                  <a:pt x="1045505" y="1987731"/>
+                </a:cubicBezTo>
+                <a:lnTo>
+                  <a:pt x="431199" y="1632868"/>
+                </a:lnTo>
+                <a:cubicBezTo>
+                  <a:pt x="377790" y="1603032"/>
+                  <a:pt x="344858" y="1546491"/>
+                  <a:pt x="345258" y="1485310"/>
+                </a:cubicBezTo>
+                <a:cubicBezTo>
+                  <a:pt x="346256" y="1249442"/>
+                  <a:pt x="345258" y="1013448"/>
+                  <a:pt x="345258" y="776582"/>
+                </a:cubicBezTo>
+                <a:cubicBezTo>
+                  <a:pt x="344757" y="715511"/>
+                  <a:pt x="377484" y="658991"/>
+                  <a:pt x="430700" y="629024"/>
+                </a:cubicBezTo>
+                <a:lnTo>
+                  <a:pt x="1044881" y="275159"/>
+                </a:lnTo>
+                <a:cubicBezTo>
+                  <a:pt x="1097119" y="243604"/>
+                  <a:pt x="1162528" y="243604"/>
+                  <a:pt x="1214766" y="275159"/>
+                </a:cubicBezTo>
+                <a:lnTo>
+                  <a:pt x="1829571" y="629024"/>
+                </a:lnTo>
+                <a:cubicBezTo>
+                  <a:pt x="1945572" y="696130"/>
+                  <a:pt x="1945572" y="889465"/>
+                  <a:pt x="1829571" y="956571"/>
+                </a:cubicBezTo>
+                <a:lnTo>
+                  <a:pt x="1146039" y="1350100"/>
+                </a:lnTo>
+                <a:cubicBezTo>
+                  <a:pt x="1136409" y="1356212"/>
+                  <a:pt x="1124111" y="1356212"/>
+                  <a:pt x="1114481" y="1350100"/>
+                </a:cubicBezTo>
+                <a:lnTo>
+                  <a:pt x="948837" y="1254556"/>
+                </a:lnTo>
+                <a:cubicBezTo>
+                  <a:pt x="938684" y="1249130"/>
+                  <a:pt x="932385" y="1238503"/>
+                  <a:pt x="932497" y="1226990"/>
+                </a:cubicBezTo>
+                <a:lnTo>
+                  <a:pt x="932497" y="1035900"/>
+                </a:lnTo>
+                <a:cubicBezTo>
+                  <a:pt x="932373" y="1024126"/>
+                  <a:pt x="938622" y="1013199"/>
+                  <a:pt x="948837" y="1007337"/>
+                </a:cubicBezTo>
+                <a:lnTo>
+                  <a:pt x="1344363" y="779576"/>
+                </a:lnTo>
+                <a:cubicBezTo>
+                  <a:pt x="1351111" y="775563"/>
+                  <a:pt x="1353331" y="766838"/>
+                  <a:pt x="1349327" y="760088"/>
+                </a:cubicBezTo>
+                <a:cubicBezTo>
+                  <a:pt x="1348105" y="758046"/>
+                  <a:pt x="1346408" y="756342"/>
+                  <a:pt x="1344363" y="755128"/>
+                </a:cubicBezTo>
+                <a:close/>
+              </a:path>
+            </a:pathLst>
+          </a:custGeom>
+          <a:solidFill>
+            <a:srgbClr val="FFFFFF"/>
+          </a:solidFill>
+          <a:ln w="12464" cap="flat">
+            <a:noFill/>
+            <a:prstDash val="solid"/>
+            <a:miter/>
+          </a:ln>
+        </p:spPr>
+        <p:txBody>
+          <a:bodyPr rtlCol="0" anchor="ctr"/>
+          <a:lstStyle/>
+          <a:p>
+            <a:endParaRPr lang="zh-TW" altLang="en-US"/>
+          </a:p>
+        </p:txBody>
+      </p:sp>
+      <p:sp>
+        <p:nvSpPr>
+          <p:cNvPr id="13" name="手繪多邊形: 圖案 12">
+            <a:extLst>
+              <a:ext uri="{FF2B5EF4-FFF2-40B4-BE49-F238E27FC236}">
+                <a16:creationId xmlns:a16="http://schemas.microsoft.com/office/drawing/2014/main" id="{6CD9F8E6-011C-4878-E2E7-4F62EFE573B7}"/>
+              </a:ext>
+            </a:extLst>
+          </p:cNvPr>
+          <p:cNvSpPr/>
+          <p:nvPr/>
+        </p:nvSpPr>
+        <p:spPr>
+          <a:xfrm>
+            <a:off x="4499429" y="1832428"/>
+            <a:ext cx="3193142" cy="3193142"/>
+          </a:xfrm>
+          <a:custGeom>
+            <a:avLst/>
+            <a:gdLst>
+              <a:gd name="connsiteX0" fmla="*/ 1596571 w 3193142"/>
+              <a:gd name="connsiteY0" fmla="*/ 0 h 3193142"/>
+              <a:gd name="connsiteX1" fmla="*/ 0 w 3193142"/>
+              <a:gd name="connsiteY1" fmla="*/ 1596571 h 3193142"/>
+              <a:gd name="connsiteX2" fmla="*/ 1596571 w 3193142"/>
+              <a:gd name="connsiteY2" fmla="*/ 3193142 h 3193142"/>
+              <a:gd name="connsiteX3" fmla="*/ 3193142 w 3193142"/>
+              <a:gd name="connsiteY3" fmla="*/ 1596571 h 3193142"/>
+              <a:gd name="connsiteX4" fmla="*/ 1596571 w 3193142"/>
+              <a:gd name="connsiteY4" fmla="*/ 0 h 3193142"/>
+              <a:gd name="connsiteX5" fmla="*/ 1809863 w 3193142"/>
+              <a:gd name="connsiteY5" fmla="*/ 1220628 h 3193142"/>
+              <a:gd name="connsiteX6" fmla="*/ 1647711 w 3193142"/>
+              <a:gd name="connsiteY6" fmla="*/ 1128077 h 3193142"/>
+              <a:gd name="connsiteX7" fmla="*/ 1541938 w 3193142"/>
+              <a:gd name="connsiteY7" fmla="*/ 1128077 h 3193142"/>
+              <a:gd name="connsiteX8" fmla="*/ 1214392 w 3193142"/>
+              <a:gd name="connsiteY8" fmla="*/ 1317296 h 3193142"/>
+              <a:gd name="connsiteX9" fmla="*/ 1162628 w 3193142"/>
+              <a:gd name="connsiteY9" fmla="*/ 1407851 h 3193142"/>
+              <a:gd name="connsiteX10" fmla="*/ 1162628 w 3193142"/>
+              <a:gd name="connsiteY10" fmla="*/ 1785041 h 3193142"/>
+              <a:gd name="connsiteX11" fmla="*/ 1215514 w 3193142"/>
+              <a:gd name="connsiteY11" fmla="*/ 1876595 h 3193142"/>
+              <a:gd name="connsiteX12" fmla="*/ 1541938 w 3193142"/>
+              <a:gd name="connsiteY12" fmla="*/ 2065813 h 3193142"/>
+              <a:gd name="connsiteX13" fmla="*/ 1647711 w 3193142"/>
+              <a:gd name="connsiteY13" fmla="*/ 2065813 h 3193142"/>
+              <a:gd name="connsiteX14" fmla="*/ 2378891 w 3193142"/>
+              <a:gd name="connsiteY14" fmla="*/ 1642722 h 3193142"/>
+              <a:gd name="connsiteX15" fmla="*/ 2378891 w 3193142"/>
+              <a:gd name="connsiteY15" fmla="*/ 1950810 h 3193142"/>
+              <a:gd name="connsiteX16" fmla="*/ 2295071 w 3193142"/>
+              <a:gd name="connsiteY16" fmla="*/ 2098368 h 3193142"/>
+              <a:gd name="connsiteX17" fmla="*/ 1680890 w 3193142"/>
+              <a:gd name="connsiteY17" fmla="*/ 2453231 h 3193142"/>
+              <a:gd name="connsiteX18" fmla="*/ 1511005 w 3193142"/>
+              <a:gd name="connsiteY18" fmla="*/ 2453231 h 3193142"/>
+              <a:gd name="connsiteX19" fmla="*/ 896699 w 3193142"/>
+              <a:gd name="connsiteY19" fmla="*/ 2098368 h 3193142"/>
+              <a:gd name="connsiteX20" fmla="*/ 810759 w 3193142"/>
+              <a:gd name="connsiteY20" fmla="*/ 1950810 h 3193142"/>
+              <a:gd name="connsiteX21" fmla="*/ 810759 w 3193142"/>
+              <a:gd name="connsiteY21" fmla="*/ 1242082 h 3193142"/>
+              <a:gd name="connsiteX22" fmla="*/ 896200 w 3193142"/>
+              <a:gd name="connsiteY22" fmla="*/ 1094524 h 3193142"/>
+              <a:gd name="connsiteX23" fmla="*/ 1510381 w 3193142"/>
+              <a:gd name="connsiteY23" fmla="*/ 740659 h 3193142"/>
+              <a:gd name="connsiteX24" fmla="*/ 1680266 w 3193142"/>
+              <a:gd name="connsiteY24" fmla="*/ 740659 h 3193142"/>
+              <a:gd name="connsiteX25" fmla="*/ 2295071 w 3193142"/>
+              <a:gd name="connsiteY25" fmla="*/ 1094524 h 3193142"/>
+              <a:gd name="connsiteX26" fmla="*/ 2295071 w 3193142"/>
+              <a:gd name="connsiteY26" fmla="*/ 1422071 h 3193142"/>
+              <a:gd name="connsiteX27" fmla="*/ 1611539 w 3193142"/>
+              <a:gd name="connsiteY27" fmla="*/ 1815601 h 3193142"/>
+              <a:gd name="connsiteX28" fmla="*/ 1579982 w 3193142"/>
+              <a:gd name="connsiteY28" fmla="*/ 1815601 h 3193142"/>
+              <a:gd name="connsiteX29" fmla="*/ 1414337 w 3193142"/>
+              <a:gd name="connsiteY29" fmla="*/ 1720056 h 3193142"/>
+              <a:gd name="connsiteX30" fmla="*/ 1397998 w 3193142"/>
+              <a:gd name="connsiteY30" fmla="*/ 1692490 h 3193142"/>
+              <a:gd name="connsiteX31" fmla="*/ 1397998 w 3193142"/>
+              <a:gd name="connsiteY31" fmla="*/ 1501400 h 3193142"/>
+              <a:gd name="connsiteX32" fmla="*/ 1414337 w 3193142"/>
+              <a:gd name="connsiteY32" fmla="*/ 1472837 h 3193142"/>
+              <a:gd name="connsiteX33" fmla="*/ 1809863 w 3193142"/>
+              <a:gd name="connsiteY33" fmla="*/ 1245076 h 3193142"/>
+              <a:gd name="connsiteX34" fmla="*/ 1814827 w 3193142"/>
+              <a:gd name="connsiteY34" fmla="*/ 1225588 h 3193142"/>
+              <a:gd name="connsiteX35" fmla="*/ 1809863 w 3193142"/>
+              <a:gd name="connsiteY35" fmla="*/ 1220628 h 3193142"/>
+            </a:gdLst>
+            <a:ahLst/>
+            <a:cxnLst>
+              <a:cxn ang="0">
+                <a:pos x="connsiteX0" y="connsiteY0"/>
+              </a:cxn>
+              <a:cxn ang="0">
+                <a:pos x="connsiteX1" y="connsiteY1"/>
+              </a:cxn>
+              <a:cxn ang="0">
+                <a:pos x="connsiteX2" y="connsiteY2"/>
+              </a:cxn>
+              <a:cxn ang="0">
+                <a:pos x="connsiteX3" y="connsiteY3"/>
+              </a:cxn>
+              <a:cxn ang="0">
+                <a:pos x="connsiteX4" y="connsiteY4"/>
+              </a:cxn>
+              <a:cxn ang="0">
+                <a:pos x="connsiteX5" y="connsiteY5"/>
+              </a:cxn>
+              <a:cxn ang="0">
+                <a:pos x="connsiteX6" y="connsiteY6"/>
+              </a:cxn>
+              <a:cxn ang="0">
+                <a:pos x="connsiteX7" y="connsiteY7"/>
+              </a:cxn>
+              <a:cxn ang="0">
+                <a:pos x="connsiteX8" y="connsiteY8"/>
+              </a:cxn>
+              <a:cxn ang="0">
+                <a:pos x="connsiteX9" y="connsiteY9"/>
+              </a:cxn>
+              <a:cxn ang="0">
+                <a:pos x="connsiteX10" y="connsiteY10"/>
+              </a:cxn>
+              <a:cxn ang="0">
+                <a:pos x="connsiteX11" y="connsiteY11"/>
+              </a:cxn>
+              <a:cxn ang="0">
+                <a:pos x="connsiteX12" y="connsiteY12"/>
+              </a:cxn>
+              <a:cxn ang="0">
+                <a:pos x="connsiteX13" y="connsiteY13"/>
+              </a:cxn>
+              <a:cxn ang="0">
+                <a:pos x="connsiteX14" y="connsiteY14"/>
+              </a:cxn>
+              <a:cxn ang="0">
+                <a:pos x="connsiteX15" y="connsiteY15"/>
+              </a:cxn>
+              <a:cxn ang="0">
+                <a:pos x="connsiteX16" y="connsiteY16"/>
+              </a:cxn>
+              <a:cxn ang="0">
+                <a:pos x="connsiteX17" y="connsiteY17"/>
+              </a:cxn>
+              <a:cxn ang="0">
+                <a:pos x="connsiteX18" y="connsiteY18"/>
+              </a:cxn>
+              <a:cxn ang="0">
+                <a:pos x="connsiteX19" y="connsiteY19"/>
+              </a:cxn>
+              <a:cxn ang="0">
+                <a:pos x="connsiteX20" y="connsiteY20"/>
+              </a:cxn>
+              <a:cxn ang="0">
+                <a:pos x="connsiteX21" y="connsiteY21"/>
+              </a:cxn>
+              <a:cxn ang="0">
+                <a:pos x="connsiteX22" y="connsiteY22"/>
+              </a:cxn>
+              <a:cxn ang="0">
+                <a:pos x="connsiteX23" y="connsiteY23"/>
+              </a:cxn>
+              <a:cxn ang="0">
+                <a:pos x="connsiteX24" y="connsiteY24"/>
+              </a:cxn>
+              <a:cxn ang="0">
+                <a:pos x="connsiteX25" y="connsiteY25"/>
+              </a:cxn>
+              <a:cxn ang="0">
+                <a:pos x="connsiteX26" y="connsiteY26"/>
+              </a:cxn>
+              <a:cxn ang="0">
+                <a:pos x="connsiteX27" y="connsiteY27"/>
+              </a:cxn>
+              <a:cxn ang="0">
+                <a:pos x="connsiteX28" y="connsiteY28"/>
+              </a:cxn>
+              <a:cxn ang="0">
+                <a:pos x="connsiteX29" y="connsiteY29"/>
+              </a:cxn>
+              <a:cxn ang="0">
+                <a:pos x="connsiteX30" y="connsiteY30"/>
+              </a:cxn>
+              <a:cxn ang="0">
+                <a:pos x="connsiteX31" y="connsiteY31"/>
+              </a:cxn>
+              <a:cxn ang="0">
+                <a:pos x="connsiteX32" y="connsiteY32"/>
+              </a:cxn>
+              <a:cxn ang="0">
+                <a:pos x="connsiteX33" y="connsiteY33"/>
+              </a:cxn>
+              <a:cxn ang="0">
+                <a:pos x="connsiteX34" y="connsiteY34"/>
+              </a:cxn>
+              <a:cxn ang="0">
+                <a:pos x="connsiteX35" y="connsiteY35"/>
+              </a:cxn>
+            </a:cxnLst>
+            <a:rect l="l" t="t" r="r" b="b"/>
+            <a:pathLst>
+              <a:path w="3193142" h="3193142">
+                <a:moveTo>
+                  <a:pt x="1596571" y="0"/>
+                </a:moveTo>
+                <a:cubicBezTo>
+                  <a:pt x="714810" y="0"/>
+                  <a:pt x="0" y="714810"/>
+                  <a:pt x="0" y="1596571"/>
+                </a:cubicBezTo>
+                <a:cubicBezTo>
+                  <a:pt x="0" y="2478327"/>
+                  <a:pt x="714810" y="3193142"/>
+                  <a:pt x="1596571" y="3193142"/>
+                </a:cubicBezTo>
+                <a:cubicBezTo>
+                  <a:pt x="2478327" y="3193142"/>
+                  <a:pt x="3193142" y="2478327"/>
+                  <a:pt x="3193142" y="1596571"/>
+                </a:cubicBezTo>
+                <a:cubicBezTo>
+                  <a:pt x="3193142" y="714810"/>
+                  <a:pt x="2478327" y="0"/>
+                  <a:pt x="1596571" y="0"/>
+                </a:cubicBezTo>
+                <a:close/>
+                <a:moveTo>
+                  <a:pt x="1809863" y="1220628"/>
+                </a:moveTo>
+                <a:lnTo>
+                  <a:pt x="1647711" y="1128077"/>
+                </a:lnTo>
+                <a:cubicBezTo>
+                  <a:pt x="1615069" y="1108869"/>
+                  <a:pt x="1574581" y="1108869"/>
+                  <a:pt x="1541938" y="1128077"/>
+                </a:cubicBezTo>
+                <a:cubicBezTo>
+                  <a:pt x="1433047" y="1191192"/>
+                  <a:pt x="1323283" y="1254181"/>
+                  <a:pt x="1214392" y="1317296"/>
+                </a:cubicBezTo>
+                <a:cubicBezTo>
+                  <a:pt x="1182195" y="1336068"/>
+                  <a:pt x="1162461" y="1370581"/>
+                  <a:pt x="1162628" y="1407851"/>
+                </a:cubicBezTo>
+                <a:lnTo>
+                  <a:pt x="1162628" y="1785041"/>
+                </a:lnTo>
+                <a:cubicBezTo>
+                  <a:pt x="1162169" y="1822935"/>
+                  <a:pt x="1182457" y="1858060"/>
+                  <a:pt x="1215514" y="1876595"/>
+                </a:cubicBezTo>
+                <a:lnTo>
+                  <a:pt x="1541938" y="2065813"/>
+                </a:lnTo>
+                <a:cubicBezTo>
+                  <a:pt x="1574543" y="2085159"/>
+                  <a:pt x="1615106" y="2085159"/>
+                  <a:pt x="1647711" y="2065813"/>
+                </a:cubicBezTo>
+                <a:lnTo>
+                  <a:pt x="2378891" y="1642722"/>
+                </a:lnTo>
+                <a:lnTo>
+                  <a:pt x="2378891" y="1950810"/>
+                </a:lnTo>
+                <a:cubicBezTo>
+                  <a:pt x="2380101" y="2011642"/>
+                  <a:pt x="2347932" y="2068258"/>
+                  <a:pt x="2295071" y="2098368"/>
+                </a:cubicBezTo>
+                <a:lnTo>
+                  <a:pt x="1680890" y="2453231"/>
+                </a:lnTo>
+                <a:cubicBezTo>
+                  <a:pt x="1628378" y="2483791"/>
+                  <a:pt x="1563517" y="2483791"/>
+                  <a:pt x="1511005" y="2453231"/>
+                </a:cubicBezTo>
+                <a:lnTo>
+                  <a:pt x="896699" y="2098368"/>
+                </a:lnTo>
+                <a:cubicBezTo>
+                  <a:pt x="843290" y="2068532"/>
+                  <a:pt x="810358" y="2011991"/>
+                  <a:pt x="810759" y="1950810"/>
+                </a:cubicBezTo>
+                <a:cubicBezTo>
+                  <a:pt x="811757" y="1714942"/>
+                  <a:pt x="810759" y="1478949"/>
+                  <a:pt x="810759" y="1242082"/>
+                </a:cubicBezTo>
+                <a:cubicBezTo>
+                  <a:pt x="810257" y="1181011"/>
+                  <a:pt x="842985" y="1124491"/>
+                  <a:pt x="896200" y="1094524"/>
+                </a:cubicBezTo>
+                <a:lnTo>
+                  <a:pt x="1510381" y="740659"/>
+                </a:lnTo>
+                <a:cubicBezTo>
+                  <a:pt x="1562619" y="709105"/>
+                  <a:pt x="1628029" y="709105"/>
+                  <a:pt x="1680266" y="740659"/>
+                </a:cubicBezTo>
+                <a:lnTo>
+                  <a:pt x="2295071" y="1094524"/>
+                </a:lnTo>
+                <a:cubicBezTo>
+                  <a:pt x="2411072" y="1161630"/>
+                  <a:pt x="2411072" y="1354965"/>
+                  <a:pt x="2295071" y="1422071"/>
+                </a:cubicBezTo>
+                <a:lnTo>
+                  <a:pt x="1611539" y="1815601"/>
+                </a:lnTo>
+                <a:cubicBezTo>
+                  <a:pt x="1601910" y="1821713"/>
+                  <a:pt x="1589611" y="1821713"/>
+                  <a:pt x="1579982" y="1815601"/>
+                </a:cubicBezTo>
+                <a:lnTo>
+                  <a:pt x="1414337" y="1720056"/>
+                </a:lnTo>
+                <a:cubicBezTo>
+                  <a:pt x="1404184" y="1714630"/>
+                  <a:pt x="1397885" y="1704003"/>
+                  <a:pt x="1397998" y="1692490"/>
+                </a:cubicBezTo>
+                <a:lnTo>
+                  <a:pt x="1397998" y="1501400"/>
+                </a:lnTo>
+                <a:cubicBezTo>
+                  <a:pt x="1397873" y="1489626"/>
+                  <a:pt x="1404122" y="1478699"/>
+                  <a:pt x="1414337" y="1472837"/>
+                </a:cubicBezTo>
+                <a:lnTo>
+                  <a:pt x="1809863" y="1245076"/>
+                </a:lnTo>
+                <a:cubicBezTo>
+                  <a:pt x="1816611" y="1241063"/>
+                  <a:pt x="1818831" y="1232338"/>
+                  <a:pt x="1814827" y="1225588"/>
+                </a:cubicBezTo>
+                <a:cubicBezTo>
+                  <a:pt x="1813605" y="1223546"/>
+                  <a:pt x="1811909" y="1221842"/>
+                  <a:pt x="1809863" y="1220628"/>
+                </a:cubicBezTo>
+                <a:close/>
+              </a:path>
+            </a:pathLst>
+          </a:custGeom>
+          <a:solidFill>
+            <a:srgbClr val="313131"/>
+          </a:solidFill>
+          <a:ln w="12464" cap="flat">
+            <a:noFill/>
+            <a:prstDash val="solid"/>
+            <a:miter/>
+          </a:ln>
+        </p:spPr>
+        <p:txBody>
+          <a:bodyPr rtlCol="0" anchor="ctr"/>
+          <a:lstStyle/>
+          <a:p>
+            <a:endParaRPr lang="zh-TW" altLang="en-US"/>
+          </a:p>
+        </p:txBody>
+      </p:sp>
+    </p:spTree>
+    <p:extLst>
+      <p:ext uri="{BB962C8B-B14F-4D97-AF65-F5344CB8AC3E}">
+        <p14:creationId xmlns:p14="http://schemas.microsoft.com/office/powerpoint/2010/main" val="3578376279"/>
+      </p:ext>
+    </p:extLst>
+  </p:cSld>
+  <p:clrMapOvr>
+    <a:masterClrMapping/>
+  </p:clrMapOvr>
+</p:sld>
+</file>
+
+<file path=ppt/slides/slide14.xml><?xml version="1.0" encoding="utf-8"?>
+<p:sld xmlns:a="http://schemas.openxmlformats.org/drawingml/2006/main" xmlns:r="http://schemas.openxmlformats.org/officeDocument/2006/relationships" xmlns:p="http://schemas.openxmlformats.org/presentationml/2006/main">
+  <p:cSld>
+    <p:spTree>
+      <p:nvGrpSpPr>
+        <p:cNvPr id="1" name=""/>
+        <p:cNvGrpSpPr/>
+        <p:nvPr/>
+      </p:nvGrpSpPr>
+      <p:grpSpPr>
+        <a:xfrm>
+          <a:off x="0" y="0"/>
+          <a:ext cx="0" cy="0"/>
+          <a:chOff x="0" y="0"/>
+          <a:chExt cx="0" cy="0"/>
+        </a:xfrm>
+      </p:grpSpPr>
+      <p:pic>
+        <p:nvPicPr>
+          <p:cNvPr id="6" name="圖片 5" descr="一張含有 文字, 螢幕擷取畫面, 電子藍, 標誌 的圖片&#10;&#10;自動產生的描述">
+            <a:extLst>
+              <a:ext uri="{FF2B5EF4-FFF2-40B4-BE49-F238E27FC236}">
+                <a16:creationId xmlns:a16="http://schemas.microsoft.com/office/drawing/2014/main" id="{9A31DA90-6D89-89F8-6629-9879C87DF916}"/>
+              </a:ext>
+            </a:extLst>
+          </p:cNvPr>
+          <p:cNvPicPr>
+            <a:picLocks noChangeAspect="1"/>
+          </p:cNvPicPr>
+          <p:nvPr/>
+        </p:nvPicPr>
+        <p:blipFill>
+          <a:blip r:embed="rId2">
+            <a:extLst>
+              <a:ext uri="{28A0092B-C50C-407E-A947-70E740481C1C}">
+                <a14:useLocalDpi xmlns:a14="http://schemas.microsoft.com/office/drawing/2010/main" val="0"/>
+              </a:ext>
+            </a:extLst>
+          </a:blip>
+          <a:srcRect l="19610" r="16686"/>
+          <a:stretch>
+            <a:fillRect/>
+          </a:stretch>
+        </p:blipFill>
+        <p:spPr>
+          <a:xfrm>
+            <a:off x="1727201" y="0"/>
+            <a:ext cx="8737598" cy="6858000"/>
+          </a:xfrm>
+          <a:custGeom>
+            <a:avLst/>
+            <a:gdLst>
+              <a:gd name="connsiteX0" fmla="*/ 0 w 8737598"/>
+              <a:gd name="connsiteY0" fmla="*/ 0 h 6858000"/>
+              <a:gd name="connsiteX1" fmla="*/ 8737598 w 8737598"/>
+              <a:gd name="connsiteY1" fmla="*/ 0 h 6858000"/>
+              <a:gd name="connsiteX2" fmla="*/ 8737598 w 8737598"/>
+              <a:gd name="connsiteY2" fmla="*/ 6858000 h 6858000"/>
+              <a:gd name="connsiteX3" fmla="*/ 0 w 8737598"/>
+              <a:gd name="connsiteY3" fmla="*/ 6858000 h 6858000"/>
+            </a:gdLst>
+            <a:ahLst/>
+            <a:cxnLst>
+              <a:cxn ang="0">
+                <a:pos x="connsiteX0" y="connsiteY0"/>
+              </a:cxn>
+              <a:cxn ang="0">
+                <a:pos x="connsiteX1" y="connsiteY1"/>
+              </a:cxn>
+              <a:cxn ang="0">
+                <a:pos x="connsiteX2" y="connsiteY2"/>
+              </a:cxn>
+              <a:cxn ang="0">
+                <a:pos x="connsiteX3" y="connsiteY3"/>
+              </a:cxn>
+            </a:cxnLst>
+            <a:rect l="l" t="t" r="r" b="b"/>
+            <a:pathLst>
+              <a:path w="8737598" h="6858000">
+                <a:moveTo>
+                  <a:pt x="0" y="0"/>
+                </a:moveTo>
+                <a:lnTo>
+                  <a:pt x="8737598" y="0"/>
+                </a:lnTo>
+                <a:lnTo>
+                  <a:pt x="8737598" y="6858000"/>
+                </a:lnTo>
+                <a:lnTo>
+                  <a:pt x="0" y="6858000"/>
+                </a:lnTo>
+                <a:close/>
+              </a:path>
+            </a:pathLst>
+          </a:custGeom>
+        </p:spPr>
+      </p:pic>
+      <p:sp>
+        <p:nvSpPr>
+          <p:cNvPr id="8" name="矩形 7">
+            <a:extLst>
+              <a:ext uri="{FF2B5EF4-FFF2-40B4-BE49-F238E27FC236}">
+                <a16:creationId xmlns:a16="http://schemas.microsoft.com/office/drawing/2014/main" id="{18343A11-9432-E6C7-6020-F5CBC2E45040}"/>
+              </a:ext>
+            </a:extLst>
+          </p:cNvPr>
+          <p:cNvSpPr/>
+          <p:nvPr/>
+        </p:nvSpPr>
+        <p:spPr>
+          <a:xfrm>
+            <a:off x="4413538" y="3190374"/>
+            <a:ext cx="2918506" cy="830580"/>
+          </a:xfrm>
+          <a:prstGeom prst="rect">
+            <a:avLst/>
+          </a:prstGeom>
+          <a:solidFill>
+            <a:schemeClr val="bg1"/>
+          </a:solidFill>
+          <a:ln>
+            <a:noFill/>
+          </a:ln>
+          <a:scene3d>
+            <a:camera prst="isometricBottomDown"/>
+            <a:lightRig rig="threePt" dir="t"/>
+          </a:scene3d>
+        </p:spPr>
+        <p:style>
+          <a:lnRef idx="2">
+            <a:schemeClr val="accent1">
+              <a:shade val="15000"/>
+            </a:schemeClr>
+          </a:lnRef>
+          <a:fillRef idx="1">
+            <a:schemeClr val="accent1"/>
+          </a:fillRef>
+          <a:effectRef idx="0">
+            <a:schemeClr val="accent1"/>
+          </a:effectRef>
+          <a:fontRef idx="minor">
+            <a:schemeClr val="lt1"/>
+          </a:fontRef>
+        </p:style>
+        <p:txBody>
+          <a:bodyPr rtlCol="0" anchor="ctr"/>
+          <a:lstStyle/>
+          <a:p>
+            <a:pPr algn="ctr"/>
+            <a:r>
+              <a:rPr lang="en-US" altLang="zh-TW" sz="4000" b="1" dirty="0">
+                <a:solidFill>
+                  <a:srgbClr val="003391"/>
+                </a:solidFill>
+              </a:rPr>
+              <a:t>Technology</a:t>
+            </a:r>
+            <a:endParaRPr lang="zh-TW" altLang="en-US" sz="4000" b="1" dirty="0">
+              <a:solidFill>
+                <a:srgbClr val="003391"/>
+              </a:solidFill>
+            </a:endParaRPr>
+          </a:p>
+        </p:txBody>
+      </p:sp>
+    </p:spTree>
+    <p:extLst>
+      <p:ext uri="{BB962C8B-B14F-4D97-AF65-F5344CB8AC3E}">
+        <p14:creationId xmlns:p14="http://schemas.microsoft.com/office/powerpoint/2010/main" val="1533544373"/>
+      </p:ext>
+    </p:extLst>
+  </p:cSld>
+  <p:clrMapOvr>
+    <a:masterClrMapping/>
+  </p:clrMapOvr>
+</p:sld>
+</file>
+
+<file path=ppt/slides/slide15.xml><?xml version="1.0" encoding="utf-8"?>
+<p:sld xmlns:a="http://schemas.openxmlformats.org/drawingml/2006/main" xmlns:r="http://schemas.openxmlformats.org/officeDocument/2006/relationships" xmlns:p="http://schemas.openxmlformats.org/presentationml/2006/main">
+  <p:cSld>
+    <p:spTree>
+      <p:nvGrpSpPr>
+        <p:cNvPr id="1" name=""/>
+        <p:cNvGrpSpPr/>
+        <p:nvPr/>
+      </p:nvGrpSpPr>
+      <p:grpSpPr>
+        <a:xfrm>
+          <a:off x="0" y="0"/>
+          <a:ext cx="0" cy="0"/>
+          <a:chOff x="0" y="0"/>
+          <a:chExt cx="0" cy="0"/>
+        </a:xfrm>
+      </p:grpSpPr>
+      <p:pic>
+        <p:nvPicPr>
+          <p:cNvPr id="8" name="圖片 7" descr="一張含有 文字, 螢幕擷取畫面, 圖形, 平面設計 的圖片&#10;&#10;自動產生的描述">
+            <a:extLst>
+              <a:ext uri="{FF2B5EF4-FFF2-40B4-BE49-F238E27FC236}">
+                <a16:creationId xmlns:a16="http://schemas.microsoft.com/office/drawing/2014/main" id="{AC8F754B-F9D9-AC73-4FD1-8BFFA9501B1E}"/>
+              </a:ext>
+            </a:extLst>
+          </p:cNvPr>
+          <p:cNvPicPr>
+            <a:picLocks noChangeAspect="1"/>
+          </p:cNvPicPr>
+          <p:nvPr/>
+        </p:nvPicPr>
+        <p:blipFill rotWithShape="1">
+          <a:blip r:embed="rId2">
+            <a:duotone>
+              <a:schemeClr val="accent1">
+                <a:shade val="45000"/>
+                <a:satMod val="135000"/>
+              </a:schemeClr>
+              <a:prstClr val="white"/>
+            </a:duotone>
+            <a:extLst>
+              <a:ext uri="{28A0092B-C50C-407E-A947-70E740481C1C}">
+                <a14:useLocalDpi xmlns:a14="http://schemas.microsoft.com/office/drawing/2010/main" val="0"/>
+              </a:ext>
+            </a:extLst>
+          </a:blip>
+          <a:srcRect t="9394" b="17932"/>
+          <a:stretch/>
+        </p:blipFill>
+        <p:spPr>
+          <a:xfrm>
+            <a:off x="1727201" y="0"/>
+            <a:ext cx="8737598" cy="6858000"/>
+          </a:xfrm>
+          <a:custGeom>
+            <a:avLst/>
+            <a:gdLst>
+              <a:gd name="connsiteX0" fmla="*/ 0 w 8737598"/>
+              <a:gd name="connsiteY0" fmla="*/ 0 h 6858000"/>
+              <a:gd name="connsiteX1" fmla="*/ 8737598 w 8737598"/>
+              <a:gd name="connsiteY1" fmla="*/ 0 h 6858000"/>
+              <a:gd name="connsiteX2" fmla="*/ 8737598 w 8737598"/>
+              <a:gd name="connsiteY2" fmla="*/ 6858000 h 6858000"/>
+              <a:gd name="connsiteX3" fmla="*/ 0 w 8737598"/>
+              <a:gd name="connsiteY3" fmla="*/ 6858000 h 6858000"/>
+            </a:gdLst>
+            <a:ahLst/>
+            <a:cxnLst>
+              <a:cxn ang="0">
+                <a:pos x="connsiteX0" y="connsiteY0"/>
+              </a:cxn>
+              <a:cxn ang="0">
+                <a:pos x="connsiteX1" y="connsiteY1"/>
+              </a:cxn>
+              <a:cxn ang="0">
+                <a:pos x="connsiteX2" y="connsiteY2"/>
+              </a:cxn>
+              <a:cxn ang="0">
+                <a:pos x="connsiteX3" y="connsiteY3"/>
+              </a:cxn>
+            </a:cxnLst>
+            <a:rect l="l" t="t" r="r" b="b"/>
+            <a:pathLst>
+              <a:path w="8737598" h="6858000">
+                <a:moveTo>
+                  <a:pt x="0" y="0"/>
+                </a:moveTo>
+                <a:lnTo>
+                  <a:pt x="8737598" y="0"/>
+                </a:lnTo>
+                <a:lnTo>
+                  <a:pt x="8737598" y="6858000"/>
+                </a:lnTo>
+                <a:lnTo>
+                  <a:pt x="0" y="6858000"/>
+                </a:lnTo>
+                <a:close/>
+              </a:path>
+            </a:pathLst>
+          </a:custGeom>
+        </p:spPr>
+      </p:pic>
+    </p:spTree>
+    <p:extLst>
+      <p:ext uri="{BB962C8B-B14F-4D97-AF65-F5344CB8AC3E}">
+        <p14:creationId xmlns:p14="http://schemas.microsoft.com/office/powerpoint/2010/main" val="1109762475"/>
+      </p:ext>
+    </p:extLst>
+  </p:cSld>
+  <p:clrMapOvr>
+    <a:masterClrMapping/>
+  </p:clrMapOvr>
+</p:sld>
+</file>
+
+<file path=ppt/slides/slide16.xml><?xml version="1.0" encoding="utf-8"?>
+<p:sld xmlns:a="http://schemas.openxmlformats.org/drawingml/2006/main" xmlns:r="http://schemas.openxmlformats.org/officeDocument/2006/relationships" xmlns:p="http://schemas.openxmlformats.org/presentationml/2006/main">
+  <p:cSld>
+    <p:spTree>
+      <p:nvGrpSpPr>
+        <p:cNvPr id="1" name=""/>
+        <p:cNvGrpSpPr/>
+        <p:nvPr/>
+      </p:nvGrpSpPr>
+      <p:grpSpPr>
+        <a:xfrm>
+          <a:off x="0" y="0"/>
+          <a:ext cx="0" cy="0"/>
+          <a:chOff x="0" y="0"/>
+          <a:chExt cx="0" cy="0"/>
+        </a:xfrm>
+      </p:grpSpPr>
+      <p:sp>
+        <p:nvSpPr>
+          <p:cNvPr id="2" name="矩形 1">
+            <a:extLst>
+              <a:ext uri="{FF2B5EF4-FFF2-40B4-BE49-F238E27FC236}">
+                <a16:creationId xmlns:a16="http://schemas.microsoft.com/office/drawing/2014/main" id="{88895B90-59DE-5D12-9A21-D6FA8289014A}"/>
+              </a:ext>
+            </a:extLst>
+          </p:cNvPr>
+          <p:cNvSpPr/>
+          <p:nvPr/>
+        </p:nvSpPr>
+        <p:spPr>
+          <a:xfrm>
+            <a:off x="2745362" y="799138"/>
+            <a:ext cx="6701275" cy="5259724"/>
+          </a:xfrm>
+          <a:prstGeom prst="rect">
+            <a:avLst/>
+          </a:prstGeom>
+          <a:solidFill>
+            <a:schemeClr val="bg1"/>
+          </a:solidFill>
+          <a:ln>
+            <a:noFill/>
+          </a:ln>
+        </p:spPr>
+        <p:style>
+          <a:lnRef idx="2">
+            <a:schemeClr val="accent1">
+              <a:shade val="15000"/>
+            </a:schemeClr>
+          </a:lnRef>
+          <a:fillRef idx="1">
+            <a:schemeClr val="accent1"/>
+          </a:fillRef>
+          <a:effectRef idx="0">
+            <a:schemeClr val="accent1"/>
+          </a:effectRef>
+          <a:fontRef idx="minor">
+            <a:schemeClr val="lt1"/>
+          </a:fontRef>
+        </p:style>
+        <p:txBody>
+          <a:bodyPr rtlCol="0" anchor="ctr"/>
+          <a:lstStyle/>
+          <a:p>
+            <a:pPr algn="ctr"/>
+            <a:endParaRPr lang="zh-TW" altLang="en-US"/>
+          </a:p>
+        </p:txBody>
+      </p:sp>
+      <p:pic>
+        <p:nvPicPr>
+          <p:cNvPr id="4" name="圖片 3" descr="一張含有 寫生, 藝術, 設計 的圖片&#10;&#10;自動產生的描述">
+            <a:extLst>
+              <a:ext uri="{FF2B5EF4-FFF2-40B4-BE49-F238E27FC236}">
+                <a16:creationId xmlns:a16="http://schemas.microsoft.com/office/drawing/2014/main" id="{0191BDD2-8277-D008-916E-F8F304D8D5F8}"/>
+              </a:ext>
+            </a:extLst>
+          </p:cNvPr>
+          <p:cNvPicPr>
+            <a:picLocks noChangeAspect="1"/>
+          </p:cNvPicPr>
+          <p:nvPr/>
+        </p:nvPicPr>
+        <p:blipFill rotWithShape="1">
+          <a:blip r:embed="rId2">
+            <a:duotone>
+              <a:schemeClr val="accent1">
+                <a:shade val="45000"/>
+                <a:satMod val="135000"/>
+              </a:schemeClr>
+              <a:prstClr val="white"/>
+            </a:duotone>
+            <a:extLst>
+              <a:ext uri="{28A0092B-C50C-407E-A947-70E740481C1C}">
+                <a14:useLocalDpi xmlns:a14="http://schemas.microsoft.com/office/drawing/2010/main" val="0"/>
+              </a:ext>
+            </a:extLst>
+          </a:blip>
+          <a:srcRect t="23602" r="50000" b="25535"/>
+          <a:stretch/>
+        </p:blipFill>
+        <p:spPr>
+          <a:xfrm>
+            <a:off x="4262734" y="1564105"/>
+            <a:ext cx="3666532" cy="3729790"/>
+          </a:xfrm>
+          <a:prstGeom prst="rect">
+            <a:avLst/>
+          </a:prstGeom>
+        </p:spPr>
+      </p:pic>
+    </p:spTree>
+    <p:extLst>
+      <p:ext uri="{BB962C8B-B14F-4D97-AF65-F5344CB8AC3E}">
+        <p14:creationId xmlns:p14="http://schemas.microsoft.com/office/powerpoint/2010/main" val="3595935041"/>
+      </p:ext>
+    </p:extLst>
+  </p:cSld>
+  <p:clrMapOvr>
+    <a:masterClrMapping/>
+  </p:clrMapOvr>
+</p:sld>
+</file>
+
+<file path=ppt/slides/slide17.xml><?xml version="1.0" encoding="utf-8"?>
+<p:sld xmlns:a="http://schemas.openxmlformats.org/drawingml/2006/main" xmlns:r="http://schemas.openxmlformats.org/officeDocument/2006/relationships" xmlns:p="http://schemas.openxmlformats.org/presentationml/2006/main">
+  <p:cSld>
+    <p:spTree>
+      <p:nvGrpSpPr>
+        <p:cNvPr id="1" name=""/>
+        <p:cNvGrpSpPr/>
+        <p:nvPr/>
+      </p:nvGrpSpPr>
+      <p:grpSpPr>
+        <a:xfrm>
+          <a:off x="0" y="0"/>
+          <a:ext cx="0" cy="0"/>
+          <a:chOff x="0" y="0"/>
+          <a:chExt cx="0" cy="0"/>
+        </a:xfrm>
+      </p:grpSpPr>
+      <p:sp>
+        <p:nvSpPr>
+          <p:cNvPr id="2" name="矩形 1">
+            <a:extLst>
+              <a:ext uri="{FF2B5EF4-FFF2-40B4-BE49-F238E27FC236}">
+                <a16:creationId xmlns:a16="http://schemas.microsoft.com/office/drawing/2014/main" id="{88895B90-59DE-5D12-9A21-D6FA8289014A}"/>
+              </a:ext>
+            </a:extLst>
+          </p:cNvPr>
+          <p:cNvSpPr/>
+          <p:nvPr/>
+        </p:nvSpPr>
+        <p:spPr>
+          <a:xfrm>
+            <a:off x="2745362" y="799138"/>
+            <a:ext cx="6701275" cy="5259724"/>
+          </a:xfrm>
+          <a:prstGeom prst="rect">
+            <a:avLst/>
+          </a:prstGeom>
+          <a:solidFill>
+            <a:schemeClr val="bg1"/>
+          </a:solidFill>
+          <a:ln>
+            <a:noFill/>
+          </a:ln>
+        </p:spPr>
+        <p:style>
+          <a:lnRef idx="2">
+            <a:schemeClr val="accent1">
+              <a:shade val="15000"/>
+            </a:schemeClr>
+          </a:lnRef>
+          <a:fillRef idx="1">
+            <a:schemeClr val="accent1"/>
+          </a:fillRef>
+          <a:effectRef idx="0">
+            <a:schemeClr val="accent1"/>
+          </a:effectRef>
+          <a:fontRef idx="minor">
+            <a:schemeClr val="lt1"/>
+          </a:fontRef>
+        </p:style>
+        <p:txBody>
+          <a:bodyPr rtlCol="0" anchor="ctr"/>
+          <a:lstStyle/>
+          <a:p>
+            <a:pPr algn="ctr"/>
+            <a:endParaRPr lang="zh-TW" altLang="en-US"/>
+          </a:p>
+        </p:txBody>
+      </p:sp>
+      <p:pic>
+        <p:nvPicPr>
+          <p:cNvPr id="4" name="圖片 3" descr="一張含有 螢幕擷取畫面, 圖形, 標誌, 字型 的圖片&#10;&#10;自動產生的描述">
+            <a:extLst>
+              <a:ext uri="{FF2B5EF4-FFF2-40B4-BE49-F238E27FC236}">
+                <a16:creationId xmlns:a16="http://schemas.microsoft.com/office/drawing/2014/main" id="{9F80CBD5-7680-5121-B362-D6A16C7C6699}"/>
+              </a:ext>
+            </a:extLst>
+          </p:cNvPr>
+          <p:cNvPicPr>
+            <a:picLocks noChangeAspect="1"/>
+          </p:cNvPicPr>
+          <p:nvPr/>
+        </p:nvPicPr>
+        <p:blipFill>
+          <a:blip r:embed="rId2">
+            <a:extLst>
+              <a:ext uri="{28A0092B-C50C-407E-A947-70E740481C1C}">
+                <a14:useLocalDpi xmlns:a14="http://schemas.microsoft.com/office/drawing/2010/main" val="0"/>
+              </a:ext>
+            </a:extLst>
+          </a:blip>
+          <a:stretch>
+            <a:fillRect/>
+          </a:stretch>
+        </p:blipFill>
+        <p:spPr>
+          <a:xfrm>
+            <a:off x="2745362" y="1367241"/>
+            <a:ext cx="6701276" cy="4123518"/>
+          </a:xfrm>
+          <a:prstGeom prst="rect">
+            <a:avLst/>
+          </a:prstGeom>
+        </p:spPr>
+      </p:pic>
+    </p:spTree>
+    <p:extLst>
+      <p:ext uri="{BB962C8B-B14F-4D97-AF65-F5344CB8AC3E}">
+        <p14:creationId xmlns:p14="http://schemas.microsoft.com/office/powerpoint/2010/main" val="750861662"/>
+      </p:ext>
+    </p:extLst>
+  </p:cSld>
+  <p:clrMapOvr>
+    <a:masterClrMapping/>
+  </p:clrMapOvr>
+</p:sld>
+</file>
+
+<file path=ppt/slides/slide18.xml><?xml version="1.0" encoding="utf-8"?>
+<p:sld xmlns:a="http://schemas.openxmlformats.org/drawingml/2006/main" xmlns:r="http://schemas.openxmlformats.org/officeDocument/2006/relationships" xmlns:p="http://schemas.openxmlformats.org/presentationml/2006/main">
+  <p:cSld>
+    <p:spTree>
+      <p:nvGrpSpPr>
+        <p:cNvPr id="1" name=""/>
+        <p:cNvGrpSpPr/>
+        <p:nvPr/>
+      </p:nvGrpSpPr>
+      <p:grpSpPr>
+        <a:xfrm>
+          <a:off x="0" y="0"/>
+          <a:ext cx="0" cy="0"/>
+          <a:chOff x="0" y="0"/>
+          <a:chExt cx="0" cy="0"/>
+        </a:xfrm>
+      </p:grpSpPr>
+      <p:pic>
+        <p:nvPicPr>
+          <p:cNvPr id="5" name="圖片 4" descr="一張含有 電子藍, 鈷藍, 手套, 卡通 的圖片&#10;&#10;自動產生的描述">
+            <a:extLst>
+              <a:ext uri="{FF2B5EF4-FFF2-40B4-BE49-F238E27FC236}">
+                <a16:creationId xmlns:a16="http://schemas.microsoft.com/office/drawing/2014/main" id="{1D7947B9-E0B0-56A9-56CC-A0A30A18EA1C}"/>
+              </a:ext>
+            </a:extLst>
+          </p:cNvPr>
+          <p:cNvPicPr>
+            <a:picLocks noChangeAspect="1"/>
+          </p:cNvPicPr>
+          <p:nvPr/>
+        </p:nvPicPr>
+        <p:blipFill>
+          <a:blip r:embed="rId2">
+            <a:extLst>
+              <a:ext uri="{28A0092B-C50C-407E-A947-70E740481C1C}">
+                <a14:useLocalDpi xmlns:a14="http://schemas.microsoft.com/office/drawing/2010/main" val="0"/>
+              </a:ext>
+            </a:extLst>
+          </a:blip>
+          <a:srcRect l="13530" r="13530"/>
+          <a:stretch>
+            <a:fillRect/>
+          </a:stretch>
+        </p:blipFill>
+        <p:spPr>
+          <a:xfrm>
+            <a:off x="1727201" y="0"/>
+            <a:ext cx="8737598" cy="6858000"/>
+          </a:xfrm>
+          <a:custGeom>
+            <a:avLst/>
+            <a:gdLst>
+              <a:gd name="connsiteX0" fmla="*/ 0 w 8737598"/>
+              <a:gd name="connsiteY0" fmla="*/ 0 h 6858000"/>
+              <a:gd name="connsiteX1" fmla="*/ 8737598 w 8737598"/>
+              <a:gd name="connsiteY1" fmla="*/ 0 h 6858000"/>
+              <a:gd name="connsiteX2" fmla="*/ 8737598 w 8737598"/>
+              <a:gd name="connsiteY2" fmla="*/ 6858000 h 6858000"/>
+              <a:gd name="connsiteX3" fmla="*/ 0 w 8737598"/>
+              <a:gd name="connsiteY3" fmla="*/ 6858000 h 6858000"/>
+            </a:gdLst>
+            <a:ahLst/>
+            <a:cxnLst>
+              <a:cxn ang="0">
+                <a:pos x="connsiteX0" y="connsiteY0"/>
+              </a:cxn>
+              <a:cxn ang="0">
+                <a:pos x="connsiteX1" y="connsiteY1"/>
+              </a:cxn>
+              <a:cxn ang="0">
+                <a:pos x="connsiteX2" y="connsiteY2"/>
+              </a:cxn>
+              <a:cxn ang="0">
+                <a:pos x="connsiteX3" y="connsiteY3"/>
+              </a:cxn>
+            </a:cxnLst>
+            <a:rect l="l" t="t" r="r" b="b"/>
+            <a:pathLst>
+              <a:path w="8737598" h="6858000">
+                <a:moveTo>
+                  <a:pt x="0" y="0"/>
+                </a:moveTo>
+                <a:lnTo>
+                  <a:pt x="8737598" y="0"/>
+                </a:lnTo>
+                <a:lnTo>
+                  <a:pt x="8737598" y="6858000"/>
+                </a:lnTo>
+                <a:lnTo>
+                  <a:pt x="0" y="6858000"/>
+                </a:lnTo>
+                <a:close/>
+              </a:path>
+            </a:pathLst>
+          </a:custGeom>
+        </p:spPr>
+      </p:pic>
+    </p:spTree>
+    <p:extLst>
+      <p:ext uri="{BB962C8B-B14F-4D97-AF65-F5344CB8AC3E}">
+        <p14:creationId xmlns:p14="http://schemas.microsoft.com/office/powerpoint/2010/main" val="2568213518"/>
+      </p:ext>
+    </p:extLst>
+  </p:cSld>
+  <p:clrMapOvr>
+    <a:masterClrMapping/>
+  </p:clrMapOvr>
+</p:sld>
+</file>
+
+<file path=ppt/slides/slide19.xml><?xml version="1.0" encoding="utf-8"?>
+<p:sld xmlns:a="http://schemas.openxmlformats.org/drawingml/2006/main" xmlns:r="http://schemas.openxmlformats.org/officeDocument/2006/relationships" xmlns:p="http://schemas.openxmlformats.org/presentationml/2006/main">
+  <p:cSld>
+    <p:spTree>
+      <p:nvGrpSpPr>
+        <p:cNvPr id="1" name=""/>
+        <p:cNvGrpSpPr/>
+        <p:nvPr/>
+      </p:nvGrpSpPr>
+      <p:grpSpPr>
+        <a:xfrm>
+          <a:off x="0" y="0"/>
+          <a:ext cx="0" cy="0"/>
+          <a:chOff x="0" y="0"/>
+          <a:chExt cx="0" cy="0"/>
+        </a:xfrm>
+      </p:grpSpPr>
+      <p:pic>
+        <p:nvPicPr>
+          <p:cNvPr id="6" name="圖片 5" descr="一張含有 螢幕擷取畫面, 電子藍, 藍色, 圖形 的圖片&#10;&#10;自動產生的描述">
+            <a:extLst>
+              <a:ext uri="{FF2B5EF4-FFF2-40B4-BE49-F238E27FC236}">
+                <a16:creationId xmlns:a16="http://schemas.microsoft.com/office/drawing/2014/main" id="{40C1DD9C-716C-DC05-6BC0-34C716883C1A}"/>
+              </a:ext>
+            </a:extLst>
+          </p:cNvPr>
+          <p:cNvPicPr>
+            <a:picLocks noChangeAspect="1"/>
+          </p:cNvPicPr>
+          <p:nvPr/>
+        </p:nvPicPr>
+        <p:blipFill>
+          <a:blip r:embed="rId2">
+            <a:extLst>
+              <a:ext uri="{28A0092B-C50C-407E-A947-70E740481C1C}">
+                <a14:useLocalDpi xmlns:a14="http://schemas.microsoft.com/office/drawing/2010/main" val="0"/>
+              </a:ext>
+            </a:extLst>
+          </a:blip>
+          <a:srcRect l="6151" r="6151"/>
+          <a:stretch>
+            <a:fillRect/>
+          </a:stretch>
+        </p:blipFill>
+        <p:spPr>
+          <a:xfrm>
+            <a:off x="1727201" y="0"/>
+            <a:ext cx="8737598" cy="6858000"/>
+          </a:xfrm>
+          <a:custGeom>
+            <a:avLst/>
+            <a:gdLst>
+              <a:gd name="connsiteX0" fmla="*/ 0 w 8737598"/>
+              <a:gd name="connsiteY0" fmla="*/ 0 h 6858000"/>
+              <a:gd name="connsiteX1" fmla="*/ 8737598 w 8737598"/>
+              <a:gd name="connsiteY1" fmla="*/ 0 h 6858000"/>
+              <a:gd name="connsiteX2" fmla="*/ 8737598 w 8737598"/>
+              <a:gd name="connsiteY2" fmla="*/ 6858000 h 6858000"/>
+              <a:gd name="connsiteX3" fmla="*/ 0 w 8737598"/>
+              <a:gd name="connsiteY3" fmla="*/ 6858000 h 6858000"/>
+            </a:gdLst>
+            <a:ahLst/>
+            <a:cxnLst>
+              <a:cxn ang="0">
+                <a:pos x="connsiteX0" y="connsiteY0"/>
+              </a:cxn>
+              <a:cxn ang="0">
+                <a:pos x="connsiteX1" y="connsiteY1"/>
+              </a:cxn>
+              <a:cxn ang="0">
+                <a:pos x="connsiteX2" y="connsiteY2"/>
+              </a:cxn>
+              <a:cxn ang="0">
+                <a:pos x="connsiteX3" y="connsiteY3"/>
+              </a:cxn>
+            </a:cxnLst>
+            <a:rect l="l" t="t" r="r" b="b"/>
+            <a:pathLst>
+              <a:path w="8737598" h="6858000">
+                <a:moveTo>
+                  <a:pt x="0" y="0"/>
+                </a:moveTo>
+                <a:lnTo>
+                  <a:pt x="8737598" y="0"/>
+                </a:lnTo>
+                <a:lnTo>
+                  <a:pt x="8737598" y="6858000"/>
+                </a:lnTo>
+                <a:lnTo>
+                  <a:pt x="0" y="6858000"/>
+                </a:lnTo>
+                <a:close/>
+              </a:path>
+            </a:pathLst>
+          </a:custGeom>
+        </p:spPr>
+      </p:pic>
+    </p:spTree>
+    <p:extLst>
+      <p:ext uri="{BB962C8B-B14F-4D97-AF65-F5344CB8AC3E}">
+        <p14:creationId xmlns:p14="http://schemas.microsoft.com/office/powerpoint/2010/main" val="4142007207"/>
+      </p:ext>
+    </p:extLst>
+  </p:cSld>
+  <p:clrMapOvr>
+    <a:masterClrMapping/>
+  </p:clrMapOvr>
+</p:sld>
+</file>
+
 <file path=ppt/slides/slide2.xml><?xml version="1.0" encoding="utf-8"?>
 <p:sld xmlns:a="http://schemas.openxmlformats.org/drawingml/2006/main" xmlns:r="http://schemas.openxmlformats.org/officeDocument/2006/relationships" xmlns:p="http://schemas.openxmlformats.org/presentationml/2006/main">
   <p:cSld>
@@ -5579,6 +8158,3016 @@
     <p:extLst>
       <p:ext uri="{BB962C8B-B14F-4D97-AF65-F5344CB8AC3E}">
         <p14:creationId xmlns:p14="http://schemas.microsoft.com/office/powerpoint/2010/main" val="1462237693"/>
+      </p:ext>
+    </p:extLst>
+  </p:cSld>
+  <p:clrMapOvr>
+    <a:masterClrMapping/>
+  </p:clrMapOvr>
+</p:sld>
+</file>
+
+<file path=ppt/slides/slide20.xml><?xml version="1.0" encoding="utf-8"?>
+<p:sld xmlns:a="http://schemas.openxmlformats.org/drawingml/2006/main" xmlns:r="http://schemas.openxmlformats.org/officeDocument/2006/relationships" xmlns:p="http://schemas.openxmlformats.org/presentationml/2006/main">
+  <p:cSld>
+    <p:spTree>
+      <p:nvGrpSpPr>
+        <p:cNvPr id="1" name=""/>
+        <p:cNvGrpSpPr/>
+        <p:nvPr/>
+      </p:nvGrpSpPr>
+      <p:grpSpPr>
+        <a:xfrm>
+          <a:off x="0" y="0"/>
+          <a:ext cx="0" cy="0"/>
+          <a:chOff x="0" y="0"/>
+          <a:chExt cx="0" cy="0"/>
+        </a:xfrm>
+      </p:grpSpPr>
+      <p:pic>
+        <p:nvPicPr>
+          <p:cNvPr id="5" name="圖片 4" descr="一張含有 時鐘, 圓形, 黃金 的圖片&#10;&#10;自動產生的描述">
+            <a:extLst>
+              <a:ext uri="{FF2B5EF4-FFF2-40B4-BE49-F238E27FC236}">
+                <a16:creationId xmlns:a16="http://schemas.microsoft.com/office/drawing/2014/main" id="{A95DDDA1-4DA5-9D88-B531-56E494552A0B}"/>
+              </a:ext>
+            </a:extLst>
+          </p:cNvPr>
+          <p:cNvPicPr>
+            <a:picLocks noChangeAspect="1"/>
+          </p:cNvPicPr>
+          <p:nvPr/>
+        </p:nvPicPr>
+        <p:blipFill>
+          <a:blip r:embed="rId2">
+            <a:extLst>
+              <a:ext uri="{28A0092B-C50C-407E-A947-70E740481C1C}">
+                <a14:useLocalDpi xmlns:a14="http://schemas.microsoft.com/office/drawing/2010/main" val="0"/>
+              </a:ext>
+            </a:extLst>
+          </a:blip>
+          <a:srcRect l="7319" r="7319"/>
+          <a:stretch>
+            <a:fillRect/>
+          </a:stretch>
+        </p:blipFill>
+        <p:spPr>
+          <a:xfrm>
+            <a:off x="1727201" y="0"/>
+            <a:ext cx="8737598" cy="6858000"/>
+          </a:xfrm>
+          <a:custGeom>
+            <a:avLst/>
+            <a:gdLst>
+              <a:gd name="connsiteX0" fmla="*/ 0 w 8737598"/>
+              <a:gd name="connsiteY0" fmla="*/ 0 h 6858000"/>
+              <a:gd name="connsiteX1" fmla="*/ 8737598 w 8737598"/>
+              <a:gd name="connsiteY1" fmla="*/ 0 h 6858000"/>
+              <a:gd name="connsiteX2" fmla="*/ 8737598 w 8737598"/>
+              <a:gd name="connsiteY2" fmla="*/ 6858000 h 6858000"/>
+              <a:gd name="connsiteX3" fmla="*/ 0 w 8737598"/>
+              <a:gd name="connsiteY3" fmla="*/ 6858000 h 6858000"/>
+            </a:gdLst>
+            <a:ahLst/>
+            <a:cxnLst>
+              <a:cxn ang="0">
+                <a:pos x="connsiteX0" y="connsiteY0"/>
+              </a:cxn>
+              <a:cxn ang="0">
+                <a:pos x="connsiteX1" y="connsiteY1"/>
+              </a:cxn>
+              <a:cxn ang="0">
+                <a:pos x="connsiteX2" y="connsiteY2"/>
+              </a:cxn>
+              <a:cxn ang="0">
+                <a:pos x="connsiteX3" y="connsiteY3"/>
+              </a:cxn>
+            </a:cxnLst>
+            <a:rect l="l" t="t" r="r" b="b"/>
+            <a:pathLst>
+              <a:path w="8737598" h="6858000">
+                <a:moveTo>
+                  <a:pt x="0" y="0"/>
+                </a:moveTo>
+                <a:lnTo>
+                  <a:pt x="8737598" y="0"/>
+                </a:lnTo>
+                <a:lnTo>
+                  <a:pt x="8737598" y="6858000"/>
+                </a:lnTo>
+                <a:lnTo>
+                  <a:pt x="0" y="6858000"/>
+                </a:lnTo>
+                <a:close/>
+              </a:path>
+            </a:pathLst>
+          </a:custGeom>
+        </p:spPr>
+      </p:pic>
+    </p:spTree>
+    <p:extLst>
+      <p:ext uri="{BB962C8B-B14F-4D97-AF65-F5344CB8AC3E}">
+        <p14:creationId xmlns:p14="http://schemas.microsoft.com/office/powerpoint/2010/main" val="2928580144"/>
+      </p:ext>
+    </p:extLst>
+  </p:cSld>
+  <p:clrMapOvr>
+    <a:masterClrMapping/>
+  </p:clrMapOvr>
+</p:sld>
+</file>
+
+<file path=ppt/slides/slide21.xml><?xml version="1.0" encoding="utf-8"?>
+<p:sld xmlns:a="http://schemas.openxmlformats.org/drawingml/2006/main" xmlns:r="http://schemas.openxmlformats.org/officeDocument/2006/relationships" xmlns:p="http://schemas.openxmlformats.org/presentationml/2006/main">
+  <p:cSld>
+    <p:spTree>
+      <p:nvGrpSpPr>
+        <p:cNvPr id="1" name=""/>
+        <p:cNvGrpSpPr/>
+        <p:nvPr/>
+      </p:nvGrpSpPr>
+      <p:grpSpPr>
+        <a:xfrm>
+          <a:off x="0" y="0"/>
+          <a:ext cx="0" cy="0"/>
+          <a:chOff x="0" y="0"/>
+          <a:chExt cx="0" cy="0"/>
+        </a:xfrm>
+      </p:grpSpPr>
+      <p:pic>
+        <p:nvPicPr>
+          <p:cNvPr id="3" name="圖片 2">
+            <a:extLst>
+              <a:ext uri="{FF2B5EF4-FFF2-40B4-BE49-F238E27FC236}">
+                <a16:creationId xmlns:a16="http://schemas.microsoft.com/office/drawing/2014/main" id="{C03B8EA3-A4AA-8A46-F7A7-28D7DA81A2F6}"/>
+              </a:ext>
+            </a:extLst>
+          </p:cNvPr>
+          <p:cNvPicPr>
+            <a:picLocks noChangeAspect="1"/>
+          </p:cNvPicPr>
+          <p:nvPr/>
+        </p:nvPicPr>
+        <p:blipFill>
+          <a:blip r:embed="rId2">
+            <a:extLst>
+              <a:ext uri="{28A0092B-C50C-407E-A947-70E740481C1C}">
+                <a14:useLocalDpi xmlns:a14="http://schemas.microsoft.com/office/drawing/2010/main" val="0"/>
+              </a:ext>
+            </a:extLst>
+          </a:blip>
+          <a:srcRect l="7510" r="7510"/>
+          <a:stretch>
+            <a:fillRect/>
+          </a:stretch>
+        </p:blipFill>
+        <p:spPr>
+          <a:xfrm>
+            <a:off x="1727201" y="0"/>
+            <a:ext cx="8737598" cy="6858000"/>
+          </a:xfrm>
+          <a:custGeom>
+            <a:avLst/>
+            <a:gdLst>
+              <a:gd name="connsiteX0" fmla="*/ 0 w 8737598"/>
+              <a:gd name="connsiteY0" fmla="*/ 0 h 6858000"/>
+              <a:gd name="connsiteX1" fmla="*/ 8737598 w 8737598"/>
+              <a:gd name="connsiteY1" fmla="*/ 0 h 6858000"/>
+              <a:gd name="connsiteX2" fmla="*/ 8737598 w 8737598"/>
+              <a:gd name="connsiteY2" fmla="*/ 6858000 h 6858000"/>
+              <a:gd name="connsiteX3" fmla="*/ 0 w 8737598"/>
+              <a:gd name="connsiteY3" fmla="*/ 6858000 h 6858000"/>
+            </a:gdLst>
+            <a:ahLst/>
+            <a:cxnLst>
+              <a:cxn ang="0">
+                <a:pos x="connsiteX0" y="connsiteY0"/>
+              </a:cxn>
+              <a:cxn ang="0">
+                <a:pos x="connsiteX1" y="connsiteY1"/>
+              </a:cxn>
+              <a:cxn ang="0">
+                <a:pos x="connsiteX2" y="connsiteY2"/>
+              </a:cxn>
+              <a:cxn ang="0">
+                <a:pos x="connsiteX3" y="connsiteY3"/>
+              </a:cxn>
+            </a:cxnLst>
+            <a:rect l="l" t="t" r="r" b="b"/>
+            <a:pathLst>
+              <a:path w="8737598" h="6858000">
+                <a:moveTo>
+                  <a:pt x="0" y="0"/>
+                </a:moveTo>
+                <a:lnTo>
+                  <a:pt x="8737598" y="0"/>
+                </a:lnTo>
+                <a:lnTo>
+                  <a:pt x="8737598" y="6858000"/>
+                </a:lnTo>
+                <a:lnTo>
+                  <a:pt x="0" y="6858000"/>
+                </a:lnTo>
+                <a:close/>
+              </a:path>
+            </a:pathLst>
+          </a:custGeom>
+        </p:spPr>
+      </p:pic>
+    </p:spTree>
+    <p:extLst>
+      <p:ext uri="{BB962C8B-B14F-4D97-AF65-F5344CB8AC3E}">
+        <p14:creationId xmlns:p14="http://schemas.microsoft.com/office/powerpoint/2010/main" val="2589798177"/>
+      </p:ext>
+    </p:extLst>
+  </p:cSld>
+  <p:clrMapOvr>
+    <a:masterClrMapping/>
+  </p:clrMapOvr>
+</p:sld>
+</file>
+
+<file path=ppt/slides/slide22.xml><?xml version="1.0" encoding="utf-8"?>
+<p:sld xmlns:a="http://schemas.openxmlformats.org/drawingml/2006/main" xmlns:r="http://schemas.openxmlformats.org/officeDocument/2006/relationships" xmlns:p="http://schemas.openxmlformats.org/presentationml/2006/main">
+  <p:cSld>
+    <p:spTree>
+      <p:nvGrpSpPr>
+        <p:cNvPr id="1" name=""/>
+        <p:cNvGrpSpPr/>
+        <p:nvPr/>
+      </p:nvGrpSpPr>
+      <p:grpSpPr>
+        <a:xfrm>
+          <a:off x="0" y="0"/>
+          <a:ext cx="0" cy="0"/>
+          <a:chOff x="0" y="0"/>
+          <a:chExt cx="0" cy="0"/>
+        </a:xfrm>
+      </p:grpSpPr>
+      <p:pic>
+        <p:nvPicPr>
+          <p:cNvPr id="8" name="圖片 7" descr="一張含有 space, 行星, 螢幕擷取畫面, 太空 的圖片&#10;&#10;自動產生的描述">
+            <a:extLst>
+              <a:ext uri="{FF2B5EF4-FFF2-40B4-BE49-F238E27FC236}">
+                <a16:creationId xmlns:a16="http://schemas.microsoft.com/office/drawing/2014/main" id="{011BFD27-E9DF-7D2A-5EA9-11363026623D}"/>
+              </a:ext>
+            </a:extLst>
+          </p:cNvPr>
+          <p:cNvPicPr>
+            <a:picLocks noChangeAspect="1"/>
+          </p:cNvPicPr>
+          <p:nvPr/>
+        </p:nvPicPr>
+        <p:blipFill>
+          <a:blip r:embed="rId2">
+            <a:extLst>
+              <a:ext uri="{28A0092B-C50C-407E-A947-70E740481C1C}">
+                <a14:useLocalDpi xmlns:a14="http://schemas.microsoft.com/office/drawing/2010/main" val="0"/>
+              </a:ext>
+            </a:extLst>
+          </a:blip>
+          <a:srcRect l="14167" r="14167"/>
+          <a:stretch>
+            <a:fillRect/>
+          </a:stretch>
+        </p:blipFill>
+        <p:spPr>
+          <a:xfrm>
+            <a:off x="1727201" y="0"/>
+            <a:ext cx="8737598" cy="6858000"/>
+          </a:xfrm>
+          <a:custGeom>
+            <a:avLst/>
+            <a:gdLst>
+              <a:gd name="connsiteX0" fmla="*/ 0 w 8737598"/>
+              <a:gd name="connsiteY0" fmla="*/ 0 h 6858000"/>
+              <a:gd name="connsiteX1" fmla="*/ 8737598 w 8737598"/>
+              <a:gd name="connsiteY1" fmla="*/ 0 h 6858000"/>
+              <a:gd name="connsiteX2" fmla="*/ 8737598 w 8737598"/>
+              <a:gd name="connsiteY2" fmla="*/ 6858000 h 6858000"/>
+              <a:gd name="connsiteX3" fmla="*/ 0 w 8737598"/>
+              <a:gd name="connsiteY3" fmla="*/ 6858000 h 6858000"/>
+            </a:gdLst>
+            <a:ahLst/>
+            <a:cxnLst>
+              <a:cxn ang="0">
+                <a:pos x="connsiteX0" y="connsiteY0"/>
+              </a:cxn>
+              <a:cxn ang="0">
+                <a:pos x="connsiteX1" y="connsiteY1"/>
+              </a:cxn>
+              <a:cxn ang="0">
+                <a:pos x="connsiteX2" y="connsiteY2"/>
+              </a:cxn>
+              <a:cxn ang="0">
+                <a:pos x="connsiteX3" y="connsiteY3"/>
+              </a:cxn>
+            </a:cxnLst>
+            <a:rect l="l" t="t" r="r" b="b"/>
+            <a:pathLst>
+              <a:path w="8737598" h="6858000">
+                <a:moveTo>
+                  <a:pt x="0" y="0"/>
+                </a:moveTo>
+                <a:lnTo>
+                  <a:pt x="8737598" y="0"/>
+                </a:lnTo>
+                <a:lnTo>
+                  <a:pt x="8737598" y="6858000"/>
+                </a:lnTo>
+                <a:lnTo>
+                  <a:pt x="0" y="6858000"/>
+                </a:lnTo>
+                <a:close/>
+              </a:path>
+            </a:pathLst>
+          </a:custGeom>
+        </p:spPr>
+      </p:pic>
+    </p:spTree>
+    <p:extLst>
+      <p:ext uri="{BB962C8B-B14F-4D97-AF65-F5344CB8AC3E}">
+        <p14:creationId xmlns:p14="http://schemas.microsoft.com/office/powerpoint/2010/main" val="3845018512"/>
+      </p:ext>
+    </p:extLst>
+  </p:cSld>
+  <p:clrMapOvr>
+    <a:masterClrMapping/>
+  </p:clrMapOvr>
+</p:sld>
+</file>
+
+<file path=ppt/slides/slide23.xml><?xml version="1.0" encoding="utf-8"?>
+<p:sld xmlns:a="http://schemas.openxmlformats.org/drawingml/2006/main" xmlns:r="http://schemas.openxmlformats.org/officeDocument/2006/relationships" xmlns:p="http://schemas.openxmlformats.org/presentationml/2006/main">
+  <p:cSld>
+    <p:spTree>
+      <p:nvGrpSpPr>
+        <p:cNvPr id="1" name=""/>
+        <p:cNvGrpSpPr/>
+        <p:nvPr/>
+      </p:nvGrpSpPr>
+      <p:grpSpPr>
+        <a:xfrm>
+          <a:off x="0" y="0"/>
+          <a:ext cx="0" cy="0"/>
+          <a:chOff x="0" y="0"/>
+          <a:chExt cx="0" cy="0"/>
+        </a:xfrm>
+      </p:grpSpPr>
+      <p:pic>
+        <p:nvPicPr>
+          <p:cNvPr id="5" name="圖片 4" descr="一張含有 螢幕擷取畫面, 圓形, 圖形, 電子藍 的圖片&#10;&#10;自動產生的描述">
+            <a:extLst>
+              <a:ext uri="{FF2B5EF4-FFF2-40B4-BE49-F238E27FC236}">
+                <a16:creationId xmlns:a16="http://schemas.microsoft.com/office/drawing/2014/main" id="{72952EAB-8967-03E4-DB4F-35E9B1BFB43B}"/>
+              </a:ext>
+            </a:extLst>
+          </p:cNvPr>
+          <p:cNvPicPr>
+            <a:picLocks noChangeAspect="1"/>
+          </p:cNvPicPr>
+          <p:nvPr/>
+        </p:nvPicPr>
+        <p:blipFill>
+          <a:blip r:embed="rId2">
+            <a:extLst>
+              <a:ext uri="{28A0092B-C50C-407E-A947-70E740481C1C}">
+                <a14:useLocalDpi xmlns:a14="http://schemas.microsoft.com/office/drawing/2010/main" val="0"/>
+              </a:ext>
+            </a:extLst>
+          </a:blip>
+          <a:srcRect l="4388" r="4388"/>
+          <a:stretch>
+            <a:fillRect/>
+          </a:stretch>
+        </p:blipFill>
+        <p:spPr>
+          <a:xfrm>
+            <a:off x="1727201" y="0"/>
+            <a:ext cx="8737598" cy="6858000"/>
+          </a:xfrm>
+          <a:custGeom>
+            <a:avLst/>
+            <a:gdLst>
+              <a:gd name="connsiteX0" fmla="*/ 0 w 8737598"/>
+              <a:gd name="connsiteY0" fmla="*/ 0 h 6858000"/>
+              <a:gd name="connsiteX1" fmla="*/ 8737598 w 8737598"/>
+              <a:gd name="connsiteY1" fmla="*/ 0 h 6858000"/>
+              <a:gd name="connsiteX2" fmla="*/ 8737598 w 8737598"/>
+              <a:gd name="connsiteY2" fmla="*/ 6858000 h 6858000"/>
+              <a:gd name="connsiteX3" fmla="*/ 0 w 8737598"/>
+              <a:gd name="connsiteY3" fmla="*/ 6858000 h 6858000"/>
+            </a:gdLst>
+            <a:ahLst/>
+            <a:cxnLst>
+              <a:cxn ang="0">
+                <a:pos x="connsiteX0" y="connsiteY0"/>
+              </a:cxn>
+              <a:cxn ang="0">
+                <a:pos x="connsiteX1" y="connsiteY1"/>
+              </a:cxn>
+              <a:cxn ang="0">
+                <a:pos x="connsiteX2" y="connsiteY2"/>
+              </a:cxn>
+              <a:cxn ang="0">
+                <a:pos x="connsiteX3" y="connsiteY3"/>
+              </a:cxn>
+            </a:cxnLst>
+            <a:rect l="l" t="t" r="r" b="b"/>
+            <a:pathLst>
+              <a:path w="8737598" h="6858000">
+                <a:moveTo>
+                  <a:pt x="0" y="0"/>
+                </a:moveTo>
+                <a:lnTo>
+                  <a:pt x="8737598" y="0"/>
+                </a:lnTo>
+                <a:lnTo>
+                  <a:pt x="8737598" y="6858000"/>
+                </a:lnTo>
+                <a:lnTo>
+                  <a:pt x="0" y="6858000"/>
+                </a:lnTo>
+                <a:close/>
+              </a:path>
+            </a:pathLst>
+          </a:custGeom>
+        </p:spPr>
+      </p:pic>
+    </p:spTree>
+    <p:extLst>
+      <p:ext uri="{BB962C8B-B14F-4D97-AF65-F5344CB8AC3E}">
+        <p14:creationId xmlns:p14="http://schemas.microsoft.com/office/powerpoint/2010/main" val="3450203057"/>
+      </p:ext>
+    </p:extLst>
+  </p:cSld>
+  <p:clrMapOvr>
+    <a:masterClrMapping/>
+  </p:clrMapOvr>
+</p:sld>
+</file>
+
+<file path=ppt/slides/slide24.xml><?xml version="1.0" encoding="utf-8"?>
+<p:sld xmlns:a="http://schemas.openxmlformats.org/drawingml/2006/main" xmlns:r="http://schemas.openxmlformats.org/officeDocument/2006/relationships" xmlns:p="http://schemas.openxmlformats.org/presentationml/2006/main">
+  <p:cSld>
+    <p:spTree>
+      <p:nvGrpSpPr>
+        <p:cNvPr id="1" name=""/>
+        <p:cNvGrpSpPr/>
+        <p:nvPr/>
+      </p:nvGrpSpPr>
+      <p:grpSpPr>
+        <a:xfrm>
+          <a:off x="0" y="0"/>
+          <a:ext cx="0" cy="0"/>
+          <a:chOff x="0" y="0"/>
+          <a:chExt cx="0" cy="0"/>
+        </a:xfrm>
+      </p:grpSpPr>
+      <p:pic>
+        <p:nvPicPr>
+          <p:cNvPr id="5" name="圖片 4" descr="一張含有 男人, 服裝, 人員, 人的臉孔 的圖片&#10;&#10;自動產生的描述">
+            <a:extLst>
+              <a:ext uri="{FF2B5EF4-FFF2-40B4-BE49-F238E27FC236}">
+                <a16:creationId xmlns:a16="http://schemas.microsoft.com/office/drawing/2014/main" id="{2A99B627-F3E8-AB23-7F84-CBCB7DCA86F2}"/>
+              </a:ext>
+            </a:extLst>
+          </p:cNvPr>
+          <p:cNvPicPr>
+            <a:picLocks noChangeAspect="1"/>
+          </p:cNvPicPr>
+          <p:nvPr/>
+        </p:nvPicPr>
+        <p:blipFill>
+          <a:blip r:embed="rId2">
+            <a:extLst>
+              <a:ext uri="{28A0092B-C50C-407E-A947-70E740481C1C}">
+                <a14:useLocalDpi xmlns:a14="http://schemas.microsoft.com/office/drawing/2010/main" val="0"/>
+              </a:ext>
+            </a:extLst>
+          </a:blip>
+          <a:srcRect l="13640" r="13640"/>
+          <a:stretch>
+            <a:fillRect/>
+          </a:stretch>
+        </p:blipFill>
+        <p:spPr>
+          <a:xfrm>
+            <a:off x="1727201" y="0"/>
+            <a:ext cx="8737598" cy="6858000"/>
+          </a:xfrm>
+          <a:custGeom>
+            <a:avLst/>
+            <a:gdLst>
+              <a:gd name="connsiteX0" fmla="*/ 0 w 8737598"/>
+              <a:gd name="connsiteY0" fmla="*/ 0 h 6858000"/>
+              <a:gd name="connsiteX1" fmla="*/ 8737598 w 8737598"/>
+              <a:gd name="connsiteY1" fmla="*/ 0 h 6858000"/>
+              <a:gd name="connsiteX2" fmla="*/ 8737598 w 8737598"/>
+              <a:gd name="connsiteY2" fmla="*/ 6858000 h 6858000"/>
+              <a:gd name="connsiteX3" fmla="*/ 0 w 8737598"/>
+              <a:gd name="connsiteY3" fmla="*/ 6858000 h 6858000"/>
+            </a:gdLst>
+            <a:ahLst/>
+            <a:cxnLst>
+              <a:cxn ang="0">
+                <a:pos x="connsiteX0" y="connsiteY0"/>
+              </a:cxn>
+              <a:cxn ang="0">
+                <a:pos x="connsiteX1" y="connsiteY1"/>
+              </a:cxn>
+              <a:cxn ang="0">
+                <a:pos x="connsiteX2" y="connsiteY2"/>
+              </a:cxn>
+              <a:cxn ang="0">
+                <a:pos x="connsiteX3" y="connsiteY3"/>
+              </a:cxn>
+            </a:cxnLst>
+            <a:rect l="l" t="t" r="r" b="b"/>
+            <a:pathLst>
+              <a:path w="8737598" h="6858000">
+                <a:moveTo>
+                  <a:pt x="0" y="0"/>
+                </a:moveTo>
+                <a:lnTo>
+                  <a:pt x="8737598" y="0"/>
+                </a:lnTo>
+                <a:lnTo>
+                  <a:pt x="8737598" y="6858000"/>
+                </a:lnTo>
+                <a:lnTo>
+                  <a:pt x="0" y="6858000"/>
+                </a:lnTo>
+                <a:close/>
+              </a:path>
+            </a:pathLst>
+          </a:custGeom>
+        </p:spPr>
+      </p:pic>
+    </p:spTree>
+    <p:extLst>
+      <p:ext uri="{BB962C8B-B14F-4D97-AF65-F5344CB8AC3E}">
+        <p14:creationId xmlns:p14="http://schemas.microsoft.com/office/powerpoint/2010/main" val="3782820086"/>
+      </p:ext>
+    </p:extLst>
+  </p:cSld>
+  <p:clrMapOvr>
+    <a:masterClrMapping/>
+  </p:clrMapOvr>
+</p:sld>
+</file>
+
+<file path=ppt/slides/slide25.xml><?xml version="1.0" encoding="utf-8"?>
+<p:sld xmlns:a="http://schemas.openxmlformats.org/drawingml/2006/main" xmlns:r="http://schemas.openxmlformats.org/officeDocument/2006/relationships" xmlns:p="http://schemas.openxmlformats.org/presentationml/2006/main">
+  <p:cSld>
+    <p:spTree>
+      <p:nvGrpSpPr>
+        <p:cNvPr id="1" name=""/>
+        <p:cNvGrpSpPr/>
+        <p:nvPr/>
+      </p:nvGrpSpPr>
+      <p:grpSpPr>
+        <a:xfrm>
+          <a:off x="0" y="0"/>
+          <a:ext cx="0" cy="0"/>
+          <a:chOff x="0" y="0"/>
+          <a:chExt cx="0" cy="0"/>
+        </a:xfrm>
+      </p:grpSpPr>
+      <p:sp>
+        <p:nvSpPr>
+          <p:cNvPr id="2" name="矩形 1">
+            <a:extLst>
+              <a:ext uri="{FF2B5EF4-FFF2-40B4-BE49-F238E27FC236}">
+                <a16:creationId xmlns:a16="http://schemas.microsoft.com/office/drawing/2014/main" id="{88895B90-59DE-5D12-9A21-D6FA8289014A}"/>
+              </a:ext>
+            </a:extLst>
+          </p:cNvPr>
+          <p:cNvSpPr/>
+          <p:nvPr/>
+        </p:nvSpPr>
+        <p:spPr>
+          <a:xfrm>
+            <a:off x="1727201" y="0"/>
+            <a:ext cx="8737598" cy="6858000"/>
+          </a:xfrm>
+          <a:prstGeom prst="rect">
+            <a:avLst/>
+          </a:prstGeom>
+          <a:solidFill>
+            <a:schemeClr val="bg1"/>
+          </a:solidFill>
+          <a:ln>
+            <a:noFill/>
+          </a:ln>
+        </p:spPr>
+        <p:style>
+          <a:lnRef idx="2">
+            <a:schemeClr val="accent1">
+              <a:shade val="15000"/>
+            </a:schemeClr>
+          </a:lnRef>
+          <a:fillRef idx="1">
+            <a:schemeClr val="accent1"/>
+          </a:fillRef>
+          <a:effectRef idx="0">
+            <a:schemeClr val="accent1"/>
+          </a:effectRef>
+          <a:fontRef idx="minor">
+            <a:schemeClr val="lt1"/>
+          </a:fontRef>
+        </p:style>
+        <p:txBody>
+          <a:bodyPr rtlCol="0" anchor="ctr"/>
+          <a:lstStyle/>
+          <a:p>
+            <a:pPr algn="ctr"/>
+            <a:endParaRPr lang="zh-TW" altLang="en-US"/>
+          </a:p>
+        </p:txBody>
+      </p:sp>
+      <p:pic>
+        <p:nvPicPr>
+          <p:cNvPr id="4" name="圖片 3" descr="一張含有 圖表, 文字, 字型, 行 的圖片&#10;&#10;自動產生的描述">
+            <a:extLst>
+              <a:ext uri="{FF2B5EF4-FFF2-40B4-BE49-F238E27FC236}">
+                <a16:creationId xmlns:a16="http://schemas.microsoft.com/office/drawing/2014/main" id="{A5888B89-E05B-673A-4286-CA0758D3CCEE}"/>
+              </a:ext>
+            </a:extLst>
+          </p:cNvPr>
+          <p:cNvPicPr>
+            <a:picLocks noChangeAspect="1"/>
+          </p:cNvPicPr>
+          <p:nvPr/>
+        </p:nvPicPr>
+        <p:blipFill>
+          <a:blip r:embed="rId2">
+            <a:extLst>
+              <a:ext uri="{28A0092B-C50C-407E-A947-70E740481C1C}">
+                <a14:useLocalDpi xmlns:a14="http://schemas.microsoft.com/office/drawing/2010/main" val="0"/>
+              </a:ext>
+            </a:extLst>
+          </a:blip>
+          <a:stretch>
+            <a:fillRect/>
+          </a:stretch>
+        </p:blipFill>
+        <p:spPr>
+          <a:xfrm>
+            <a:off x="1727201" y="1058254"/>
+            <a:ext cx="8737598" cy="4741492"/>
+          </a:xfrm>
+          <a:prstGeom prst="rect">
+            <a:avLst/>
+          </a:prstGeom>
+        </p:spPr>
+      </p:pic>
+    </p:spTree>
+    <p:extLst>
+      <p:ext uri="{BB962C8B-B14F-4D97-AF65-F5344CB8AC3E}">
+        <p14:creationId xmlns:p14="http://schemas.microsoft.com/office/powerpoint/2010/main" val="1447030480"/>
+      </p:ext>
+    </p:extLst>
+  </p:cSld>
+  <p:clrMapOvr>
+    <a:masterClrMapping/>
+  </p:clrMapOvr>
+</p:sld>
+</file>
+
+<file path=ppt/slides/slide26.xml><?xml version="1.0" encoding="utf-8"?>
+<p:sld xmlns:a="http://schemas.openxmlformats.org/drawingml/2006/main" xmlns:r="http://schemas.openxmlformats.org/officeDocument/2006/relationships" xmlns:p="http://schemas.openxmlformats.org/presentationml/2006/main">
+  <p:cSld>
+    <p:spTree>
+      <p:nvGrpSpPr>
+        <p:cNvPr id="1" name=""/>
+        <p:cNvGrpSpPr/>
+        <p:nvPr/>
+      </p:nvGrpSpPr>
+      <p:grpSpPr>
+        <a:xfrm>
+          <a:off x="0" y="0"/>
+          <a:ext cx="0" cy="0"/>
+          <a:chOff x="0" y="0"/>
+          <a:chExt cx="0" cy="0"/>
+        </a:xfrm>
+      </p:grpSpPr>
+      <p:sp>
+        <p:nvSpPr>
+          <p:cNvPr id="2" name="矩形 1">
+            <a:extLst>
+              <a:ext uri="{FF2B5EF4-FFF2-40B4-BE49-F238E27FC236}">
+                <a16:creationId xmlns:a16="http://schemas.microsoft.com/office/drawing/2014/main" id="{88895B90-59DE-5D12-9A21-D6FA8289014A}"/>
+              </a:ext>
+            </a:extLst>
+          </p:cNvPr>
+          <p:cNvSpPr/>
+          <p:nvPr/>
+        </p:nvSpPr>
+        <p:spPr>
+          <a:xfrm>
+            <a:off x="1727201" y="0"/>
+            <a:ext cx="8737598" cy="6858000"/>
+          </a:xfrm>
+          <a:prstGeom prst="rect">
+            <a:avLst/>
+          </a:prstGeom>
+          <a:solidFill>
+            <a:schemeClr val="bg1"/>
+          </a:solidFill>
+          <a:ln>
+            <a:noFill/>
+          </a:ln>
+        </p:spPr>
+        <p:style>
+          <a:lnRef idx="2">
+            <a:schemeClr val="accent1">
+              <a:shade val="15000"/>
+            </a:schemeClr>
+          </a:lnRef>
+          <a:fillRef idx="1">
+            <a:schemeClr val="accent1"/>
+          </a:fillRef>
+          <a:effectRef idx="0">
+            <a:schemeClr val="accent1"/>
+          </a:effectRef>
+          <a:fontRef idx="minor">
+            <a:schemeClr val="lt1"/>
+          </a:fontRef>
+        </p:style>
+        <p:txBody>
+          <a:bodyPr rtlCol="0" anchor="ctr"/>
+          <a:lstStyle/>
+          <a:p>
+            <a:pPr algn="ctr"/>
+            <a:endParaRPr lang="zh-TW" altLang="en-US"/>
+          </a:p>
+        </p:txBody>
+      </p:sp>
+      <p:pic>
+        <p:nvPicPr>
+          <p:cNvPr id="4" name="圖片 3" descr="一張含有 圖形, 平面設計, 設計, 卡通 的圖片&#10;&#10;自動產生的描述">
+            <a:extLst>
+              <a:ext uri="{FF2B5EF4-FFF2-40B4-BE49-F238E27FC236}">
+                <a16:creationId xmlns:a16="http://schemas.microsoft.com/office/drawing/2014/main" id="{4D352B60-29E6-2F62-5272-33EA5354EC0C}"/>
+              </a:ext>
+            </a:extLst>
+          </p:cNvPr>
+          <p:cNvPicPr>
+            <a:picLocks noChangeAspect="1"/>
+          </p:cNvPicPr>
+          <p:nvPr/>
+        </p:nvPicPr>
+        <p:blipFill>
+          <a:blip r:embed="rId2">
+            <a:extLst>
+              <a:ext uri="{28A0092B-C50C-407E-A947-70E740481C1C}">
+                <a14:useLocalDpi xmlns:a14="http://schemas.microsoft.com/office/drawing/2010/main" val="0"/>
+              </a:ext>
+            </a:extLst>
+          </a:blip>
+          <a:stretch>
+            <a:fillRect/>
+          </a:stretch>
+        </p:blipFill>
+        <p:spPr>
+          <a:xfrm>
+            <a:off x="2737873" y="1467853"/>
+            <a:ext cx="6716254" cy="3922294"/>
+          </a:xfrm>
+          <a:prstGeom prst="rect">
+            <a:avLst/>
+          </a:prstGeom>
+        </p:spPr>
+      </p:pic>
+    </p:spTree>
+    <p:extLst>
+      <p:ext uri="{BB962C8B-B14F-4D97-AF65-F5344CB8AC3E}">
+        <p14:creationId xmlns:p14="http://schemas.microsoft.com/office/powerpoint/2010/main" val="905152634"/>
+      </p:ext>
+    </p:extLst>
+  </p:cSld>
+  <p:clrMapOvr>
+    <a:masterClrMapping/>
+  </p:clrMapOvr>
+</p:sld>
+</file>
+
+<file path=ppt/slides/slide27.xml><?xml version="1.0" encoding="utf-8"?>
+<p:sld xmlns:a="http://schemas.openxmlformats.org/drawingml/2006/main" xmlns:r="http://schemas.openxmlformats.org/officeDocument/2006/relationships" xmlns:p="http://schemas.openxmlformats.org/presentationml/2006/main">
+  <p:cSld>
+    <p:spTree>
+      <p:nvGrpSpPr>
+        <p:cNvPr id="1" name=""/>
+        <p:cNvGrpSpPr/>
+        <p:nvPr/>
+      </p:nvGrpSpPr>
+      <p:grpSpPr>
+        <a:xfrm>
+          <a:off x="0" y="0"/>
+          <a:ext cx="0" cy="0"/>
+          <a:chOff x="0" y="0"/>
+          <a:chExt cx="0" cy="0"/>
+        </a:xfrm>
+      </p:grpSpPr>
+      <p:sp>
+        <p:nvSpPr>
+          <p:cNvPr id="2" name="矩形 1">
+            <a:extLst>
+              <a:ext uri="{FF2B5EF4-FFF2-40B4-BE49-F238E27FC236}">
+                <a16:creationId xmlns:a16="http://schemas.microsoft.com/office/drawing/2014/main" id="{88895B90-59DE-5D12-9A21-D6FA8289014A}"/>
+              </a:ext>
+            </a:extLst>
+          </p:cNvPr>
+          <p:cNvSpPr/>
+          <p:nvPr/>
+        </p:nvSpPr>
+        <p:spPr>
+          <a:xfrm>
+            <a:off x="1727201" y="0"/>
+            <a:ext cx="8737598" cy="6858000"/>
+          </a:xfrm>
+          <a:prstGeom prst="rect">
+            <a:avLst/>
+          </a:prstGeom>
+          <a:solidFill>
+            <a:schemeClr val="bg1"/>
+          </a:solidFill>
+          <a:ln>
+            <a:noFill/>
+          </a:ln>
+        </p:spPr>
+        <p:style>
+          <a:lnRef idx="2">
+            <a:schemeClr val="accent1">
+              <a:shade val="15000"/>
+            </a:schemeClr>
+          </a:lnRef>
+          <a:fillRef idx="1">
+            <a:schemeClr val="accent1"/>
+          </a:fillRef>
+          <a:effectRef idx="0">
+            <a:schemeClr val="accent1"/>
+          </a:effectRef>
+          <a:fontRef idx="minor">
+            <a:schemeClr val="lt1"/>
+          </a:fontRef>
+        </p:style>
+        <p:txBody>
+          <a:bodyPr rtlCol="0" anchor="ctr"/>
+          <a:lstStyle/>
+          <a:p>
+            <a:pPr algn="ctr"/>
+            <a:endParaRPr lang="zh-TW" altLang="en-US"/>
+          </a:p>
+        </p:txBody>
+      </p:sp>
+      <p:pic>
+        <p:nvPicPr>
+          <p:cNvPr id="4" name="圖片 3">
+            <a:extLst>
+              <a:ext uri="{FF2B5EF4-FFF2-40B4-BE49-F238E27FC236}">
+                <a16:creationId xmlns:a16="http://schemas.microsoft.com/office/drawing/2014/main" id="{BB8BABC8-210C-98D1-E6B5-E8006B2770DE}"/>
+              </a:ext>
+            </a:extLst>
+          </p:cNvPr>
+          <p:cNvPicPr>
+            <a:picLocks noChangeAspect="1"/>
+          </p:cNvPicPr>
+          <p:nvPr/>
+        </p:nvPicPr>
+        <p:blipFill rotWithShape="1">
+          <a:blip r:embed="rId2"/>
+          <a:srcRect l="17171" t="23" r="16617" b="7589"/>
+          <a:stretch/>
+        </p:blipFill>
+        <p:spPr>
+          <a:xfrm>
+            <a:off x="1727200" y="1673"/>
+            <a:ext cx="8737598" cy="6854653"/>
+          </a:xfrm>
+          <a:prstGeom prst="rect">
+            <a:avLst/>
+          </a:prstGeom>
+        </p:spPr>
+      </p:pic>
+    </p:spTree>
+    <p:extLst>
+      <p:ext uri="{BB962C8B-B14F-4D97-AF65-F5344CB8AC3E}">
+        <p14:creationId xmlns:p14="http://schemas.microsoft.com/office/powerpoint/2010/main" val="50342481"/>
+      </p:ext>
+    </p:extLst>
+  </p:cSld>
+  <p:clrMapOvr>
+    <a:masterClrMapping/>
+  </p:clrMapOvr>
+</p:sld>
+</file>
+
+<file path=ppt/slides/slide28.xml><?xml version="1.0" encoding="utf-8"?>
+<p:sld xmlns:a="http://schemas.openxmlformats.org/drawingml/2006/main" xmlns:r="http://schemas.openxmlformats.org/officeDocument/2006/relationships" xmlns:p="http://schemas.openxmlformats.org/presentationml/2006/main">
+  <p:cSld>
+    <p:spTree>
+      <p:nvGrpSpPr>
+        <p:cNvPr id="1" name=""/>
+        <p:cNvGrpSpPr/>
+        <p:nvPr/>
+      </p:nvGrpSpPr>
+      <p:grpSpPr>
+        <a:xfrm>
+          <a:off x="0" y="0"/>
+          <a:ext cx="0" cy="0"/>
+          <a:chOff x="0" y="0"/>
+          <a:chExt cx="0" cy="0"/>
+        </a:xfrm>
+      </p:grpSpPr>
+      <p:pic>
+        <p:nvPicPr>
+          <p:cNvPr id="7" name="圖片 6" descr="一張含有 設計 的圖片&#10;&#10;自動產生的描述">
+            <a:extLst>
+              <a:ext uri="{FF2B5EF4-FFF2-40B4-BE49-F238E27FC236}">
+                <a16:creationId xmlns:a16="http://schemas.microsoft.com/office/drawing/2014/main" id="{8691DEAE-D202-0934-70AF-FEA168AA8403}"/>
+              </a:ext>
+            </a:extLst>
+          </p:cNvPr>
+          <p:cNvPicPr>
+            <a:picLocks noChangeAspect="1"/>
+          </p:cNvPicPr>
+          <p:nvPr/>
+        </p:nvPicPr>
+        <p:blipFill>
+          <a:blip r:embed="rId2">
+            <a:extLst>
+              <a:ext uri="{28A0092B-C50C-407E-A947-70E740481C1C}">
+                <a14:useLocalDpi xmlns:a14="http://schemas.microsoft.com/office/drawing/2010/main" val="0"/>
+              </a:ext>
+            </a:extLst>
+          </a:blip>
+          <a:srcRect l="7593" r="7593"/>
+          <a:stretch>
+            <a:fillRect/>
+          </a:stretch>
+        </p:blipFill>
+        <p:spPr>
+          <a:xfrm>
+            <a:off x="1727201" y="2"/>
+            <a:ext cx="8737598" cy="6857999"/>
+          </a:xfrm>
+          <a:custGeom>
+            <a:avLst/>
+            <a:gdLst>
+              <a:gd name="connsiteX0" fmla="*/ 0 w 8737598"/>
+              <a:gd name="connsiteY0" fmla="*/ 0 h 6857999"/>
+              <a:gd name="connsiteX1" fmla="*/ 8737598 w 8737598"/>
+              <a:gd name="connsiteY1" fmla="*/ 0 h 6857999"/>
+              <a:gd name="connsiteX2" fmla="*/ 8737598 w 8737598"/>
+              <a:gd name="connsiteY2" fmla="*/ 6857999 h 6857999"/>
+              <a:gd name="connsiteX3" fmla="*/ 0 w 8737598"/>
+              <a:gd name="connsiteY3" fmla="*/ 6857999 h 6857999"/>
+            </a:gdLst>
+            <a:ahLst/>
+            <a:cxnLst>
+              <a:cxn ang="0">
+                <a:pos x="connsiteX0" y="connsiteY0"/>
+              </a:cxn>
+              <a:cxn ang="0">
+                <a:pos x="connsiteX1" y="connsiteY1"/>
+              </a:cxn>
+              <a:cxn ang="0">
+                <a:pos x="connsiteX2" y="connsiteY2"/>
+              </a:cxn>
+              <a:cxn ang="0">
+                <a:pos x="connsiteX3" y="connsiteY3"/>
+              </a:cxn>
+            </a:cxnLst>
+            <a:rect l="l" t="t" r="r" b="b"/>
+            <a:pathLst>
+              <a:path w="8737598" h="6857999">
+                <a:moveTo>
+                  <a:pt x="0" y="0"/>
+                </a:moveTo>
+                <a:lnTo>
+                  <a:pt x="8737598" y="0"/>
+                </a:lnTo>
+                <a:lnTo>
+                  <a:pt x="8737598" y="6857999"/>
+                </a:lnTo>
+                <a:lnTo>
+                  <a:pt x="0" y="6857999"/>
+                </a:lnTo>
+                <a:close/>
+              </a:path>
+            </a:pathLst>
+          </a:custGeom>
+        </p:spPr>
+      </p:pic>
+    </p:spTree>
+    <p:extLst>
+      <p:ext uri="{BB962C8B-B14F-4D97-AF65-F5344CB8AC3E}">
+        <p14:creationId xmlns:p14="http://schemas.microsoft.com/office/powerpoint/2010/main" val="4218374671"/>
+      </p:ext>
+    </p:extLst>
+  </p:cSld>
+  <p:clrMapOvr>
+    <a:masterClrMapping/>
+  </p:clrMapOvr>
+</p:sld>
+</file>
+
+<file path=ppt/slides/slide29.xml><?xml version="1.0" encoding="utf-8"?>
+<p:sld xmlns:a="http://schemas.openxmlformats.org/drawingml/2006/main" xmlns:r="http://schemas.openxmlformats.org/officeDocument/2006/relationships" xmlns:p="http://schemas.openxmlformats.org/presentationml/2006/main">
+  <p:cSld>
+    <p:spTree>
+      <p:nvGrpSpPr>
+        <p:cNvPr id="1" name=""/>
+        <p:cNvGrpSpPr/>
+        <p:nvPr/>
+      </p:nvGrpSpPr>
+      <p:grpSpPr>
+        <a:xfrm>
+          <a:off x="0" y="0"/>
+          <a:ext cx="0" cy="0"/>
+          <a:chOff x="0" y="0"/>
+          <a:chExt cx="0" cy="0"/>
+        </a:xfrm>
+      </p:grpSpPr>
+      <p:pic>
+        <p:nvPicPr>
+          <p:cNvPr id="5" name="圖片 4" descr="一張含有 室內, 架子, 程式庫 的圖片&#10;&#10;自動產生的描述">
+            <a:extLst>
+              <a:ext uri="{FF2B5EF4-FFF2-40B4-BE49-F238E27FC236}">
+                <a16:creationId xmlns:a16="http://schemas.microsoft.com/office/drawing/2014/main" id="{C33A3768-29CC-CE14-E619-D7850BE57DAE}"/>
+              </a:ext>
+            </a:extLst>
+          </p:cNvPr>
+          <p:cNvPicPr>
+            <a:picLocks noChangeAspect="1"/>
+          </p:cNvPicPr>
+          <p:nvPr/>
+        </p:nvPicPr>
+        <p:blipFill>
+          <a:blip r:embed="rId2">
+            <a:extLst>
+              <a:ext uri="{28A0092B-C50C-407E-A947-70E740481C1C}">
+                <a14:useLocalDpi xmlns:a14="http://schemas.microsoft.com/office/drawing/2010/main" val="0"/>
+              </a:ext>
+            </a:extLst>
+          </a:blip>
+          <a:srcRect l="8705" r="8705"/>
+          <a:stretch>
+            <a:fillRect/>
+          </a:stretch>
+        </p:blipFill>
+        <p:spPr>
+          <a:xfrm>
+            <a:off x="1727201" y="0"/>
+            <a:ext cx="8737598" cy="6858000"/>
+          </a:xfrm>
+          <a:custGeom>
+            <a:avLst/>
+            <a:gdLst>
+              <a:gd name="connsiteX0" fmla="*/ 0 w 8737598"/>
+              <a:gd name="connsiteY0" fmla="*/ 0 h 6858000"/>
+              <a:gd name="connsiteX1" fmla="*/ 8737598 w 8737598"/>
+              <a:gd name="connsiteY1" fmla="*/ 0 h 6858000"/>
+              <a:gd name="connsiteX2" fmla="*/ 8737598 w 8737598"/>
+              <a:gd name="connsiteY2" fmla="*/ 6858000 h 6858000"/>
+              <a:gd name="connsiteX3" fmla="*/ 0 w 8737598"/>
+              <a:gd name="connsiteY3" fmla="*/ 6858000 h 6858000"/>
+            </a:gdLst>
+            <a:ahLst/>
+            <a:cxnLst>
+              <a:cxn ang="0">
+                <a:pos x="connsiteX0" y="connsiteY0"/>
+              </a:cxn>
+              <a:cxn ang="0">
+                <a:pos x="connsiteX1" y="connsiteY1"/>
+              </a:cxn>
+              <a:cxn ang="0">
+                <a:pos x="connsiteX2" y="connsiteY2"/>
+              </a:cxn>
+              <a:cxn ang="0">
+                <a:pos x="connsiteX3" y="connsiteY3"/>
+              </a:cxn>
+            </a:cxnLst>
+            <a:rect l="l" t="t" r="r" b="b"/>
+            <a:pathLst>
+              <a:path w="8737598" h="6858000">
+                <a:moveTo>
+                  <a:pt x="0" y="0"/>
+                </a:moveTo>
+                <a:lnTo>
+                  <a:pt x="8737598" y="0"/>
+                </a:lnTo>
+                <a:lnTo>
+                  <a:pt x="8737598" y="6858000"/>
+                </a:lnTo>
+                <a:lnTo>
+                  <a:pt x="0" y="6858000"/>
+                </a:lnTo>
+                <a:close/>
+              </a:path>
+            </a:pathLst>
+          </a:custGeom>
+        </p:spPr>
+      </p:pic>
+    </p:spTree>
+    <p:extLst>
+      <p:ext uri="{BB962C8B-B14F-4D97-AF65-F5344CB8AC3E}">
+        <p14:creationId xmlns:p14="http://schemas.microsoft.com/office/powerpoint/2010/main" val="2548313510"/>
+      </p:ext>
+    </p:extLst>
+  </p:cSld>
+  <p:clrMapOvr>
+    <a:masterClrMapping/>
+  </p:clrMapOvr>
+</p:sld>
+</file>
+
+<file path=ppt/slides/slide3.xml><?xml version="1.0" encoding="utf-8"?>
+<p:sld xmlns:a="http://schemas.openxmlformats.org/drawingml/2006/main" xmlns:r="http://schemas.openxmlformats.org/officeDocument/2006/relationships" xmlns:p="http://schemas.openxmlformats.org/presentationml/2006/main">
+  <p:cSld>
+    <p:spTree>
+      <p:nvGrpSpPr>
+        <p:cNvPr id="1" name=""/>
+        <p:cNvGrpSpPr/>
+        <p:nvPr/>
+      </p:nvGrpSpPr>
+      <p:grpSpPr>
+        <a:xfrm>
+          <a:off x="0" y="0"/>
+          <a:ext cx="0" cy="0"/>
+          <a:chOff x="0" y="0"/>
+          <a:chExt cx="0" cy="0"/>
+        </a:xfrm>
+      </p:grpSpPr>
+      <p:pic>
+        <p:nvPicPr>
+          <p:cNvPr id="5" name="內容版面配置區 4" descr="一張含有 對稱, 折紙, 樣式, 創作藝術 的圖片&#10;&#10;自動產生的描述">
+            <a:extLst>
+              <a:ext uri="{FF2B5EF4-FFF2-40B4-BE49-F238E27FC236}">
+                <a16:creationId xmlns:a16="http://schemas.microsoft.com/office/drawing/2014/main" id="{72F5F86E-5F5D-7A2E-D56B-33FDF00C8B13}"/>
+              </a:ext>
+            </a:extLst>
+          </p:cNvPr>
+          <p:cNvPicPr>
+            <a:picLocks noGrp="1" noChangeAspect="1"/>
+          </p:cNvPicPr>
+          <p:nvPr>
+            <p:ph idx="1"/>
+          </p:nvPr>
+        </p:nvPicPr>
+        <p:blipFill>
+          <a:blip r:embed="rId2">
+            <a:duotone>
+              <a:schemeClr val="accent5">
+                <a:shade val="45000"/>
+                <a:satMod val="135000"/>
+              </a:schemeClr>
+              <a:prstClr val="white"/>
+            </a:duotone>
+            <a:extLst>
+              <a:ext uri="{28A0092B-C50C-407E-A947-70E740481C1C}">
+                <a14:useLocalDpi xmlns:a14="http://schemas.microsoft.com/office/drawing/2010/main" val="0"/>
+              </a:ext>
+            </a:extLst>
+          </a:blip>
+          <a:stretch>
+            <a:fillRect/>
+          </a:stretch>
+        </p:blipFill>
+        <p:spPr>
+          <a:xfrm>
+            <a:off x="2759690" y="129202"/>
+            <a:ext cx="6351809" cy="6351809"/>
+          </a:xfrm>
+        </p:spPr>
+      </p:pic>
+    </p:spTree>
+    <p:extLst>
+      <p:ext uri="{BB962C8B-B14F-4D97-AF65-F5344CB8AC3E}">
+        <p14:creationId xmlns:p14="http://schemas.microsoft.com/office/powerpoint/2010/main" val="3559074276"/>
+      </p:ext>
+    </p:extLst>
+  </p:cSld>
+  <p:clrMapOvr>
+    <a:masterClrMapping/>
+  </p:clrMapOvr>
+</p:sld>
+</file>
+
+<file path=ppt/slides/slide30.xml><?xml version="1.0" encoding="utf-8"?>
+<p:sld xmlns:a="http://schemas.openxmlformats.org/drawingml/2006/main" xmlns:r="http://schemas.openxmlformats.org/officeDocument/2006/relationships" xmlns:p="http://schemas.openxmlformats.org/presentationml/2006/main">
+  <p:cSld>
+    <p:spTree>
+      <p:nvGrpSpPr>
+        <p:cNvPr id="1" name=""/>
+        <p:cNvGrpSpPr/>
+        <p:nvPr/>
+      </p:nvGrpSpPr>
+      <p:grpSpPr>
+        <a:xfrm>
+          <a:off x="0" y="0"/>
+          <a:ext cx="0" cy="0"/>
+          <a:chOff x="0" y="0"/>
+          <a:chExt cx="0" cy="0"/>
+        </a:xfrm>
+      </p:grpSpPr>
+      <p:sp>
+        <p:nvSpPr>
+          <p:cNvPr id="2" name="矩形 1">
+            <a:extLst>
+              <a:ext uri="{FF2B5EF4-FFF2-40B4-BE49-F238E27FC236}">
+                <a16:creationId xmlns:a16="http://schemas.microsoft.com/office/drawing/2014/main" id="{88895B90-59DE-5D12-9A21-D6FA8289014A}"/>
+              </a:ext>
+            </a:extLst>
+          </p:cNvPr>
+          <p:cNvSpPr/>
+          <p:nvPr/>
+        </p:nvSpPr>
+        <p:spPr>
+          <a:xfrm>
+            <a:off x="1727201" y="0"/>
+            <a:ext cx="8737598" cy="6858000"/>
+          </a:xfrm>
+          <a:prstGeom prst="rect">
+            <a:avLst/>
+          </a:prstGeom>
+          <a:solidFill>
+            <a:schemeClr val="bg1"/>
+          </a:solidFill>
+          <a:ln>
+            <a:noFill/>
+          </a:ln>
+        </p:spPr>
+        <p:style>
+          <a:lnRef idx="2">
+            <a:schemeClr val="accent1">
+              <a:shade val="15000"/>
+            </a:schemeClr>
+          </a:lnRef>
+          <a:fillRef idx="1">
+            <a:schemeClr val="accent1"/>
+          </a:fillRef>
+          <a:effectRef idx="0">
+            <a:schemeClr val="accent1"/>
+          </a:effectRef>
+          <a:fontRef idx="minor">
+            <a:schemeClr val="lt1"/>
+          </a:fontRef>
+        </p:style>
+        <p:txBody>
+          <a:bodyPr rtlCol="0" anchor="ctr"/>
+          <a:lstStyle/>
+          <a:p>
+            <a:pPr algn="ctr"/>
+            <a:endParaRPr lang="zh-TW" altLang="en-US"/>
+          </a:p>
+        </p:txBody>
+      </p:sp>
+      <p:pic>
+        <p:nvPicPr>
+          <p:cNvPr id="4" name="圖片 3" descr="一張含有 標誌, 字型, 圖形, 符號 的圖片&#10;&#10;自動產生的描述">
+            <a:extLst>
+              <a:ext uri="{FF2B5EF4-FFF2-40B4-BE49-F238E27FC236}">
+                <a16:creationId xmlns:a16="http://schemas.microsoft.com/office/drawing/2014/main" id="{1A8B176E-B951-2FE6-F646-C496F5EE1846}"/>
+              </a:ext>
+            </a:extLst>
+          </p:cNvPr>
+          <p:cNvPicPr>
+            <a:picLocks noChangeAspect="1"/>
+          </p:cNvPicPr>
+          <p:nvPr/>
+        </p:nvPicPr>
+        <p:blipFill>
+          <a:blip r:embed="rId2">
+            <a:extLst>
+              <a:ext uri="{28A0092B-C50C-407E-A947-70E740481C1C}">
+                <a14:useLocalDpi xmlns:a14="http://schemas.microsoft.com/office/drawing/2010/main" val="0"/>
+              </a:ext>
+            </a:extLst>
+          </a:blip>
+          <a:stretch>
+            <a:fillRect/>
+          </a:stretch>
+        </p:blipFill>
+        <p:spPr>
+          <a:xfrm>
+            <a:off x="1727200" y="680764"/>
+            <a:ext cx="8737600" cy="5496472"/>
+          </a:xfrm>
+          <a:prstGeom prst="rect">
+            <a:avLst/>
+          </a:prstGeom>
+        </p:spPr>
+      </p:pic>
+    </p:spTree>
+    <p:extLst>
+      <p:ext uri="{BB962C8B-B14F-4D97-AF65-F5344CB8AC3E}">
+        <p14:creationId xmlns:p14="http://schemas.microsoft.com/office/powerpoint/2010/main" val="1361797759"/>
+      </p:ext>
+    </p:extLst>
+  </p:cSld>
+  <p:clrMapOvr>
+    <a:masterClrMapping/>
+  </p:clrMapOvr>
+</p:sld>
+</file>
+
+<file path=ppt/slides/slide31.xml><?xml version="1.0" encoding="utf-8"?>
+<p:sld xmlns:a="http://schemas.openxmlformats.org/drawingml/2006/main" xmlns:r="http://schemas.openxmlformats.org/officeDocument/2006/relationships" xmlns:p="http://schemas.openxmlformats.org/presentationml/2006/main">
+  <p:cSld>
+    <p:spTree>
+      <p:nvGrpSpPr>
+        <p:cNvPr id="1" name=""/>
+        <p:cNvGrpSpPr/>
+        <p:nvPr/>
+      </p:nvGrpSpPr>
+      <p:grpSpPr>
+        <a:xfrm>
+          <a:off x="0" y="0"/>
+          <a:ext cx="0" cy="0"/>
+          <a:chOff x="0" y="0"/>
+          <a:chExt cx="0" cy="0"/>
+        </a:xfrm>
+      </p:grpSpPr>
+      <p:sp>
+        <p:nvSpPr>
+          <p:cNvPr id="2" name="矩形 1">
+            <a:extLst>
+              <a:ext uri="{FF2B5EF4-FFF2-40B4-BE49-F238E27FC236}">
+                <a16:creationId xmlns:a16="http://schemas.microsoft.com/office/drawing/2014/main" id="{88895B90-59DE-5D12-9A21-D6FA8289014A}"/>
+              </a:ext>
+            </a:extLst>
+          </p:cNvPr>
+          <p:cNvSpPr/>
+          <p:nvPr/>
+        </p:nvSpPr>
+        <p:spPr>
+          <a:xfrm>
+            <a:off x="1727201" y="0"/>
+            <a:ext cx="8737598" cy="6858000"/>
+          </a:xfrm>
+          <a:prstGeom prst="rect">
+            <a:avLst/>
+          </a:prstGeom>
+          <a:solidFill>
+            <a:schemeClr val="tx1"/>
+          </a:solidFill>
+          <a:ln>
+            <a:noFill/>
+          </a:ln>
+        </p:spPr>
+        <p:style>
+          <a:lnRef idx="2">
+            <a:schemeClr val="accent1">
+              <a:shade val="15000"/>
+            </a:schemeClr>
+          </a:lnRef>
+          <a:fillRef idx="1">
+            <a:schemeClr val="accent1"/>
+          </a:fillRef>
+          <a:effectRef idx="0">
+            <a:schemeClr val="accent1"/>
+          </a:effectRef>
+          <a:fontRef idx="minor">
+            <a:schemeClr val="lt1"/>
+          </a:fontRef>
+        </p:style>
+        <p:txBody>
+          <a:bodyPr rtlCol="0" anchor="ctr"/>
+          <a:lstStyle/>
+          <a:p>
+            <a:pPr algn="ctr"/>
+            <a:endParaRPr lang="zh-TW" altLang="en-US"/>
+          </a:p>
+        </p:txBody>
+      </p:sp>
+      <p:pic>
+        <p:nvPicPr>
+          <p:cNvPr id="6" name="圖片 5" descr="一張含有 文字, 螢幕擷取畫面, 設計 的圖片&#10;&#10;自動產生的描述">
+            <a:extLst>
+              <a:ext uri="{FF2B5EF4-FFF2-40B4-BE49-F238E27FC236}">
+                <a16:creationId xmlns:a16="http://schemas.microsoft.com/office/drawing/2014/main" id="{33F9AD0A-1794-DC81-3D30-085EB6539606}"/>
+              </a:ext>
+            </a:extLst>
+          </p:cNvPr>
+          <p:cNvPicPr>
+            <a:picLocks noChangeAspect="1"/>
+          </p:cNvPicPr>
+          <p:nvPr/>
+        </p:nvPicPr>
+        <p:blipFill>
+          <a:blip r:embed="rId2">
+            <a:extLst>
+              <a:ext uri="{28A0092B-C50C-407E-A947-70E740481C1C}">
+                <a14:useLocalDpi xmlns:a14="http://schemas.microsoft.com/office/drawing/2010/main" val="0"/>
+              </a:ext>
+            </a:extLst>
+          </a:blip>
+          <a:stretch>
+            <a:fillRect/>
+          </a:stretch>
+        </p:blipFill>
+        <p:spPr>
+          <a:xfrm>
+            <a:off x="4511703" y="0"/>
+            <a:ext cx="3168593" cy="6858000"/>
+          </a:xfrm>
+          <a:prstGeom prst="rect">
+            <a:avLst/>
+          </a:prstGeom>
+        </p:spPr>
+      </p:pic>
+    </p:spTree>
+    <p:extLst>
+      <p:ext uri="{BB962C8B-B14F-4D97-AF65-F5344CB8AC3E}">
+        <p14:creationId xmlns:p14="http://schemas.microsoft.com/office/powerpoint/2010/main" val="1577798438"/>
+      </p:ext>
+    </p:extLst>
+  </p:cSld>
+  <p:clrMapOvr>
+    <a:masterClrMapping/>
+  </p:clrMapOvr>
+</p:sld>
+</file>
+
+<file path=ppt/slides/slide32.xml><?xml version="1.0" encoding="utf-8"?>
+<p:sld xmlns:a="http://schemas.openxmlformats.org/drawingml/2006/main" xmlns:r="http://schemas.openxmlformats.org/officeDocument/2006/relationships" xmlns:p="http://schemas.openxmlformats.org/presentationml/2006/main">
+  <p:cSld>
+    <p:spTree>
+      <p:nvGrpSpPr>
+        <p:cNvPr id="1" name=""/>
+        <p:cNvGrpSpPr/>
+        <p:nvPr/>
+      </p:nvGrpSpPr>
+      <p:grpSpPr>
+        <a:xfrm>
+          <a:off x="0" y="0"/>
+          <a:ext cx="0" cy="0"/>
+          <a:chOff x="0" y="0"/>
+          <a:chExt cx="0" cy="0"/>
+        </a:xfrm>
+      </p:grpSpPr>
+      <p:sp>
+        <p:nvSpPr>
+          <p:cNvPr id="2" name="矩形 1">
+            <a:extLst>
+              <a:ext uri="{FF2B5EF4-FFF2-40B4-BE49-F238E27FC236}">
+                <a16:creationId xmlns:a16="http://schemas.microsoft.com/office/drawing/2014/main" id="{88895B90-59DE-5D12-9A21-D6FA8289014A}"/>
+              </a:ext>
+            </a:extLst>
+          </p:cNvPr>
+          <p:cNvSpPr/>
+          <p:nvPr/>
+        </p:nvSpPr>
+        <p:spPr>
+          <a:xfrm>
+            <a:off x="1727201" y="0"/>
+            <a:ext cx="8737598" cy="6858000"/>
+          </a:xfrm>
+          <a:prstGeom prst="rect">
+            <a:avLst/>
+          </a:prstGeom>
+          <a:solidFill>
+            <a:schemeClr val="bg1"/>
+          </a:solidFill>
+          <a:ln>
+            <a:noFill/>
+          </a:ln>
+        </p:spPr>
+        <p:style>
+          <a:lnRef idx="2">
+            <a:schemeClr val="accent1">
+              <a:shade val="15000"/>
+            </a:schemeClr>
+          </a:lnRef>
+          <a:fillRef idx="1">
+            <a:schemeClr val="accent1"/>
+          </a:fillRef>
+          <a:effectRef idx="0">
+            <a:schemeClr val="accent1"/>
+          </a:effectRef>
+          <a:fontRef idx="minor">
+            <a:schemeClr val="lt1"/>
+          </a:fontRef>
+        </p:style>
+        <p:txBody>
+          <a:bodyPr rtlCol="0" anchor="ctr"/>
+          <a:lstStyle/>
+          <a:p>
+            <a:pPr algn="ctr"/>
+            <a:endParaRPr lang="zh-TW" altLang="en-US"/>
+          </a:p>
+        </p:txBody>
+      </p:sp>
+      <p:pic>
+        <p:nvPicPr>
+          <p:cNvPr id="4" name="圖片 3" descr="一張含有 圖形, 符號, 標誌, 圓形 的圖片&#10;&#10;自動產生的描述">
+            <a:extLst>
+              <a:ext uri="{FF2B5EF4-FFF2-40B4-BE49-F238E27FC236}">
+                <a16:creationId xmlns:a16="http://schemas.microsoft.com/office/drawing/2014/main" id="{380858A0-8154-2A8A-1C9C-37B18128A81C}"/>
+              </a:ext>
+            </a:extLst>
+          </p:cNvPr>
+          <p:cNvPicPr>
+            <a:picLocks noChangeAspect="1"/>
+          </p:cNvPicPr>
+          <p:nvPr/>
+        </p:nvPicPr>
+        <p:blipFill>
+          <a:blip r:embed="rId2">
+            <a:extLst>
+              <a:ext uri="{28A0092B-C50C-407E-A947-70E740481C1C}">
+                <a14:useLocalDpi xmlns:a14="http://schemas.microsoft.com/office/drawing/2010/main" val="0"/>
+              </a:ext>
+            </a:extLst>
+          </a:blip>
+          <a:stretch>
+            <a:fillRect/>
+          </a:stretch>
+        </p:blipFill>
+        <p:spPr>
+          <a:xfrm>
+            <a:off x="2294021" y="-372979"/>
+            <a:ext cx="7603958" cy="7603958"/>
+          </a:xfrm>
+          <a:prstGeom prst="rect">
+            <a:avLst/>
+          </a:prstGeom>
+        </p:spPr>
+      </p:pic>
+    </p:spTree>
+    <p:extLst>
+      <p:ext uri="{BB962C8B-B14F-4D97-AF65-F5344CB8AC3E}">
+        <p14:creationId xmlns:p14="http://schemas.microsoft.com/office/powerpoint/2010/main" val="4097347910"/>
+      </p:ext>
+    </p:extLst>
+  </p:cSld>
+  <p:clrMapOvr>
+    <a:masterClrMapping/>
+  </p:clrMapOvr>
+</p:sld>
+</file>
+
+<file path=ppt/slides/slide33.xml><?xml version="1.0" encoding="utf-8"?>
+<p:sld xmlns:a="http://schemas.openxmlformats.org/drawingml/2006/main" xmlns:r="http://schemas.openxmlformats.org/officeDocument/2006/relationships" xmlns:p="http://schemas.openxmlformats.org/presentationml/2006/main">
+  <p:cSld>
+    <p:spTree>
+      <p:nvGrpSpPr>
+        <p:cNvPr id="1" name=""/>
+        <p:cNvGrpSpPr/>
+        <p:nvPr/>
+      </p:nvGrpSpPr>
+      <p:grpSpPr>
+        <a:xfrm>
+          <a:off x="0" y="0"/>
+          <a:ext cx="0" cy="0"/>
+          <a:chOff x="0" y="0"/>
+          <a:chExt cx="0" cy="0"/>
+        </a:xfrm>
+      </p:grpSpPr>
+      <p:sp>
+        <p:nvSpPr>
+          <p:cNvPr id="2" name="矩形 1">
+            <a:extLst>
+              <a:ext uri="{FF2B5EF4-FFF2-40B4-BE49-F238E27FC236}">
+                <a16:creationId xmlns:a16="http://schemas.microsoft.com/office/drawing/2014/main" id="{88895B90-59DE-5D12-9A21-D6FA8289014A}"/>
+              </a:ext>
+            </a:extLst>
+          </p:cNvPr>
+          <p:cNvSpPr/>
+          <p:nvPr/>
+        </p:nvSpPr>
+        <p:spPr>
+          <a:xfrm>
+            <a:off x="1727201" y="0"/>
+            <a:ext cx="8737598" cy="6858000"/>
+          </a:xfrm>
+          <a:prstGeom prst="rect">
+            <a:avLst/>
+          </a:prstGeom>
+          <a:solidFill>
+            <a:schemeClr val="bg1"/>
+          </a:solidFill>
+          <a:ln>
+            <a:noFill/>
+          </a:ln>
+        </p:spPr>
+        <p:style>
+          <a:lnRef idx="2">
+            <a:schemeClr val="accent1">
+              <a:shade val="15000"/>
+            </a:schemeClr>
+          </a:lnRef>
+          <a:fillRef idx="1">
+            <a:schemeClr val="accent1"/>
+          </a:fillRef>
+          <a:effectRef idx="0">
+            <a:schemeClr val="accent1"/>
+          </a:effectRef>
+          <a:fontRef idx="minor">
+            <a:schemeClr val="lt1"/>
+          </a:fontRef>
+        </p:style>
+        <p:txBody>
+          <a:bodyPr rtlCol="0" anchor="ctr"/>
+          <a:lstStyle/>
+          <a:p>
+            <a:pPr algn="ctr"/>
+            <a:endParaRPr lang="zh-TW" altLang="en-US"/>
+          </a:p>
+        </p:txBody>
+      </p:sp>
+      <p:pic>
+        <p:nvPicPr>
+          <p:cNvPr id="6" name="圖片 5" descr="一張含有 人員, 人的臉孔, 服裝, 手肘 的圖片&#10;&#10;自動產生的描述">
+            <a:extLst>
+              <a:ext uri="{FF2B5EF4-FFF2-40B4-BE49-F238E27FC236}">
+                <a16:creationId xmlns:a16="http://schemas.microsoft.com/office/drawing/2014/main" id="{DC10E9FA-91AC-E6C0-CE2A-857DD5D20D0D}"/>
+              </a:ext>
+            </a:extLst>
+          </p:cNvPr>
+          <p:cNvPicPr>
+            <a:picLocks noChangeAspect="1"/>
+          </p:cNvPicPr>
+          <p:nvPr/>
+        </p:nvPicPr>
+        <p:blipFill>
+          <a:blip r:embed="rId2">
+            <a:extLst>
+              <a:ext uri="{28A0092B-C50C-407E-A947-70E740481C1C}">
+                <a14:useLocalDpi xmlns:a14="http://schemas.microsoft.com/office/drawing/2010/main" val="0"/>
+              </a:ext>
+            </a:extLst>
+          </a:blip>
+          <a:stretch>
+            <a:fillRect/>
+          </a:stretch>
+        </p:blipFill>
+        <p:spPr>
+          <a:xfrm>
+            <a:off x="1727200" y="1724660"/>
+            <a:ext cx="8737600" cy="5133340"/>
+          </a:xfrm>
+          <a:prstGeom prst="rect">
+            <a:avLst/>
+          </a:prstGeom>
+        </p:spPr>
+      </p:pic>
+    </p:spTree>
+    <p:extLst>
+      <p:ext uri="{BB962C8B-B14F-4D97-AF65-F5344CB8AC3E}">
+        <p14:creationId xmlns:p14="http://schemas.microsoft.com/office/powerpoint/2010/main" val="4121213326"/>
+      </p:ext>
+    </p:extLst>
+  </p:cSld>
+  <p:clrMapOvr>
+    <a:masterClrMapping/>
+  </p:clrMapOvr>
+</p:sld>
+</file>
+
+<file path=ppt/slides/slide34.xml><?xml version="1.0" encoding="utf-8"?>
+<p:sld xmlns:a="http://schemas.openxmlformats.org/drawingml/2006/main" xmlns:r="http://schemas.openxmlformats.org/officeDocument/2006/relationships" xmlns:p="http://schemas.openxmlformats.org/presentationml/2006/main">
+  <p:cSld>
+    <p:spTree>
+      <p:nvGrpSpPr>
+        <p:cNvPr id="1" name=""/>
+        <p:cNvGrpSpPr/>
+        <p:nvPr/>
+      </p:nvGrpSpPr>
+      <p:grpSpPr>
+        <a:xfrm>
+          <a:off x="0" y="0"/>
+          <a:ext cx="0" cy="0"/>
+          <a:chOff x="0" y="0"/>
+          <a:chExt cx="0" cy="0"/>
+        </a:xfrm>
+      </p:grpSpPr>
+      <p:pic>
+        <p:nvPicPr>
+          <p:cNvPr id="7" name="圖片 6" descr="一張含有 文字, 螢幕擷取畫面, 軟體, 多媒體軟體 的圖片&#10;&#10;自動產生的描述">
+            <a:extLst>
+              <a:ext uri="{FF2B5EF4-FFF2-40B4-BE49-F238E27FC236}">
+                <a16:creationId xmlns:a16="http://schemas.microsoft.com/office/drawing/2014/main" id="{E7F9427D-D619-A4DC-1340-A530A5F197A4}"/>
+              </a:ext>
+            </a:extLst>
+          </p:cNvPr>
+          <p:cNvPicPr>
+            <a:picLocks noChangeAspect="1"/>
+          </p:cNvPicPr>
+          <p:nvPr/>
+        </p:nvPicPr>
+        <p:blipFill>
+          <a:blip r:embed="rId2">
+            <a:extLst>
+              <a:ext uri="{BEBA8EAE-BF5A-486C-A8C5-ECC9F3942E4B}">
+                <a14:imgProps xmlns:a14="http://schemas.microsoft.com/office/drawing/2010/main">
+                  <a14:imgLayer r:embed="rId3">
+                    <a14:imgEffect>
+                      <a14:artisticBlur radius="70"/>
+                    </a14:imgEffect>
+                  </a14:imgLayer>
+                </a14:imgProps>
+              </a:ext>
+              <a:ext uri="{28A0092B-C50C-407E-A947-70E740481C1C}">
+                <a14:useLocalDpi xmlns:a14="http://schemas.microsoft.com/office/drawing/2010/main" val="0"/>
+              </a:ext>
+            </a:extLst>
+          </a:blip>
+          <a:srcRect t="31675" b="32061"/>
+          <a:stretch>
+            <a:fillRect/>
+          </a:stretch>
+        </p:blipFill>
+        <p:spPr>
+          <a:xfrm>
+            <a:off x="1727201" y="0"/>
+            <a:ext cx="8737598" cy="6858000"/>
+          </a:xfrm>
+          <a:custGeom>
+            <a:avLst/>
+            <a:gdLst>
+              <a:gd name="connsiteX0" fmla="*/ 0 w 8737598"/>
+              <a:gd name="connsiteY0" fmla="*/ 0 h 6858000"/>
+              <a:gd name="connsiteX1" fmla="*/ 8737598 w 8737598"/>
+              <a:gd name="connsiteY1" fmla="*/ 0 h 6858000"/>
+              <a:gd name="connsiteX2" fmla="*/ 8737598 w 8737598"/>
+              <a:gd name="connsiteY2" fmla="*/ 6858000 h 6858000"/>
+              <a:gd name="connsiteX3" fmla="*/ 0 w 8737598"/>
+              <a:gd name="connsiteY3" fmla="*/ 6858000 h 6858000"/>
+            </a:gdLst>
+            <a:ahLst/>
+            <a:cxnLst>
+              <a:cxn ang="0">
+                <a:pos x="connsiteX0" y="connsiteY0"/>
+              </a:cxn>
+              <a:cxn ang="0">
+                <a:pos x="connsiteX1" y="connsiteY1"/>
+              </a:cxn>
+              <a:cxn ang="0">
+                <a:pos x="connsiteX2" y="connsiteY2"/>
+              </a:cxn>
+              <a:cxn ang="0">
+                <a:pos x="connsiteX3" y="connsiteY3"/>
+              </a:cxn>
+            </a:cxnLst>
+            <a:rect l="l" t="t" r="r" b="b"/>
+            <a:pathLst>
+              <a:path w="8737598" h="6858000">
+                <a:moveTo>
+                  <a:pt x="0" y="0"/>
+                </a:moveTo>
+                <a:lnTo>
+                  <a:pt x="8737598" y="0"/>
+                </a:lnTo>
+                <a:lnTo>
+                  <a:pt x="8737598" y="6858000"/>
+                </a:lnTo>
+                <a:lnTo>
+                  <a:pt x="0" y="6858000"/>
+                </a:lnTo>
+                <a:close/>
+              </a:path>
+            </a:pathLst>
+          </a:custGeom>
+        </p:spPr>
+      </p:pic>
+      <p:pic>
+        <p:nvPicPr>
+          <p:cNvPr id="4" name="圖片 3" descr="一張含有 文字, 螢幕擷取畫面, 軟體, 多媒體軟體 的圖片&#10;&#10;自動產生的描述">
+            <a:extLst>
+              <a:ext uri="{FF2B5EF4-FFF2-40B4-BE49-F238E27FC236}">
+                <a16:creationId xmlns:a16="http://schemas.microsoft.com/office/drawing/2014/main" id="{E300497E-B210-F3FF-67C2-01DC1742FACB}"/>
+              </a:ext>
+            </a:extLst>
+          </p:cNvPr>
+          <p:cNvPicPr>
+            <a:picLocks noChangeAspect="1"/>
+          </p:cNvPicPr>
+          <p:nvPr/>
+        </p:nvPicPr>
+        <p:blipFill>
+          <a:blip r:embed="rId4">
+            <a:extLst>
+              <a:ext uri="{28A0092B-C50C-407E-A947-70E740481C1C}">
+                <a14:useLocalDpi xmlns:a14="http://schemas.microsoft.com/office/drawing/2010/main" val="0"/>
+              </a:ext>
+            </a:extLst>
+          </a:blip>
+          <a:stretch>
+            <a:fillRect/>
+          </a:stretch>
+        </p:blipFill>
+        <p:spPr>
+          <a:xfrm>
+            <a:off x="4511703" y="0"/>
+            <a:ext cx="3168593" cy="6858000"/>
+          </a:xfrm>
+          <a:prstGeom prst="rect">
+            <a:avLst/>
+          </a:prstGeom>
+        </p:spPr>
+      </p:pic>
+    </p:spTree>
+    <p:extLst>
+      <p:ext uri="{BB962C8B-B14F-4D97-AF65-F5344CB8AC3E}">
+        <p14:creationId xmlns:p14="http://schemas.microsoft.com/office/powerpoint/2010/main" val="1465847854"/>
+      </p:ext>
+    </p:extLst>
+  </p:cSld>
+  <p:clrMapOvr>
+    <a:masterClrMapping/>
+  </p:clrMapOvr>
+</p:sld>
+</file>
+
+<file path=ppt/slides/slide35.xml><?xml version="1.0" encoding="utf-8"?>
+<p:sld xmlns:a="http://schemas.openxmlformats.org/drawingml/2006/main" xmlns:r="http://schemas.openxmlformats.org/officeDocument/2006/relationships" xmlns:p="http://schemas.openxmlformats.org/presentationml/2006/main">
+  <p:cSld>
+    <p:spTree>
+      <p:nvGrpSpPr>
+        <p:cNvPr id="1" name=""/>
+        <p:cNvGrpSpPr/>
+        <p:nvPr/>
+      </p:nvGrpSpPr>
+      <p:grpSpPr>
+        <a:xfrm>
+          <a:off x="0" y="0"/>
+          <a:ext cx="0" cy="0"/>
+          <a:chOff x="0" y="0"/>
+          <a:chExt cx="0" cy="0"/>
+        </a:xfrm>
+      </p:grpSpPr>
+      <p:sp>
+        <p:nvSpPr>
+          <p:cNvPr id="2" name="矩形 1">
+            <a:extLst>
+              <a:ext uri="{FF2B5EF4-FFF2-40B4-BE49-F238E27FC236}">
+                <a16:creationId xmlns:a16="http://schemas.microsoft.com/office/drawing/2014/main" id="{88895B90-59DE-5D12-9A21-D6FA8289014A}"/>
+              </a:ext>
+            </a:extLst>
+          </p:cNvPr>
+          <p:cNvSpPr/>
+          <p:nvPr/>
+        </p:nvSpPr>
+        <p:spPr>
+          <a:xfrm>
+            <a:off x="1727201" y="0"/>
+            <a:ext cx="8737598" cy="6858000"/>
+          </a:xfrm>
+          <a:prstGeom prst="rect">
+            <a:avLst/>
+          </a:prstGeom>
+          <a:solidFill>
+            <a:schemeClr val="bg1"/>
+          </a:solidFill>
+          <a:ln>
+            <a:noFill/>
+          </a:ln>
+        </p:spPr>
+        <p:style>
+          <a:lnRef idx="2">
+            <a:schemeClr val="accent1">
+              <a:shade val="15000"/>
+            </a:schemeClr>
+          </a:lnRef>
+          <a:fillRef idx="1">
+            <a:schemeClr val="accent1"/>
+          </a:fillRef>
+          <a:effectRef idx="0">
+            <a:schemeClr val="accent1"/>
+          </a:effectRef>
+          <a:fontRef idx="minor">
+            <a:schemeClr val="lt1"/>
+          </a:fontRef>
+        </p:style>
+        <p:txBody>
+          <a:bodyPr rtlCol="0" anchor="ctr"/>
+          <a:lstStyle/>
+          <a:p>
+            <a:pPr algn="ctr"/>
+            <a:endParaRPr lang="zh-TW" altLang="en-US"/>
+          </a:p>
+        </p:txBody>
+      </p:sp>
+    </p:spTree>
+    <p:extLst>
+      <p:ext uri="{BB962C8B-B14F-4D97-AF65-F5344CB8AC3E}">
+        <p14:creationId xmlns:p14="http://schemas.microsoft.com/office/powerpoint/2010/main" val="877655032"/>
+      </p:ext>
+    </p:extLst>
+  </p:cSld>
+  <p:clrMapOvr>
+    <a:masterClrMapping/>
+  </p:clrMapOvr>
+</p:sld>
+</file>
+
+<file path=ppt/slides/slide36.xml><?xml version="1.0" encoding="utf-8"?>
+<p:sld xmlns:a="http://schemas.openxmlformats.org/drawingml/2006/main" xmlns:r="http://schemas.openxmlformats.org/officeDocument/2006/relationships" xmlns:p="http://schemas.openxmlformats.org/presentationml/2006/main">
+  <p:cSld>
+    <p:spTree>
+      <p:nvGrpSpPr>
+        <p:cNvPr id="1" name=""/>
+        <p:cNvGrpSpPr/>
+        <p:nvPr/>
+      </p:nvGrpSpPr>
+      <p:grpSpPr>
+        <a:xfrm>
+          <a:off x="0" y="0"/>
+          <a:ext cx="0" cy="0"/>
+          <a:chOff x="0" y="0"/>
+          <a:chExt cx="0" cy="0"/>
+        </a:xfrm>
+      </p:grpSpPr>
+      <p:sp>
+        <p:nvSpPr>
+          <p:cNvPr id="2" name="矩形 1">
+            <a:extLst>
+              <a:ext uri="{FF2B5EF4-FFF2-40B4-BE49-F238E27FC236}">
+                <a16:creationId xmlns:a16="http://schemas.microsoft.com/office/drawing/2014/main" id="{88895B90-59DE-5D12-9A21-D6FA8289014A}"/>
+              </a:ext>
+            </a:extLst>
+          </p:cNvPr>
+          <p:cNvSpPr/>
+          <p:nvPr/>
+        </p:nvSpPr>
+        <p:spPr>
+          <a:xfrm>
+            <a:off x="1727201" y="0"/>
+            <a:ext cx="8737598" cy="6858000"/>
+          </a:xfrm>
+          <a:prstGeom prst="rect">
+            <a:avLst/>
+          </a:prstGeom>
+          <a:solidFill>
+            <a:schemeClr val="bg1"/>
+          </a:solidFill>
+          <a:ln>
+            <a:noFill/>
+          </a:ln>
+        </p:spPr>
+        <p:style>
+          <a:lnRef idx="2">
+            <a:schemeClr val="accent1">
+              <a:shade val="15000"/>
+            </a:schemeClr>
+          </a:lnRef>
+          <a:fillRef idx="1">
+            <a:schemeClr val="accent1"/>
+          </a:fillRef>
+          <a:effectRef idx="0">
+            <a:schemeClr val="accent1"/>
+          </a:effectRef>
+          <a:fontRef idx="minor">
+            <a:schemeClr val="lt1"/>
+          </a:fontRef>
+        </p:style>
+        <p:txBody>
+          <a:bodyPr rtlCol="0" anchor="ctr"/>
+          <a:lstStyle/>
+          <a:p>
+            <a:pPr algn="ctr"/>
+            <a:endParaRPr lang="zh-TW" altLang="en-US"/>
+          </a:p>
+        </p:txBody>
+      </p:sp>
+    </p:spTree>
+    <p:extLst>
+      <p:ext uri="{BB962C8B-B14F-4D97-AF65-F5344CB8AC3E}">
+        <p14:creationId xmlns:p14="http://schemas.microsoft.com/office/powerpoint/2010/main" val="4078487598"/>
+      </p:ext>
+    </p:extLst>
+  </p:cSld>
+  <p:clrMapOvr>
+    <a:masterClrMapping/>
+  </p:clrMapOvr>
+</p:sld>
+</file>
+
+<file path=ppt/slides/slide37.xml><?xml version="1.0" encoding="utf-8"?>
+<p:sld xmlns:a="http://schemas.openxmlformats.org/drawingml/2006/main" xmlns:r="http://schemas.openxmlformats.org/officeDocument/2006/relationships" xmlns:p="http://schemas.openxmlformats.org/presentationml/2006/main">
+  <p:cSld>
+    <p:spTree>
+      <p:nvGrpSpPr>
+        <p:cNvPr id="1" name=""/>
+        <p:cNvGrpSpPr/>
+        <p:nvPr/>
+      </p:nvGrpSpPr>
+      <p:grpSpPr>
+        <a:xfrm>
+          <a:off x="0" y="0"/>
+          <a:ext cx="0" cy="0"/>
+          <a:chOff x="0" y="0"/>
+          <a:chExt cx="0" cy="0"/>
+        </a:xfrm>
+      </p:grpSpPr>
+      <p:sp>
+        <p:nvSpPr>
+          <p:cNvPr id="2" name="矩形 1">
+            <a:extLst>
+              <a:ext uri="{FF2B5EF4-FFF2-40B4-BE49-F238E27FC236}">
+                <a16:creationId xmlns:a16="http://schemas.microsoft.com/office/drawing/2014/main" id="{88895B90-59DE-5D12-9A21-D6FA8289014A}"/>
+              </a:ext>
+            </a:extLst>
+          </p:cNvPr>
+          <p:cNvSpPr/>
+          <p:nvPr/>
+        </p:nvSpPr>
+        <p:spPr>
+          <a:xfrm>
+            <a:off x="1727201" y="0"/>
+            <a:ext cx="8737598" cy="6858000"/>
+          </a:xfrm>
+          <a:prstGeom prst="rect">
+            <a:avLst/>
+          </a:prstGeom>
+          <a:solidFill>
+            <a:schemeClr val="bg1"/>
+          </a:solidFill>
+          <a:ln>
+            <a:noFill/>
+          </a:ln>
+        </p:spPr>
+        <p:style>
+          <a:lnRef idx="2">
+            <a:schemeClr val="accent1">
+              <a:shade val="15000"/>
+            </a:schemeClr>
+          </a:lnRef>
+          <a:fillRef idx="1">
+            <a:schemeClr val="accent1"/>
+          </a:fillRef>
+          <a:effectRef idx="0">
+            <a:schemeClr val="accent1"/>
+          </a:effectRef>
+          <a:fontRef idx="minor">
+            <a:schemeClr val="lt1"/>
+          </a:fontRef>
+        </p:style>
+        <p:txBody>
+          <a:bodyPr rtlCol="0" anchor="ctr"/>
+          <a:lstStyle/>
+          <a:p>
+            <a:pPr algn="ctr"/>
+            <a:endParaRPr lang="zh-TW" altLang="en-US"/>
+          </a:p>
+        </p:txBody>
+      </p:sp>
+    </p:spTree>
+    <p:extLst>
+      <p:ext uri="{BB962C8B-B14F-4D97-AF65-F5344CB8AC3E}">
+        <p14:creationId xmlns:p14="http://schemas.microsoft.com/office/powerpoint/2010/main" val="2728522074"/>
+      </p:ext>
+    </p:extLst>
+  </p:cSld>
+  <p:clrMapOvr>
+    <a:masterClrMapping/>
+  </p:clrMapOvr>
+</p:sld>
+</file>
+
+<file path=ppt/slides/slide38.xml><?xml version="1.0" encoding="utf-8"?>
+<p:sld xmlns:a="http://schemas.openxmlformats.org/drawingml/2006/main" xmlns:r="http://schemas.openxmlformats.org/officeDocument/2006/relationships" xmlns:p="http://schemas.openxmlformats.org/presentationml/2006/main">
+  <p:cSld>
+    <p:spTree>
+      <p:nvGrpSpPr>
+        <p:cNvPr id="1" name=""/>
+        <p:cNvGrpSpPr/>
+        <p:nvPr/>
+      </p:nvGrpSpPr>
+      <p:grpSpPr>
+        <a:xfrm>
+          <a:off x="0" y="0"/>
+          <a:ext cx="0" cy="0"/>
+          <a:chOff x="0" y="0"/>
+          <a:chExt cx="0" cy="0"/>
+        </a:xfrm>
+      </p:grpSpPr>
+      <p:sp>
+        <p:nvSpPr>
+          <p:cNvPr id="2" name="矩形 1">
+            <a:extLst>
+              <a:ext uri="{FF2B5EF4-FFF2-40B4-BE49-F238E27FC236}">
+                <a16:creationId xmlns:a16="http://schemas.microsoft.com/office/drawing/2014/main" id="{88895B90-59DE-5D12-9A21-D6FA8289014A}"/>
+              </a:ext>
+            </a:extLst>
+          </p:cNvPr>
+          <p:cNvSpPr/>
+          <p:nvPr/>
+        </p:nvSpPr>
+        <p:spPr>
+          <a:xfrm>
+            <a:off x="1727201" y="0"/>
+            <a:ext cx="8737598" cy="6858000"/>
+          </a:xfrm>
+          <a:prstGeom prst="rect">
+            <a:avLst/>
+          </a:prstGeom>
+          <a:solidFill>
+            <a:schemeClr val="bg1"/>
+          </a:solidFill>
+          <a:ln>
+            <a:noFill/>
+          </a:ln>
+        </p:spPr>
+        <p:style>
+          <a:lnRef idx="2">
+            <a:schemeClr val="accent1">
+              <a:shade val="15000"/>
+            </a:schemeClr>
+          </a:lnRef>
+          <a:fillRef idx="1">
+            <a:schemeClr val="accent1"/>
+          </a:fillRef>
+          <a:effectRef idx="0">
+            <a:schemeClr val="accent1"/>
+          </a:effectRef>
+          <a:fontRef idx="minor">
+            <a:schemeClr val="lt1"/>
+          </a:fontRef>
+        </p:style>
+        <p:txBody>
+          <a:bodyPr rtlCol="0" anchor="ctr"/>
+          <a:lstStyle/>
+          <a:p>
+            <a:pPr algn="ctr"/>
+            <a:endParaRPr lang="zh-TW" altLang="en-US"/>
+          </a:p>
+        </p:txBody>
+      </p:sp>
+    </p:spTree>
+    <p:extLst>
+      <p:ext uri="{BB962C8B-B14F-4D97-AF65-F5344CB8AC3E}">
+        <p14:creationId xmlns:p14="http://schemas.microsoft.com/office/powerpoint/2010/main" val="2645385624"/>
+      </p:ext>
+    </p:extLst>
+  </p:cSld>
+  <p:clrMapOvr>
+    <a:masterClrMapping/>
+  </p:clrMapOvr>
+</p:sld>
+</file>
+
+<file path=ppt/slides/slide39.xml><?xml version="1.0" encoding="utf-8"?>
+<p:sld xmlns:a="http://schemas.openxmlformats.org/drawingml/2006/main" xmlns:r="http://schemas.openxmlformats.org/officeDocument/2006/relationships" xmlns:p="http://schemas.openxmlformats.org/presentationml/2006/main">
+  <p:cSld>
+    <p:spTree>
+      <p:nvGrpSpPr>
+        <p:cNvPr id="1" name=""/>
+        <p:cNvGrpSpPr/>
+        <p:nvPr/>
+      </p:nvGrpSpPr>
+      <p:grpSpPr>
+        <a:xfrm>
+          <a:off x="0" y="0"/>
+          <a:ext cx="0" cy="0"/>
+          <a:chOff x="0" y="0"/>
+          <a:chExt cx="0" cy="0"/>
+        </a:xfrm>
+      </p:grpSpPr>
+      <p:sp>
+        <p:nvSpPr>
+          <p:cNvPr id="2" name="矩形 1">
+            <a:extLst>
+              <a:ext uri="{FF2B5EF4-FFF2-40B4-BE49-F238E27FC236}">
+                <a16:creationId xmlns:a16="http://schemas.microsoft.com/office/drawing/2014/main" id="{88895B90-59DE-5D12-9A21-D6FA8289014A}"/>
+              </a:ext>
+            </a:extLst>
+          </p:cNvPr>
+          <p:cNvSpPr/>
+          <p:nvPr/>
+        </p:nvSpPr>
+        <p:spPr>
+          <a:xfrm>
+            <a:off x="1727201" y="0"/>
+            <a:ext cx="8737598" cy="6858000"/>
+          </a:xfrm>
+          <a:prstGeom prst="rect">
+            <a:avLst/>
+          </a:prstGeom>
+          <a:solidFill>
+            <a:schemeClr val="bg1"/>
+          </a:solidFill>
+          <a:ln>
+            <a:noFill/>
+          </a:ln>
+        </p:spPr>
+        <p:style>
+          <a:lnRef idx="2">
+            <a:schemeClr val="accent1">
+              <a:shade val="15000"/>
+            </a:schemeClr>
+          </a:lnRef>
+          <a:fillRef idx="1">
+            <a:schemeClr val="accent1"/>
+          </a:fillRef>
+          <a:effectRef idx="0">
+            <a:schemeClr val="accent1"/>
+          </a:effectRef>
+          <a:fontRef idx="minor">
+            <a:schemeClr val="lt1"/>
+          </a:fontRef>
+        </p:style>
+        <p:txBody>
+          <a:bodyPr rtlCol="0" anchor="ctr"/>
+          <a:lstStyle/>
+          <a:p>
+            <a:pPr algn="ctr"/>
+            <a:endParaRPr lang="zh-TW" altLang="en-US"/>
+          </a:p>
+        </p:txBody>
+      </p:sp>
+    </p:spTree>
+    <p:extLst>
+      <p:ext uri="{BB962C8B-B14F-4D97-AF65-F5344CB8AC3E}">
+        <p14:creationId xmlns:p14="http://schemas.microsoft.com/office/powerpoint/2010/main" val="159788534"/>
+      </p:ext>
+    </p:extLst>
+  </p:cSld>
+  <p:clrMapOvr>
+    <a:masterClrMapping/>
+  </p:clrMapOvr>
+</p:sld>
+</file>
+
+<file path=ppt/slides/slide4.xml><?xml version="1.0" encoding="utf-8"?>
+<p:sld xmlns:a="http://schemas.openxmlformats.org/drawingml/2006/main" xmlns:r="http://schemas.openxmlformats.org/officeDocument/2006/relationships" xmlns:p="http://schemas.openxmlformats.org/presentationml/2006/main">
+  <p:cSld>
+    <p:spTree>
+      <p:nvGrpSpPr>
+        <p:cNvPr id="1" name=""/>
+        <p:cNvGrpSpPr/>
+        <p:nvPr/>
+      </p:nvGrpSpPr>
+      <p:grpSpPr>
+        <a:xfrm>
+          <a:off x="0" y="0"/>
+          <a:ext cx="0" cy="0"/>
+          <a:chOff x="0" y="0"/>
+          <a:chExt cx="0" cy="0"/>
+        </a:xfrm>
+      </p:grpSpPr>
+      <p:pic>
+        <p:nvPicPr>
+          <p:cNvPr id="5" name="圖片 4" descr="一張含有 圓形, 設計, 卡通 的圖片&#10;&#10;自動產生的描述">
+            <a:extLst>
+              <a:ext uri="{FF2B5EF4-FFF2-40B4-BE49-F238E27FC236}">
+                <a16:creationId xmlns:a16="http://schemas.microsoft.com/office/drawing/2014/main" id="{17C1101B-3306-31A6-A321-6D525CF9A10C}"/>
+              </a:ext>
+            </a:extLst>
+          </p:cNvPr>
+          <p:cNvPicPr>
+            <a:picLocks noChangeAspect="1"/>
+          </p:cNvPicPr>
+          <p:nvPr/>
+        </p:nvPicPr>
+        <p:blipFill>
+          <a:blip r:embed="rId2">
+            <a:duotone>
+              <a:schemeClr val="accent5">
+                <a:shade val="45000"/>
+                <a:satMod val="135000"/>
+              </a:schemeClr>
+              <a:prstClr val="white"/>
+            </a:duotone>
+            <a:extLst>
+              <a:ext uri="{BEBA8EAE-BF5A-486C-A8C5-ECC9F3942E4B}">
+                <a14:imgProps xmlns:a14="http://schemas.microsoft.com/office/drawing/2010/main">
+                  <a14:imgLayer r:embed="rId3">
+                    <a14:imgEffect>
+                      <a14:saturation sat="0"/>
+                    </a14:imgEffect>
+                  </a14:imgLayer>
+                </a14:imgProps>
+              </a:ext>
+              <a:ext uri="{28A0092B-C50C-407E-A947-70E740481C1C}">
+                <a14:useLocalDpi xmlns:a14="http://schemas.microsoft.com/office/drawing/2010/main" val="0"/>
+              </a:ext>
+            </a:extLst>
+          </a:blip>
+          <a:stretch>
+            <a:fillRect/>
+          </a:stretch>
+        </p:blipFill>
+        <p:spPr>
+          <a:xfrm>
+            <a:off x="2667000" y="0"/>
+            <a:ext cx="6858000" cy="6858000"/>
+          </a:xfrm>
+          <a:prstGeom prst="rect">
+            <a:avLst/>
+          </a:prstGeom>
+        </p:spPr>
+      </p:pic>
+      <p:sp>
+        <p:nvSpPr>
+          <p:cNvPr id="6" name="矩形 5">
+            <a:extLst>
+              <a:ext uri="{FF2B5EF4-FFF2-40B4-BE49-F238E27FC236}">
+                <a16:creationId xmlns:a16="http://schemas.microsoft.com/office/drawing/2014/main" id="{EFBB008E-ECBC-C863-DEF7-A713C27398FB}"/>
+              </a:ext>
+            </a:extLst>
+          </p:cNvPr>
+          <p:cNvSpPr/>
+          <p:nvPr/>
+        </p:nvSpPr>
+        <p:spPr>
+          <a:xfrm>
+            <a:off x="8021052" y="5991726"/>
+            <a:ext cx="1503947" cy="866274"/>
+          </a:xfrm>
+          <a:prstGeom prst="rect">
+            <a:avLst/>
+          </a:prstGeom>
+          <a:solidFill>
+            <a:schemeClr val="bg1"/>
+          </a:solidFill>
+          <a:ln>
+            <a:noFill/>
+          </a:ln>
+        </p:spPr>
+        <p:style>
+          <a:lnRef idx="2">
+            <a:schemeClr val="accent1">
+              <a:shade val="15000"/>
+            </a:schemeClr>
+          </a:lnRef>
+          <a:fillRef idx="1">
+            <a:schemeClr val="accent1"/>
+          </a:fillRef>
+          <a:effectRef idx="0">
+            <a:schemeClr val="accent1"/>
+          </a:effectRef>
+          <a:fontRef idx="minor">
+            <a:schemeClr val="lt1"/>
+          </a:fontRef>
+        </p:style>
+        <p:txBody>
+          <a:bodyPr rtlCol="0" anchor="ctr"/>
+          <a:lstStyle/>
+          <a:p>
+            <a:pPr algn="ctr"/>
+            <a:endParaRPr lang="zh-TW" altLang="en-US"/>
+          </a:p>
+        </p:txBody>
+      </p:sp>
+    </p:spTree>
+    <p:extLst>
+      <p:ext uri="{BB962C8B-B14F-4D97-AF65-F5344CB8AC3E}">
+        <p14:creationId xmlns:p14="http://schemas.microsoft.com/office/powerpoint/2010/main" val="2254224778"/>
+      </p:ext>
+    </p:extLst>
+  </p:cSld>
+  <p:clrMapOvr>
+    <a:masterClrMapping/>
+  </p:clrMapOvr>
+</p:sld>
+</file>
+
+<file path=ppt/slides/slide5.xml><?xml version="1.0" encoding="utf-8"?>
+<p:sld xmlns:a="http://schemas.openxmlformats.org/drawingml/2006/main" xmlns:r="http://schemas.openxmlformats.org/officeDocument/2006/relationships" xmlns:p="http://schemas.openxmlformats.org/presentationml/2006/main">
+  <p:cSld>
+    <p:spTree>
+      <p:nvGrpSpPr>
+        <p:cNvPr id="1" name=""/>
+        <p:cNvGrpSpPr/>
+        <p:nvPr/>
+      </p:nvGrpSpPr>
+      <p:grpSpPr>
+        <a:xfrm>
+          <a:off x="0" y="0"/>
+          <a:ext cx="0" cy="0"/>
+          <a:chOff x="0" y="0"/>
+          <a:chExt cx="0" cy="0"/>
+        </a:xfrm>
+      </p:grpSpPr>
+      <p:pic>
+        <p:nvPicPr>
+          <p:cNvPr id="3" name="圖片 2" descr="一張含有 圖表, 設計, 像素 的圖片&#10;&#10;自動產生的描述">
+            <a:extLst>
+              <a:ext uri="{FF2B5EF4-FFF2-40B4-BE49-F238E27FC236}">
+                <a16:creationId xmlns:a16="http://schemas.microsoft.com/office/drawing/2014/main" id="{0F40431E-C782-E629-5DEB-1065B9A59467}"/>
+              </a:ext>
+            </a:extLst>
+          </p:cNvPr>
+          <p:cNvPicPr>
+            <a:picLocks noChangeAspect="1"/>
+          </p:cNvPicPr>
+          <p:nvPr/>
+        </p:nvPicPr>
+        <p:blipFill>
+          <a:blip r:embed="rId2">
+            <a:duotone>
+              <a:schemeClr val="accent5">
+                <a:shade val="45000"/>
+                <a:satMod val="135000"/>
+              </a:schemeClr>
+              <a:prstClr val="white"/>
+            </a:duotone>
+            <a:extLst>
+              <a:ext uri="{BEBA8EAE-BF5A-486C-A8C5-ECC9F3942E4B}">
+                <a14:imgProps xmlns:a14="http://schemas.microsoft.com/office/drawing/2010/main">
+                  <a14:imgLayer r:embed="rId3">
+                    <a14:imgEffect>
+                      <a14:saturation sat="0"/>
+                    </a14:imgEffect>
+                  </a14:imgLayer>
+                </a14:imgProps>
+              </a:ext>
+              <a:ext uri="{28A0092B-C50C-407E-A947-70E740481C1C}">
+                <a14:useLocalDpi xmlns:a14="http://schemas.microsoft.com/office/drawing/2010/main" val="0"/>
+              </a:ext>
+            </a:extLst>
+          </a:blip>
+          <a:stretch>
+            <a:fillRect/>
+          </a:stretch>
+        </p:blipFill>
+        <p:spPr>
+          <a:xfrm>
+            <a:off x="2667000" y="0"/>
+            <a:ext cx="6858000" cy="6858000"/>
+          </a:xfrm>
+          <a:prstGeom prst="rect">
+            <a:avLst/>
+          </a:prstGeom>
+        </p:spPr>
+      </p:pic>
+      <p:sp>
+        <p:nvSpPr>
+          <p:cNvPr id="4" name="矩形 3">
+            <a:extLst>
+              <a:ext uri="{FF2B5EF4-FFF2-40B4-BE49-F238E27FC236}">
+                <a16:creationId xmlns:a16="http://schemas.microsoft.com/office/drawing/2014/main" id="{F45A0ACB-CA0E-E08A-BD1C-5DF0F0727950}"/>
+              </a:ext>
+            </a:extLst>
+          </p:cNvPr>
+          <p:cNvSpPr/>
+          <p:nvPr/>
+        </p:nvSpPr>
+        <p:spPr>
+          <a:xfrm>
+            <a:off x="8021052" y="5991726"/>
+            <a:ext cx="1503947" cy="866274"/>
+          </a:xfrm>
+          <a:prstGeom prst="rect">
+            <a:avLst/>
+          </a:prstGeom>
+          <a:solidFill>
+            <a:schemeClr val="bg1"/>
+          </a:solidFill>
+          <a:ln>
+            <a:noFill/>
+          </a:ln>
+        </p:spPr>
+        <p:style>
+          <a:lnRef idx="2">
+            <a:schemeClr val="accent1">
+              <a:shade val="15000"/>
+            </a:schemeClr>
+          </a:lnRef>
+          <a:fillRef idx="1">
+            <a:schemeClr val="accent1"/>
+          </a:fillRef>
+          <a:effectRef idx="0">
+            <a:schemeClr val="accent1"/>
+          </a:effectRef>
+          <a:fontRef idx="minor">
+            <a:schemeClr val="lt1"/>
+          </a:fontRef>
+        </p:style>
+        <p:txBody>
+          <a:bodyPr rtlCol="0" anchor="ctr"/>
+          <a:lstStyle/>
+          <a:p>
+            <a:pPr algn="ctr"/>
+            <a:endParaRPr lang="zh-TW" altLang="en-US"/>
+          </a:p>
+        </p:txBody>
+      </p:sp>
+    </p:spTree>
+    <p:extLst>
+      <p:ext uri="{BB962C8B-B14F-4D97-AF65-F5344CB8AC3E}">
+        <p14:creationId xmlns:p14="http://schemas.microsoft.com/office/powerpoint/2010/main" val="563366333"/>
+      </p:ext>
+    </p:extLst>
+  </p:cSld>
+  <p:clrMapOvr>
+    <a:masterClrMapping/>
+  </p:clrMapOvr>
+</p:sld>
+</file>
+
+<file path=ppt/slides/slide6.xml><?xml version="1.0" encoding="utf-8"?>
+<p:sld xmlns:a="http://schemas.openxmlformats.org/drawingml/2006/main" xmlns:r="http://schemas.openxmlformats.org/officeDocument/2006/relationships" xmlns:p="http://schemas.openxmlformats.org/presentationml/2006/main">
+  <p:cSld>
+    <p:spTree>
+      <p:nvGrpSpPr>
+        <p:cNvPr id="1" name=""/>
+        <p:cNvGrpSpPr/>
+        <p:nvPr/>
+      </p:nvGrpSpPr>
+      <p:grpSpPr>
+        <a:xfrm>
+          <a:off x="0" y="0"/>
+          <a:ext cx="0" cy="0"/>
+          <a:chOff x="0" y="0"/>
+          <a:chExt cx="0" cy="0"/>
+        </a:xfrm>
+      </p:grpSpPr>
+      <p:pic>
+        <p:nvPicPr>
+          <p:cNvPr id="3" name="圖片 2" descr="一張含有 設計, 文字, 圖表, 螢幕擷取畫面 的圖片&#10;&#10;自動產生的描述">
+            <a:extLst>
+              <a:ext uri="{FF2B5EF4-FFF2-40B4-BE49-F238E27FC236}">
+                <a16:creationId xmlns:a16="http://schemas.microsoft.com/office/drawing/2014/main" id="{AF2EFDF1-5376-20B3-7623-91FEEA3A54AA}"/>
+              </a:ext>
+            </a:extLst>
+          </p:cNvPr>
+          <p:cNvPicPr>
+            <a:picLocks noChangeAspect="1"/>
+          </p:cNvPicPr>
+          <p:nvPr/>
+        </p:nvPicPr>
+        <p:blipFill>
+          <a:blip r:embed="rId2">
+            <a:duotone>
+              <a:schemeClr val="accent5">
+                <a:shade val="45000"/>
+                <a:satMod val="135000"/>
+              </a:schemeClr>
+              <a:prstClr val="white"/>
+            </a:duotone>
+            <a:extLst>
+              <a:ext uri="{BEBA8EAE-BF5A-486C-A8C5-ECC9F3942E4B}">
+                <a14:imgProps xmlns:a14="http://schemas.microsoft.com/office/drawing/2010/main">
+                  <a14:imgLayer r:embed="rId3">
+                    <a14:imgEffect>
+                      <a14:saturation sat="0"/>
+                    </a14:imgEffect>
+                  </a14:imgLayer>
+                </a14:imgProps>
+              </a:ext>
+              <a:ext uri="{28A0092B-C50C-407E-A947-70E740481C1C}">
+                <a14:useLocalDpi xmlns:a14="http://schemas.microsoft.com/office/drawing/2010/main" val="0"/>
+              </a:ext>
+            </a:extLst>
+          </a:blip>
+          <a:stretch>
+            <a:fillRect/>
+          </a:stretch>
+        </p:blipFill>
+        <p:spPr>
+          <a:xfrm>
+            <a:off x="2667000" y="0"/>
+            <a:ext cx="6858000" cy="6858000"/>
+          </a:xfrm>
+          <a:prstGeom prst="rect">
+            <a:avLst/>
+          </a:prstGeom>
+        </p:spPr>
+      </p:pic>
+      <p:sp>
+        <p:nvSpPr>
+          <p:cNvPr id="4" name="矩形 3">
+            <a:extLst>
+              <a:ext uri="{FF2B5EF4-FFF2-40B4-BE49-F238E27FC236}">
+                <a16:creationId xmlns:a16="http://schemas.microsoft.com/office/drawing/2014/main" id="{08E7AE8D-5761-75AD-3BC6-A062913031CF}"/>
+              </a:ext>
+            </a:extLst>
+          </p:cNvPr>
+          <p:cNvSpPr/>
+          <p:nvPr/>
+        </p:nvSpPr>
+        <p:spPr>
+          <a:xfrm>
+            <a:off x="8021052" y="5991726"/>
+            <a:ext cx="1503947" cy="866274"/>
+          </a:xfrm>
+          <a:prstGeom prst="rect">
+            <a:avLst/>
+          </a:prstGeom>
+          <a:solidFill>
+            <a:schemeClr val="bg1"/>
+          </a:solidFill>
+          <a:ln>
+            <a:noFill/>
+          </a:ln>
+        </p:spPr>
+        <p:style>
+          <a:lnRef idx="2">
+            <a:schemeClr val="accent1">
+              <a:shade val="15000"/>
+            </a:schemeClr>
+          </a:lnRef>
+          <a:fillRef idx="1">
+            <a:schemeClr val="accent1"/>
+          </a:fillRef>
+          <a:effectRef idx="0">
+            <a:schemeClr val="accent1"/>
+          </a:effectRef>
+          <a:fontRef idx="minor">
+            <a:schemeClr val="lt1"/>
+          </a:fontRef>
+        </p:style>
+        <p:txBody>
+          <a:bodyPr rtlCol="0" anchor="ctr"/>
+          <a:lstStyle/>
+          <a:p>
+            <a:pPr algn="ctr"/>
+            <a:endParaRPr lang="zh-TW" altLang="en-US"/>
+          </a:p>
+        </p:txBody>
+      </p:sp>
+    </p:spTree>
+    <p:extLst>
+      <p:ext uri="{BB962C8B-B14F-4D97-AF65-F5344CB8AC3E}">
+        <p14:creationId xmlns:p14="http://schemas.microsoft.com/office/powerpoint/2010/main" val="2931459424"/>
+      </p:ext>
+    </p:extLst>
+  </p:cSld>
+  <p:clrMapOvr>
+    <a:masterClrMapping/>
+  </p:clrMapOvr>
+</p:sld>
+</file>
+
+<file path=ppt/slides/slide7.xml><?xml version="1.0" encoding="utf-8"?>
+<p:sld xmlns:a="http://schemas.openxmlformats.org/drawingml/2006/main" xmlns:r="http://schemas.openxmlformats.org/officeDocument/2006/relationships" xmlns:p="http://schemas.openxmlformats.org/presentationml/2006/main">
+  <p:cSld>
+    <p:spTree>
+      <p:nvGrpSpPr>
+        <p:cNvPr id="1" name=""/>
+        <p:cNvGrpSpPr/>
+        <p:nvPr/>
+      </p:nvGrpSpPr>
+      <p:grpSpPr>
+        <a:xfrm>
+          <a:off x="0" y="0"/>
+          <a:ext cx="0" cy="0"/>
+          <a:chOff x="0" y="0"/>
+          <a:chExt cx="0" cy="0"/>
+        </a:xfrm>
+      </p:grpSpPr>
+      <p:pic>
+        <p:nvPicPr>
+          <p:cNvPr id="3" name="圖片 2" descr="一張含有 寫生, 符號, 標誌, 設計 的圖片&#10;&#10;自動產生的描述">
+            <a:extLst>
+              <a:ext uri="{FF2B5EF4-FFF2-40B4-BE49-F238E27FC236}">
+                <a16:creationId xmlns:a16="http://schemas.microsoft.com/office/drawing/2014/main" id="{D54BF2EF-58C2-FDF6-046F-1C1527B89A5B}"/>
+              </a:ext>
+            </a:extLst>
+          </p:cNvPr>
+          <p:cNvPicPr>
+            <a:picLocks noChangeAspect="1"/>
+          </p:cNvPicPr>
+          <p:nvPr/>
+        </p:nvPicPr>
+        <p:blipFill>
+          <a:blip r:embed="rId2">
+            <a:duotone>
+              <a:schemeClr val="accent5">
+                <a:shade val="45000"/>
+                <a:satMod val="135000"/>
+              </a:schemeClr>
+              <a:prstClr val="white"/>
+            </a:duotone>
+            <a:extLst>
+              <a:ext uri="{BEBA8EAE-BF5A-486C-A8C5-ECC9F3942E4B}">
+                <a14:imgProps xmlns:a14="http://schemas.microsoft.com/office/drawing/2010/main">
+                  <a14:imgLayer r:embed="rId3">
+                    <a14:imgEffect>
+                      <a14:saturation sat="0"/>
+                    </a14:imgEffect>
+                  </a14:imgLayer>
+                </a14:imgProps>
+              </a:ext>
+              <a:ext uri="{28A0092B-C50C-407E-A947-70E740481C1C}">
+                <a14:useLocalDpi xmlns:a14="http://schemas.microsoft.com/office/drawing/2010/main" val="0"/>
+              </a:ext>
+            </a:extLst>
+          </a:blip>
+          <a:stretch>
+            <a:fillRect/>
+          </a:stretch>
+        </p:blipFill>
+        <p:spPr>
+          <a:xfrm>
+            <a:off x="2667000" y="0"/>
+            <a:ext cx="6858000" cy="6858000"/>
+          </a:xfrm>
+          <a:prstGeom prst="rect">
+            <a:avLst/>
+          </a:prstGeom>
+        </p:spPr>
+      </p:pic>
+      <p:sp>
+        <p:nvSpPr>
+          <p:cNvPr id="4" name="矩形 3">
+            <a:extLst>
+              <a:ext uri="{FF2B5EF4-FFF2-40B4-BE49-F238E27FC236}">
+                <a16:creationId xmlns:a16="http://schemas.microsoft.com/office/drawing/2014/main" id="{57C835E9-3E46-9092-35FE-2ABBB572B8EB}"/>
+              </a:ext>
+            </a:extLst>
+          </p:cNvPr>
+          <p:cNvSpPr/>
+          <p:nvPr/>
+        </p:nvSpPr>
+        <p:spPr>
+          <a:xfrm>
+            <a:off x="8021052" y="5991726"/>
+            <a:ext cx="1503947" cy="866274"/>
+          </a:xfrm>
+          <a:prstGeom prst="rect">
+            <a:avLst/>
+          </a:prstGeom>
+          <a:solidFill>
+            <a:schemeClr val="bg1"/>
+          </a:solidFill>
+          <a:ln>
+            <a:noFill/>
+          </a:ln>
+        </p:spPr>
+        <p:style>
+          <a:lnRef idx="2">
+            <a:schemeClr val="accent1">
+              <a:shade val="15000"/>
+            </a:schemeClr>
+          </a:lnRef>
+          <a:fillRef idx="1">
+            <a:schemeClr val="accent1"/>
+          </a:fillRef>
+          <a:effectRef idx="0">
+            <a:schemeClr val="accent1"/>
+          </a:effectRef>
+          <a:fontRef idx="minor">
+            <a:schemeClr val="lt1"/>
+          </a:fontRef>
+        </p:style>
+        <p:txBody>
+          <a:bodyPr rtlCol="0" anchor="ctr"/>
+          <a:lstStyle/>
+          <a:p>
+            <a:pPr algn="ctr"/>
+            <a:endParaRPr lang="zh-TW" altLang="en-US"/>
+          </a:p>
+        </p:txBody>
+      </p:sp>
+    </p:spTree>
+    <p:extLst>
+      <p:ext uri="{BB962C8B-B14F-4D97-AF65-F5344CB8AC3E}">
+        <p14:creationId xmlns:p14="http://schemas.microsoft.com/office/powerpoint/2010/main" val="2743179599"/>
+      </p:ext>
+    </p:extLst>
+  </p:cSld>
+  <p:clrMapOvr>
+    <a:masterClrMapping/>
+  </p:clrMapOvr>
+</p:sld>
+</file>
+
+<file path=ppt/slides/slide8.xml><?xml version="1.0" encoding="utf-8"?>
+<p:sld xmlns:a="http://schemas.openxmlformats.org/drawingml/2006/main" xmlns:r="http://schemas.openxmlformats.org/officeDocument/2006/relationships" xmlns:p="http://schemas.openxmlformats.org/presentationml/2006/main">
+  <p:cSld>
+    <p:spTree>
+      <p:nvGrpSpPr>
+        <p:cNvPr id="1" name=""/>
+        <p:cNvGrpSpPr/>
+        <p:nvPr/>
+      </p:nvGrpSpPr>
+      <p:grpSpPr>
+        <a:xfrm>
+          <a:off x="0" y="0"/>
+          <a:ext cx="0" cy="0"/>
+          <a:chOff x="0" y="0"/>
+          <a:chExt cx="0" cy="0"/>
+        </a:xfrm>
+      </p:grpSpPr>
+      <p:pic>
+        <p:nvPicPr>
+          <p:cNvPr id="7" name="圖片 6" descr="一張含有 電子藍, 設計 的圖片&#10;&#10;自動產生的描述">
+            <a:extLst>
+              <a:ext uri="{FF2B5EF4-FFF2-40B4-BE49-F238E27FC236}">
+                <a16:creationId xmlns:a16="http://schemas.microsoft.com/office/drawing/2014/main" id="{8A2FA9C4-6B59-B654-D1AF-F14A62ABD58A}"/>
+              </a:ext>
+            </a:extLst>
+          </p:cNvPr>
+          <p:cNvPicPr>
+            <a:picLocks noChangeAspect="1"/>
+          </p:cNvPicPr>
+          <p:nvPr/>
+        </p:nvPicPr>
+        <p:blipFill>
+          <a:blip r:embed="rId2">
+            <a:duotone>
+              <a:schemeClr val="accent5">
+                <a:shade val="45000"/>
+                <a:satMod val="135000"/>
+              </a:schemeClr>
+              <a:prstClr val="white"/>
+            </a:duotone>
+            <a:extLst>
+              <a:ext uri="{28A0092B-C50C-407E-A947-70E740481C1C}">
+                <a14:useLocalDpi xmlns:a14="http://schemas.microsoft.com/office/drawing/2010/main" val="0"/>
+              </a:ext>
+            </a:extLst>
+          </a:blip>
+          <a:stretch>
+            <a:fillRect/>
+          </a:stretch>
+        </p:blipFill>
+        <p:spPr>
+          <a:xfrm>
+            <a:off x="1727200" y="0"/>
+            <a:ext cx="8737600" cy="6858000"/>
+          </a:xfrm>
+          <a:prstGeom prst="rect">
+            <a:avLst/>
+          </a:prstGeom>
+        </p:spPr>
+      </p:pic>
+    </p:spTree>
+    <p:extLst>
+      <p:ext uri="{BB962C8B-B14F-4D97-AF65-F5344CB8AC3E}">
+        <p14:creationId xmlns:p14="http://schemas.microsoft.com/office/powerpoint/2010/main" val="487284852"/>
+      </p:ext>
+    </p:extLst>
+  </p:cSld>
+  <p:clrMapOvr>
+    <a:masterClrMapping/>
+  </p:clrMapOvr>
+</p:sld>
+</file>
+
+<file path=ppt/slides/slide9.xml><?xml version="1.0" encoding="utf-8"?>
+<p:sld xmlns:a="http://schemas.openxmlformats.org/drawingml/2006/main" xmlns:r="http://schemas.openxmlformats.org/officeDocument/2006/relationships" xmlns:p="http://schemas.openxmlformats.org/presentationml/2006/main">
+  <p:cSld>
+    <p:spTree>
+      <p:nvGrpSpPr>
+        <p:cNvPr id="1" name=""/>
+        <p:cNvGrpSpPr/>
+        <p:nvPr/>
+      </p:nvGrpSpPr>
+      <p:grpSpPr>
+        <a:xfrm>
+          <a:off x="0" y="0"/>
+          <a:ext cx="0" cy="0"/>
+          <a:chOff x="0" y="0"/>
+          <a:chExt cx="0" cy="0"/>
+        </a:xfrm>
+      </p:grpSpPr>
+      <p:grpSp>
+        <p:nvGrpSpPr>
+          <p:cNvPr id="8" name="群組 7">
+            <a:extLst>
+              <a:ext uri="{FF2B5EF4-FFF2-40B4-BE49-F238E27FC236}">
+                <a16:creationId xmlns:a16="http://schemas.microsoft.com/office/drawing/2014/main" id="{8EAAC319-12D8-CC3D-070E-7E56DE72E924}"/>
+              </a:ext>
+            </a:extLst>
+          </p:cNvPr>
+          <p:cNvGrpSpPr/>
+          <p:nvPr/>
+        </p:nvGrpSpPr>
+        <p:grpSpPr>
+          <a:xfrm>
+            <a:off x="2410639" y="-222837"/>
+            <a:ext cx="6701275" cy="5259724"/>
+            <a:chOff x="3512049" y="386764"/>
+            <a:chExt cx="4392114" cy="3447299"/>
+          </a:xfrm>
+        </p:grpSpPr>
+        <p:sp>
+          <p:nvSpPr>
+            <p:cNvPr id="7" name="矩形 6">
+              <a:extLst>
+                <a:ext uri="{FF2B5EF4-FFF2-40B4-BE49-F238E27FC236}">
+                  <a16:creationId xmlns:a16="http://schemas.microsoft.com/office/drawing/2014/main" id="{DF1C0547-1015-84CC-3DD5-A650649EA693}"/>
+                </a:ext>
+              </a:extLst>
+            </p:cNvPr>
+            <p:cNvSpPr/>
+            <p:nvPr/>
+          </p:nvSpPr>
+          <p:spPr>
+            <a:xfrm>
+              <a:off x="3512049" y="386764"/>
+              <a:ext cx="4392114" cy="3447299"/>
+            </a:xfrm>
+            <a:prstGeom prst="rect">
+              <a:avLst/>
+            </a:prstGeom>
+            <a:solidFill>
+              <a:schemeClr val="bg1"/>
+            </a:solidFill>
+            <a:ln>
+              <a:noFill/>
+            </a:ln>
+          </p:spPr>
+          <p:style>
+            <a:lnRef idx="2">
+              <a:schemeClr val="accent1">
+                <a:shade val="15000"/>
+              </a:schemeClr>
+            </a:lnRef>
+            <a:fillRef idx="1">
+              <a:schemeClr val="accent1"/>
+            </a:fillRef>
+            <a:effectRef idx="0">
+              <a:schemeClr val="accent1"/>
+            </a:effectRef>
+            <a:fontRef idx="minor">
+              <a:schemeClr val="lt1"/>
+            </a:fontRef>
+          </p:style>
+          <p:txBody>
+            <a:bodyPr rtlCol="0" anchor="ctr"/>
+            <a:lstStyle/>
+            <a:p>
+              <a:pPr algn="ctr"/>
+              <a:endParaRPr lang="zh-TW" altLang="en-US"/>
+            </a:p>
+          </p:txBody>
+        </p:sp>
+        <p:pic>
+          <p:nvPicPr>
+            <p:cNvPr id="3" name="圖片 2" descr="一張含有 圖形, 標誌, 設計 的圖片&#10;&#10;自動產生的描述">
+              <a:extLst>
+                <a:ext uri="{FF2B5EF4-FFF2-40B4-BE49-F238E27FC236}">
+                  <a16:creationId xmlns:a16="http://schemas.microsoft.com/office/drawing/2014/main" id="{B580118D-590E-9682-1DE9-DF7A3BB3B261}"/>
+                </a:ext>
+              </a:extLst>
+            </p:cNvPr>
+            <p:cNvPicPr>
+              <a:picLocks noChangeAspect="1"/>
+            </p:cNvPicPr>
+            <p:nvPr/>
+          </p:nvPicPr>
+          <p:blipFill>
+            <a:blip r:embed="rId2">
+              <a:extLst>
+                <a:ext uri="{28A0092B-C50C-407E-A947-70E740481C1C}">
+                  <a14:useLocalDpi xmlns:a14="http://schemas.microsoft.com/office/drawing/2010/main" val="0"/>
+                </a:ext>
+              </a:extLst>
+            </a:blip>
+            <a:stretch>
+              <a:fillRect/>
+            </a:stretch>
+          </p:blipFill>
+          <p:spPr>
+            <a:xfrm>
+              <a:off x="3645756" y="1387623"/>
+              <a:ext cx="2157401" cy="1435788"/>
+            </a:xfrm>
+            <a:prstGeom prst="rect">
+              <a:avLst/>
+            </a:prstGeom>
+          </p:spPr>
+        </p:pic>
+        <p:pic>
+          <p:nvPicPr>
+            <p:cNvPr id="5" name="圖片 4" descr="一張含有 字型, 白色, 圖形, 標誌 的圖片&#10;&#10;自動產生的描述">
+              <a:extLst>
+                <a:ext uri="{FF2B5EF4-FFF2-40B4-BE49-F238E27FC236}">
+                  <a16:creationId xmlns:a16="http://schemas.microsoft.com/office/drawing/2014/main" id="{CAE7475C-1BC3-154D-59ED-FC292B265273}"/>
+                </a:ext>
+              </a:extLst>
+            </p:cNvPr>
+            <p:cNvPicPr>
+              <a:picLocks noChangeAspect="1"/>
+            </p:cNvPicPr>
+            <p:nvPr/>
+          </p:nvPicPr>
+          <p:blipFill>
+            <a:blip r:embed="rId3">
+              <a:extLst>
+                <a:ext uri="{28A0092B-C50C-407E-A947-70E740481C1C}">
+                  <a14:useLocalDpi xmlns:a14="http://schemas.microsoft.com/office/drawing/2010/main" val="0"/>
+                </a:ext>
+              </a:extLst>
+            </a:blip>
+            <a:stretch>
+              <a:fillRect/>
+            </a:stretch>
+          </p:blipFill>
+          <p:spPr>
+            <a:xfrm>
+              <a:off x="5558513" y="1586416"/>
+              <a:ext cx="2217314" cy="1108658"/>
+            </a:xfrm>
+            <a:prstGeom prst="rect">
+              <a:avLst/>
+            </a:prstGeom>
+          </p:spPr>
+        </p:pic>
+      </p:grpSp>
+    </p:spTree>
+    <p:extLst>
+      <p:ext uri="{BB962C8B-B14F-4D97-AF65-F5344CB8AC3E}">
+        <p14:creationId xmlns:p14="http://schemas.microsoft.com/office/powerpoint/2010/main" val="3072133452"/>
       </p:ext>
     </p:extLst>
   </p:cSld>
